--- a/12_occupancy.pptx
+++ b/12_occupancy.pptx
@@ -7,7 +7,7 @@
     <p:sldMasterId id="2147483672" r:id="rId3"/>
   </p:sldMasterIdLst>
   <p:notesMasterIdLst>
-    <p:notesMasterId r:id="rId13"/>
+    <p:notesMasterId r:id="rId14"/>
   </p:notesMasterIdLst>
   <p:sldIdLst>
     <p:sldId id="338" r:id="rId4"/>
@@ -15,10 +15,11 @@
     <p:sldId id="277" r:id="rId6"/>
     <p:sldId id="340" r:id="rId7"/>
     <p:sldId id="341" r:id="rId8"/>
-    <p:sldId id="342" r:id="rId9"/>
-    <p:sldId id="343" r:id="rId10"/>
-    <p:sldId id="344" r:id="rId11"/>
-    <p:sldId id="345" r:id="rId12"/>
+    <p:sldId id="346" r:id="rId9"/>
+    <p:sldId id="348" r:id="rId10"/>
+    <p:sldId id="342" r:id="rId11"/>
+    <p:sldId id="344" r:id="rId12"/>
+    <p:sldId id="345" r:id="rId13"/>
   </p:sldIdLst>
   <p:sldSz cx="12192000" cy="6858000"/>
   <p:notesSz cx="6858000" cy="9144000"/>
@@ -218,7 +219,7 @@
           <a:p>
             <a:fld id="{16F29BDC-05BE-4055-A75E-892A091DAB95}" type="datetimeFigureOut">
               <a:rPr lang="en-US" smtClean="0"/>
-              <a:t>11/7/19</a:t>
+              <a:t>11/20/19</a:t>
             </a:fld>
             <a:endParaRPr lang="en-US"/>
           </a:p>
@@ -569,6 +570,90 @@
 </p:notes>
 </file>
 
+<file path=ppt/notesSlides/notesSlide10.xml><?xml version="1.0" encoding="utf-8"?>
+<p:notes xmlns:a="http://schemas.openxmlformats.org/drawingml/2006/main" xmlns:r="http://schemas.openxmlformats.org/officeDocument/2006/relationships" xmlns:p="http://schemas.openxmlformats.org/presentationml/2006/main">
+  <p:cSld>
+    <p:spTree>
+      <p:nvGrpSpPr>
+        <p:cNvPr id="1" name=""/>
+        <p:cNvGrpSpPr/>
+        <p:nvPr/>
+      </p:nvGrpSpPr>
+      <p:grpSpPr>
+        <a:xfrm>
+          <a:off x="0" y="0"/>
+          <a:ext cx="0" cy="0"/>
+          <a:chOff x="0" y="0"/>
+          <a:chExt cx="0" cy="0"/>
+        </a:xfrm>
+      </p:grpSpPr>
+      <p:sp>
+        <p:nvSpPr>
+          <p:cNvPr id="2" name="Slide Image Placeholder 1"/>
+          <p:cNvSpPr>
+            <a:spLocks noGrp="1" noRot="1" noChangeAspect="1"/>
+          </p:cNvSpPr>
+          <p:nvPr>
+            <p:ph type="sldImg"/>
+          </p:nvPr>
+        </p:nvSpPr>
+        <p:spPr/>
+      </p:sp>
+      <p:sp>
+        <p:nvSpPr>
+          <p:cNvPr id="3" name="Notes Placeholder 2"/>
+          <p:cNvSpPr>
+            <a:spLocks noGrp="1"/>
+          </p:cNvSpPr>
+          <p:nvPr>
+            <p:ph type="body" idx="1"/>
+          </p:nvPr>
+        </p:nvSpPr>
+        <p:spPr/>
+        <p:txBody>
+          <a:bodyPr/>
+          <a:lstStyle/>
+          <a:p>
+            <a:endParaRPr lang="en-US" dirty="0"/>
+          </a:p>
+        </p:txBody>
+      </p:sp>
+      <p:sp>
+        <p:nvSpPr>
+          <p:cNvPr id="4" name="Slide Number Placeholder 3"/>
+          <p:cNvSpPr>
+            <a:spLocks noGrp="1"/>
+          </p:cNvSpPr>
+          <p:nvPr>
+            <p:ph type="sldNum" sz="quarter" idx="10"/>
+          </p:nvPr>
+        </p:nvSpPr>
+        <p:spPr/>
+        <p:txBody>
+          <a:bodyPr/>
+          <a:lstStyle/>
+          <a:p>
+            <a:fld id="{0FB8D10F-B4B1-4A77-9581-ED6B76C4FCA9}" type="slidenum">
+              <a:rPr lang="en-US" smtClean="0"/>
+              <a:t>10</a:t>
+            </a:fld>
+            <a:endParaRPr lang="en-US"/>
+          </a:p>
+        </p:txBody>
+      </p:sp>
+    </p:spTree>
+    <p:extLst>
+      <p:ext uri="{BB962C8B-B14F-4D97-AF65-F5344CB8AC3E}">
+        <p14:creationId xmlns:p14="http://schemas.microsoft.com/office/powerpoint/2010/main" val="3903328937"/>
+      </p:ext>
+    </p:extLst>
+  </p:cSld>
+  <p:clrMapOvr>
+    <a:masterClrMapping/>
+  </p:clrMapOvr>
+</p:notes>
+</file>
+
 <file path=ppt/notesSlides/notesSlide2.xml><?xml version="1.0" encoding="utf-8"?>
 <p:notes xmlns:a="http://schemas.openxmlformats.org/drawingml/2006/main" xmlns:r="http://schemas.openxmlformats.org/officeDocument/2006/relationships" xmlns:p="http://schemas.openxmlformats.org/presentationml/2006/main">
   <p:cSld>
@@ -979,7 +1064,7 @@
     </p:spTree>
     <p:extLst>
       <p:ext uri="{BB962C8B-B14F-4D97-AF65-F5344CB8AC3E}">
-        <p14:creationId xmlns:p14="http://schemas.microsoft.com/office/powerpoint/2010/main" val="780567192"/>
+        <p14:creationId xmlns:p14="http://schemas.microsoft.com/office/powerpoint/2010/main" val="2853931156"/>
       </p:ext>
     </p:extLst>
   </p:cSld>
@@ -1063,7 +1148,7 @@
     </p:spTree>
     <p:extLst>
       <p:ext uri="{BB962C8B-B14F-4D97-AF65-F5344CB8AC3E}">
-        <p14:creationId xmlns:p14="http://schemas.microsoft.com/office/powerpoint/2010/main" val="3108900317"/>
+        <p14:creationId xmlns:p14="http://schemas.microsoft.com/office/powerpoint/2010/main" val="65806379"/>
       </p:ext>
     </p:extLst>
   </p:cSld>
@@ -1147,7 +1232,7 @@
     </p:spTree>
     <p:extLst>
       <p:ext uri="{BB962C8B-B14F-4D97-AF65-F5344CB8AC3E}">
-        <p14:creationId xmlns:p14="http://schemas.microsoft.com/office/powerpoint/2010/main" val="820126623"/>
+        <p14:creationId xmlns:p14="http://schemas.microsoft.com/office/powerpoint/2010/main" val="780567192"/>
       </p:ext>
     </p:extLst>
   </p:cSld>
@@ -1231,7 +1316,7 @@
     </p:spTree>
     <p:extLst>
       <p:ext uri="{BB962C8B-B14F-4D97-AF65-F5344CB8AC3E}">
-        <p14:creationId xmlns:p14="http://schemas.microsoft.com/office/powerpoint/2010/main" val="3903328937"/>
+        <p14:creationId xmlns:p14="http://schemas.microsoft.com/office/powerpoint/2010/main" val="820126623"/>
       </p:ext>
     </p:extLst>
   </p:cSld>
@@ -1425,7 +1510,7 @@
             <a:fld id="{830F9418-5B83-A746-9E86-DED2E993E05E}" type="datetime1">
               <a:rPr lang="en-US" altLang="ja-JP"/>
               <a:pPr/>
-              <a:t>11/7/19</a:t>
+              <a:t>11/20/19</a:t>
             </a:fld>
             <a:endParaRPr lang="en-US" altLang="ja-JP"/>
           </a:p>
@@ -1610,7 +1695,7 @@
             <a:fld id="{6D01DB05-A92A-4D49-8595-8879094720BB}" type="datetime1">
               <a:rPr lang="en-US" altLang="ja-JP"/>
               <a:pPr/>
-              <a:t>11/7/19</a:t>
+              <a:t>11/20/19</a:t>
             </a:fld>
             <a:endParaRPr lang="en-US" altLang="ja-JP"/>
           </a:p>
@@ -1805,7 +1890,7 @@
             <a:fld id="{A7B7B07B-1D52-1E4A-B611-9C1440D28BF6}" type="datetime1">
               <a:rPr lang="en-US" altLang="ja-JP"/>
               <a:pPr/>
-              <a:t>11/7/19</a:t>
+              <a:t>11/20/19</a:t>
             </a:fld>
             <a:endParaRPr lang="en-US" altLang="ja-JP"/>
           </a:p>
@@ -2007,7 +2092,7 @@
           <a:p>
             <a:fld id="{314C27E4-3F14-4EB0-A0B7-52A5040CC8C6}" type="datetimeFigureOut">
               <a:rPr lang="en-US" smtClean="0"/>
-              <a:t>11/7/19</a:t>
+              <a:t>11/20/19</a:t>
             </a:fld>
             <a:endParaRPr lang="en-US"/>
           </a:p>
@@ -2175,7 +2260,7 @@
           <a:p>
             <a:fld id="{314C27E4-3F14-4EB0-A0B7-52A5040CC8C6}" type="datetimeFigureOut">
               <a:rPr lang="en-US" smtClean="0"/>
-              <a:t>11/7/19</a:t>
+              <a:t>11/20/19</a:t>
             </a:fld>
             <a:endParaRPr lang="en-US"/>
           </a:p>
@@ -2420,7 +2505,7 @@
           <a:p>
             <a:fld id="{314C27E4-3F14-4EB0-A0B7-52A5040CC8C6}" type="datetimeFigureOut">
               <a:rPr lang="en-US" smtClean="0"/>
-              <a:t>11/7/19</a:t>
+              <a:t>11/20/19</a:t>
             </a:fld>
             <a:endParaRPr lang="en-US"/>
           </a:p>
@@ -2649,7 +2734,7 @@
           <a:p>
             <a:fld id="{314C27E4-3F14-4EB0-A0B7-52A5040CC8C6}" type="datetimeFigureOut">
               <a:rPr lang="en-US" smtClean="0"/>
-              <a:t>11/7/19</a:t>
+              <a:t>11/20/19</a:t>
             </a:fld>
             <a:endParaRPr lang="en-US"/>
           </a:p>
@@ -3013,7 +3098,7 @@
           <a:p>
             <a:fld id="{314C27E4-3F14-4EB0-A0B7-52A5040CC8C6}" type="datetimeFigureOut">
               <a:rPr lang="en-US" smtClean="0"/>
-              <a:t>11/7/19</a:t>
+              <a:t>11/20/19</a:t>
             </a:fld>
             <a:endParaRPr lang="en-US"/>
           </a:p>
@@ -3130,7 +3215,7 @@
           <a:p>
             <a:fld id="{314C27E4-3F14-4EB0-A0B7-52A5040CC8C6}" type="datetimeFigureOut">
               <a:rPr lang="en-US" smtClean="0"/>
-              <a:t>11/7/19</a:t>
+              <a:t>11/20/19</a:t>
             </a:fld>
             <a:endParaRPr lang="en-US"/>
           </a:p>
@@ -3225,7 +3310,7 @@
           <a:p>
             <a:fld id="{314C27E4-3F14-4EB0-A0B7-52A5040CC8C6}" type="datetimeFigureOut">
               <a:rPr lang="en-US" smtClean="0"/>
-              <a:t>11/7/19</a:t>
+              <a:t>11/20/19</a:t>
             </a:fld>
             <a:endParaRPr lang="en-US"/>
           </a:p>
@@ -3500,7 +3585,7 @@
           <a:p>
             <a:fld id="{314C27E4-3F14-4EB0-A0B7-52A5040CC8C6}" type="datetimeFigureOut">
               <a:rPr lang="en-US" smtClean="0"/>
-              <a:t>11/7/19</a:t>
+              <a:t>11/20/19</a:t>
             </a:fld>
             <a:endParaRPr lang="en-US"/>
           </a:p>
@@ -3673,7 +3758,7 @@
             <a:fld id="{CC71711A-BC47-CA44-9877-92D3003F2A98}" type="datetime1">
               <a:rPr lang="en-US" altLang="ja-JP"/>
               <a:pPr/>
-              <a:t>11/7/19</a:t>
+              <a:t>11/20/19</a:t>
             </a:fld>
             <a:endParaRPr lang="en-US" altLang="ja-JP"/>
           </a:p>
@@ -3937,7 +4022,7 @@
           <a:p>
             <a:fld id="{314C27E4-3F14-4EB0-A0B7-52A5040CC8C6}" type="datetimeFigureOut">
               <a:rPr lang="en-US" smtClean="0"/>
-              <a:t>11/7/19</a:t>
+              <a:t>11/20/19</a:t>
             </a:fld>
             <a:endParaRPr lang="en-US"/>
           </a:p>
@@ -4105,7 +4190,7 @@
           <a:p>
             <a:fld id="{314C27E4-3F14-4EB0-A0B7-52A5040CC8C6}" type="datetimeFigureOut">
               <a:rPr lang="en-US" smtClean="0"/>
-              <a:t>11/7/19</a:t>
+              <a:t>11/20/19</a:t>
             </a:fld>
             <a:endParaRPr lang="en-US"/>
           </a:p>
@@ -4283,7 +4368,7 @@
           <a:p>
             <a:fld id="{314C27E4-3F14-4EB0-A0B7-52A5040CC8C6}" type="datetimeFigureOut">
               <a:rPr lang="en-US" smtClean="0"/>
-              <a:t>11/7/19</a:t>
+              <a:t>11/20/19</a:t>
             </a:fld>
             <a:endParaRPr lang="en-US"/>
           </a:p>
@@ -4473,7 +4558,7 @@
           <a:p>
             <a:fld id="{22559B5B-FF36-4D59-B3D9-55EADB775587}" type="datetimeFigureOut">
               <a:rPr lang="en-US" smtClean="0"/>
-              <a:t>11/7/19</a:t>
+              <a:t>11/20/19</a:t>
             </a:fld>
             <a:endParaRPr lang="en-US"/>
           </a:p>
@@ -4641,7 +4726,7 @@
           <a:p>
             <a:fld id="{22559B5B-FF36-4D59-B3D9-55EADB775587}" type="datetimeFigureOut">
               <a:rPr lang="en-US" smtClean="0"/>
-              <a:t>11/7/19</a:t>
+              <a:t>11/20/19</a:t>
             </a:fld>
             <a:endParaRPr lang="en-US"/>
           </a:p>
@@ -4886,7 +4971,7 @@
           <a:p>
             <a:fld id="{22559B5B-FF36-4D59-B3D9-55EADB775587}" type="datetimeFigureOut">
               <a:rPr lang="en-US" smtClean="0"/>
-              <a:t>11/7/19</a:t>
+              <a:t>11/20/19</a:t>
             </a:fld>
             <a:endParaRPr lang="en-US"/>
           </a:p>
@@ -5115,7 +5200,7 @@
           <a:p>
             <a:fld id="{22559B5B-FF36-4D59-B3D9-55EADB775587}" type="datetimeFigureOut">
               <a:rPr lang="en-US" smtClean="0"/>
-              <a:t>11/7/19</a:t>
+              <a:t>11/20/19</a:t>
             </a:fld>
             <a:endParaRPr lang="en-US"/>
           </a:p>
@@ -5479,7 +5564,7 @@
           <a:p>
             <a:fld id="{22559B5B-FF36-4D59-B3D9-55EADB775587}" type="datetimeFigureOut">
               <a:rPr lang="en-US" smtClean="0"/>
-              <a:t>11/7/19</a:t>
+              <a:t>11/20/19</a:t>
             </a:fld>
             <a:endParaRPr lang="en-US"/>
           </a:p>
@@ -5596,7 +5681,7 @@
           <a:p>
             <a:fld id="{22559B5B-FF36-4D59-B3D9-55EADB775587}" type="datetimeFigureOut">
               <a:rPr lang="en-US" smtClean="0"/>
-              <a:t>11/7/19</a:t>
+              <a:t>11/20/19</a:t>
             </a:fld>
             <a:endParaRPr lang="en-US"/>
           </a:p>
@@ -5691,7 +5776,7 @@
           <a:p>
             <a:fld id="{22559B5B-FF36-4D59-B3D9-55EADB775587}" type="datetimeFigureOut">
               <a:rPr lang="en-US" smtClean="0"/>
-              <a:t>11/7/19</a:t>
+              <a:t>11/20/19</a:t>
             </a:fld>
             <a:endParaRPr lang="en-US"/>
           </a:p>
@@ -5941,7 +6026,7 @@
             <a:fld id="{B9423B52-357B-1441-9B62-0D8AC9B72289}" type="datetime1">
               <a:rPr lang="en-US" altLang="ja-JP"/>
               <a:pPr/>
-              <a:t>11/7/19</a:t>
+              <a:t>11/20/19</a:t>
             </a:fld>
             <a:endParaRPr lang="en-US" altLang="ja-JP"/>
           </a:p>
@@ -6228,7 +6313,7 @@
           <a:p>
             <a:fld id="{22559B5B-FF36-4D59-B3D9-55EADB775587}" type="datetimeFigureOut">
               <a:rPr lang="en-US" smtClean="0"/>
-              <a:t>11/7/19</a:t>
+              <a:t>11/20/19</a:t>
             </a:fld>
             <a:endParaRPr lang="en-US"/>
           </a:p>
@@ -6480,7 +6565,7 @@
           <a:p>
             <a:fld id="{22559B5B-FF36-4D59-B3D9-55EADB775587}" type="datetimeFigureOut">
               <a:rPr lang="en-US" smtClean="0"/>
-              <a:t>11/7/19</a:t>
+              <a:t>11/20/19</a:t>
             </a:fld>
             <a:endParaRPr lang="en-US"/>
           </a:p>
@@ -6648,7 +6733,7 @@
           <a:p>
             <a:fld id="{22559B5B-FF36-4D59-B3D9-55EADB775587}" type="datetimeFigureOut">
               <a:rPr lang="en-US" smtClean="0"/>
-              <a:t>11/7/19</a:t>
+              <a:t>11/20/19</a:t>
             </a:fld>
             <a:endParaRPr lang="en-US"/>
           </a:p>
@@ -6826,7 +6911,7 @@
           <a:p>
             <a:fld id="{22559B5B-FF36-4D59-B3D9-55EADB775587}" type="datetimeFigureOut">
               <a:rPr lang="en-US" smtClean="0"/>
-              <a:t>11/7/19</a:t>
+              <a:t>11/20/19</a:t>
             </a:fld>
             <a:endParaRPr lang="en-US"/>
           </a:p>
@@ -7116,7 +7201,7 @@
             <a:fld id="{F5CBE31D-36C7-2548-8724-72332A0B5030}" type="datetime1">
               <a:rPr lang="en-US" altLang="ja-JP"/>
               <a:pPr/>
-              <a:t>11/7/19</a:t>
+              <a:t>11/20/19</a:t>
             </a:fld>
             <a:endParaRPr lang="en-US" altLang="ja-JP"/>
           </a:p>
@@ -7552,7 +7637,7 @@
             <a:fld id="{AD34DE35-7F18-034A-91D3-9AA0A58229FE}" type="datetime1">
               <a:rPr lang="en-US" altLang="ja-JP"/>
               <a:pPr/>
-              <a:t>11/7/19</a:t>
+              <a:t>11/20/19</a:t>
             </a:fld>
             <a:endParaRPr lang="en-US" altLang="ja-JP"/>
           </a:p>
@@ -7686,7 +7771,7 @@
             <a:fld id="{FB53120A-9A6F-3B49-8306-483CA126BCFB}" type="datetime1">
               <a:rPr lang="en-US" altLang="ja-JP"/>
               <a:pPr/>
-              <a:t>11/7/19</a:t>
+              <a:t>11/20/19</a:t>
             </a:fld>
             <a:endParaRPr lang="en-US" altLang="ja-JP"/>
           </a:p>
@@ -7798,7 +7883,7 @@
             <a:fld id="{F7B738BA-2629-934E-94BF-F5CC72E7235A}" type="datetime1">
               <a:rPr lang="en-US" altLang="ja-JP"/>
               <a:pPr/>
-              <a:t>11/7/19</a:t>
+              <a:t>11/20/19</a:t>
             </a:fld>
             <a:endParaRPr lang="en-US" altLang="ja-JP"/>
           </a:p>
@@ -7959,14 +8044,14 @@
           </a:ln>
           <a:extLst>
             <a:ext uri="{909E8E84-426E-40dd-AFC4-6F175D3DCCD1}">
-              <a14:hiddenFill xmlns="" xmlns:a14="http://schemas.microsoft.com/office/drawing/2010/main">
+              <a14:hiddenFill xmlns:a14="http://schemas.microsoft.com/office/drawing/2010/main" xmlns="">
                 <a:solidFill>
                   <a:srgbClr val="FFFFFF"/>
                 </a:solidFill>
               </a14:hiddenFill>
             </a:ext>
             <a:ext uri="{91240B29-F687-4f45-9708-019B960494DF}">
-              <a14:hiddenLine xmlns="" xmlns:a14="http://schemas.microsoft.com/office/drawing/2010/main" w="9525">
+              <a14:hiddenLine xmlns:a14="http://schemas.microsoft.com/office/drawing/2010/main" xmlns="" w="9525">
                 <a:solidFill>
                   <a:srgbClr val="000000"/>
                 </a:solidFill>
@@ -8210,7 +8295,7 @@
             <a:fld id="{4F15450E-D87A-F045-B427-882C6DA9EF88}" type="datetime1">
               <a:rPr lang="en-US" altLang="ja-JP"/>
               <a:pPr/>
-              <a:t>11/7/19</a:t>
+              <a:t>11/20/19</a:t>
             </a:fld>
             <a:endParaRPr lang="en-US" altLang="ja-JP"/>
           </a:p>
@@ -8482,7 +8567,7 @@
             <a:fld id="{9939A7E9-E02C-F542-90BF-60410FC3BD97}" type="datetime1">
               <a:rPr lang="en-US" altLang="ja-JP"/>
               <a:pPr/>
-              <a:t>11/7/19</a:t>
+              <a:t>11/20/19</a:t>
             </a:fld>
             <a:endParaRPr lang="en-US" altLang="ja-JP"/>
           </a:p>
@@ -8601,14 +8686,14 @@
           </a:ln>
           <a:extLst>
             <a:ext uri="{909E8E84-426E-40dd-AFC4-6F175D3DCCD1}">
-              <a14:hiddenFill xmlns="" xmlns:a14="http://schemas.microsoft.com/office/drawing/2010/main">
+              <a14:hiddenFill xmlns:a14="http://schemas.microsoft.com/office/drawing/2010/main" xmlns="">
                 <a:solidFill>
                   <a:srgbClr val="FFFFFF"/>
                 </a:solidFill>
               </a14:hiddenFill>
             </a:ext>
             <a:ext uri="{91240B29-F687-4f45-9708-019B960494DF}">
-              <a14:hiddenLine xmlns="" xmlns:a14="http://schemas.microsoft.com/office/drawing/2010/main" w="9525">
+              <a14:hiddenLine xmlns:a14="http://schemas.microsoft.com/office/drawing/2010/main" xmlns="" w="9525">
                 <a:solidFill>
                   <a:srgbClr val="000000"/>
                 </a:solidFill>
@@ -8618,7 +8703,7 @@
               </a14:hiddenLine>
             </a:ext>
             <a:ext uri="{FAA26D3D-D897-4be2-8F04-BA451C77F1D7}">
-              <ma14:placeholderFlag xmlns="" xmlns:ma14="http://schemas.microsoft.com/office/mac/drawingml/2011/main" val="1"/>
+              <ma14:placeholderFlag xmlns:ma14="http://schemas.microsoft.com/office/mac/drawingml/2011/main" xmlns="" val="1"/>
             </a:ext>
           </a:extLst>
         </p:spPr>
@@ -8662,14 +8747,14 @@
           </a:ln>
           <a:extLst>
             <a:ext uri="{909E8E84-426E-40dd-AFC4-6F175D3DCCD1}">
-              <a14:hiddenFill xmlns="" xmlns:a14="http://schemas.microsoft.com/office/drawing/2010/main">
+              <a14:hiddenFill xmlns:a14="http://schemas.microsoft.com/office/drawing/2010/main" xmlns="">
                 <a:solidFill>
                   <a:srgbClr val="FFFFFF"/>
                 </a:solidFill>
               </a14:hiddenFill>
             </a:ext>
             <a:ext uri="{91240B29-F687-4f45-9708-019B960494DF}">
-              <a14:hiddenLine xmlns="" xmlns:a14="http://schemas.microsoft.com/office/drawing/2010/main" w="9525">
+              <a14:hiddenLine xmlns:a14="http://schemas.microsoft.com/office/drawing/2010/main" xmlns="" w="9525">
                 <a:solidFill>
                   <a:srgbClr val="000000"/>
                 </a:solidFill>
@@ -8679,7 +8764,7 @@
               </a14:hiddenLine>
             </a:ext>
             <a:ext uri="{FAA26D3D-D897-4be2-8F04-BA451C77F1D7}">
-              <ma14:placeholderFlag xmlns="" xmlns:ma14="http://schemas.microsoft.com/office/mac/drawingml/2011/main" val="1"/>
+              <ma14:placeholderFlag xmlns:ma14="http://schemas.microsoft.com/office/mac/drawingml/2011/main" xmlns="" val="1"/>
             </a:ext>
           </a:extLst>
         </p:spPr>
@@ -8766,7 +8851,7 @@
             <a:fld id="{737452DA-0FC7-9749-AC95-456D3A080DD9}" type="datetime1">
               <a:rPr lang="en-US" altLang="ja-JP"/>
               <a:pPr/>
-              <a:t>11/7/19</a:t>
+              <a:t>11/20/19</a:t>
             </a:fld>
             <a:endParaRPr lang="en-US" altLang="ja-JP"/>
           </a:p>
@@ -9446,7 +9531,7 @@
           <a:p>
             <a:fld id="{314C27E4-3F14-4EB0-A0B7-52A5040CC8C6}" type="datetimeFigureOut">
               <a:rPr lang="en-US" smtClean="0"/>
-              <a:t>11/7/19</a:t>
+              <a:t>11/20/19</a:t>
             </a:fld>
             <a:endParaRPr lang="en-US"/>
           </a:p>
@@ -9984,7 +10069,7 @@
           <a:p>
             <a:fld id="{22559B5B-FF36-4D59-B3D9-55EADB775587}" type="datetimeFigureOut">
               <a:rPr lang="en-US" smtClean="0"/>
-              <a:t>11/7/19</a:t>
+              <a:t>11/20/19</a:t>
             </a:fld>
             <a:endParaRPr lang="en-US"/>
           </a:p>
@@ -10647,6 +10732,325 @@
     <p:extLst>
       <p:ext uri="{BB962C8B-B14F-4D97-AF65-F5344CB8AC3E}">
         <p14:creationId xmlns:p14="http://schemas.microsoft.com/office/powerpoint/2010/main" val="2749087878"/>
+      </p:ext>
+    </p:extLst>
+  </p:cSld>
+  <p:clrMapOvr>
+    <a:masterClrMapping/>
+  </p:clrMapOvr>
+</p:sld>
+</file>
+
+<file path=ppt/slides/slide10.xml><?xml version="1.0" encoding="utf-8"?>
+<p:sld xmlns:a="http://schemas.openxmlformats.org/drawingml/2006/main" xmlns:r="http://schemas.openxmlformats.org/officeDocument/2006/relationships" xmlns:p="http://schemas.openxmlformats.org/presentationml/2006/main">
+  <p:cSld>
+    <p:spTree>
+      <p:nvGrpSpPr>
+        <p:cNvPr id="1" name=""/>
+        <p:cNvGrpSpPr/>
+        <p:nvPr/>
+      </p:nvGrpSpPr>
+      <p:grpSpPr>
+        <a:xfrm>
+          <a:off x="0" y="0"/>
+          <a:ext cx="0" cy="0"/>
+          <a:chOff x="0" y="0"/>
+          <a:chExt cx="0" cy="0"/>
+        </a:xfrm>
+      </p:grpSpPr>
+      <p:sp>
+        <p:nvSpPr>
+          <p:cNvPr id="4" name="TextBox 3">
+            <a:extLst>
+              <a:ext uri="{FF2B5EF4-FFF2-40B4-BE49-F238E27FC236}">
+                <a16:creationId xmlns:a16="http://schemas.microsoft.com/office/drawing/2014/main" id="{2B49F462-104B-B34E-9C49-834508971279}"/>
+              </a:ext>
+            </a:extLst>
+          </p:cNvPr>
+          <p:cNvSpPr txBox="1"/>
+          <p:nvPr/>
+        </p:nvSpPr>
+        <p:spPr>
+          <a:xfrm>
+            <a:off x="489857" y="68429"/>
+            <a:ext cx="11212286" cy="5940088"/>
+          </a:xfrm>
+          <a:prstGeom prst="rect">
+            <a:avLst/>
+          </a:prstGeom>
+          <a:noFill/>
+        </p:spPr>
+        <p:txBody>
+          <a:bodyPr wrap="square" rtlCol="0">
+            <a:spAutoFit/>
+          </a:bodyPr>
+          <a:lstStyle/>
+          <a:p>
+            <a:pPr algn="just"/>
+            <a:r>
+              <a:rPr lang="en-US" sz="6000" dirty="0">
+                <a:latin typeface="Helvetica" pitchFamily="2" charset="0"/>
+              </a:rPr>
+              <a:t>Assumptions</a:t>
+            </a:r>
+          </a:p>
+          <a:p>
+            <a:pPr marL="457200" indent="-457200" algn="just">
+              <a:buFont typeface="Arial" panose="020B0604020202020204" pitchFamily="34" charset="0"/>
+              <a:buChar char="•"/>
+            </a:pPr>
+            <a:r>
+              <a:rPr lang="en-US" sz="4000" dirty="0">
+                <a:latin typeface="Helvetica" pitchFamily="2" charset="0"/>
+                <a:ea typeface="Tahoma" panose="020B0604030504040204" pitchFamily="34" charset="0"/>
+                <a:cs typeface="Tahoma" panose="020B0604030504040204" pitchFamily="34" charset="0"/>
+              </a:rPr>
+              <a:t>Repeated surveys occur during a period of </a:t>
+            </a:r>
+            <a:r>
+              <a:rPr lang="en-US" sz="4000" b="1" dirty="0">
+                <a:solidFill>
+                  <a:srgbClr val="4CA800"/>
+                </a:solidFill>
+                <a:latin typeface="Helvetica" pitchFamily="2" charset="0"/>
+                <a:ea typeface="Tahoma" panose="020B0604030504040204" pitchFamily="34" charset="0"/>
+                <a:cs typeface="Tahoma" panose="020B0604030504040204" pitchFamily="34" charset="0"/>
+              </a:rPr>
+              <a:t>closure</a:t>
+            </a:r>
+            <a:r>
+              <a:rPr lang="en-US" sz="4000" dirty="0">
+                <a:latin typeface="Helvetica" pitchFamily="2" charset="0"/>
+                <a:ea typeface="Tahoma" panose="020B0604030504040204" pitchFamily="34" charset="0"/>
+                <a:cs typeface="Tahoma" panose="020B0604030504040204" pitchFamily="34" charset="0"/>
+              </a:rPr>
+              <a:t>, when there is no change in occupancy state</a:t>
+            </a:r>
+          </a:p>
+          <a:p>
+            <a:pPr marL="457200" indent="-457200" algn="just">
+              <a:buFont typeface="Arial" panose="020B0604020202020204" pitchFamily="34" charset="0"/>
+              <a:buChar char="•"/>
+            </a:pPr>
+            <a:r>
+              <a:rPr lang="en-US" sz="4000" dirty="0">
+                <a:latin typeface="Helvetica" pitchFamily="2" charset="0"/>
+                <a:ea typeface="Tahoma" panose="020B0604030504040204" pitchFamily="34" charset="0"/>
+                <a:cs typeface="Tahoma" panose="020B0604030504040204" pitchFamily="34" charset="0"/>
+              </a:rPr>
+              <a:t>There are </a:t>
+            </a:r>
+            <a:r>
+              <a:rPr lang="en-US" sz="4000" b="1" dirty="0">
+                <a:solidFill>
+                  <a:srgbClr val="4CA800"/>
+                </a:solidFill>
+                <a:latin typeface="Helvetica" pitchFamily="2" charset="0"/>
+                <a:ea typeface="Tahoma" panose="020B0604030504040204" pitchFamily="34" charset="0"/>
+                <a:cs typeface="Tahoma" panose="020B0604030504040204" pitchFamily="34" charset="0"/>
+              </a:rPr>
+              <a:t>no false detections</a:t>
+            </a:r>
+          </a:p>
+          <a:p>
+            <a:pPr marL="457200" indent="-457200" algn="just">
+              <a:buFont typeface="Arial" panose="020B0604020202020204" pitchFamily="34" charset="0"/>
+              <a:buChar char="•"/>
+            </a:pPr>
+            <a:r>
+              <a:rPr lang="en-US" sz="4000" dirty="0">
+                <a:latin typeface="Helvetica" pitchFamily="2" charset="0"/>
+              </a:rPr>
+              <a:t>Sites are </a:t>
+            </a:r>
+            <a:r>
+              <a:rPr lang="en-US" sz="4000" b="1" dirty="0">
+                <a:solidFill>
+                  <a:srgbClr val="4CA800"/>
+                </a:solidFill>
+                <a:latin typeface="Helvetica" pitchFamily="2" charset="0"/>
+                <a:ea typeface="Tahoma" panose="020B0604030504040204" pitchFamily="34" charset="0"/>
+                <a:cs typeface="Tahoma" panose="020B0604030504040204" pitchFamily="34" charset="0"/>
+              </a:rPr>
+              <a:t>independent</a:t>
+            </a:r>
+          </a:p>
+          <a:p>
+            <a:pPr marL="457200" indent="-457200" algn="just">
+              <a:buFont typeface="Arial" panose="020B0604020202020204" pitchFamily="34" charset="0"/>
+              <a:buChar char="•"/>
+            </a:pPr>
+            <a:r>
+              <a:rPr lang="en-US" sz="4000" dirty="0">
+                <a:latin typeface="Helvetica" pitchFamily="2" charset="0"/>
+              </a:rPr>
+              <a:t>The relationship between occupancy and detection probabilities and the covariates is </a:t>
+            </a:r>
+            <a:r>
+              <a:rPr lang="en-US" sz="4000" b="1" dirty="0">
+                <a:solidFill>
+                  <a:srgbClr val="4CA800"/>
+                </a:solidFill>
+                <a:latin typeface="Helvetica" pitchFamily="2" charset="0"/>
+                <a:ea typeface="Tahoma" panose="020B0604030504040204" pitchFamily="34" charset="0"/>
+                <a:cs typeface="Tahoma" panose="020B0604030504040204" pitchFamily="34" charset="0"/>
+              </a:rPr>
+              <a:t>stationary</a:t>
+            </a:r>
+            <a:r>
+              <a:rPr lang="en-US" sz="4000" dirty="0">
+                <a:latin typeface="Helvetica" pitchFamily="2" charset="0"/>
+              </a:rPr>
+              <a:t>, i.e. constant across sites and visits</a:t>
+            </a:r>
+          </a:p>
+        </p:txBody>
+      </p:sp>
+      <p:grpSp>
+        <p:nvGrpSpPr>
+          <p:cNvPr id="8" name="Group 7">
+            <a:extLst>
+              <a:ext uri="{FF2B5EF4-FFF2-40B4-BE49-F238E27FC236}">
+                <a16:creationId xmlns:a16="http://schemas.microsoft.com/office/drawing/2014/main" id="{21D260C6-7809-9546-A8D4-9970E01143C8}"/>
+              </a:ext>
+            </a:extLst>
+          </p:cNvPr>
+          <p:cNvGrpSpPr/>
+          <p:nvPr/>
+        </p:nvGrpSpPr>
+        <p:grpSpPr>
+          <a:xfrm>
+            <a:off x="0" y="6361112"/>
+            <a:ext cx="12192000" cy="496888"/>
+            <a:chOff x="0" y="6361112"/>
+            <a:chExt cx="12192000" cy="496888"/>
+          </a:xfrm>
+        </p:grpSpPr>
+        <p:sp>
+          <p:nvSpPr>
+            <p:cNvPr id="9" name="Rectangle 8">
+              <a:extLst>
+                <a:ext uri="{FF2B5EF4-FFF2-40B4-BE49-F238E27FC236}">
+                  <a16:creationId xmlns:a16="http://schemas.microsoft.com/office/drawing/2014/main" id="{C5E905AA-DA22-A849-83D7-EC9224556376}"/>
+                </a:ext>
+              </a:extLst>
+            </p:cNvPr>
+            <p:cNvSpPr/>
+            <p:nvPr/>
+          </p:nvSpPr>
+          <p:spPr>
+            <a:xfrm>
+              <a:off x="0" y="6361112"/>
+              <a:ext cx="12192000" cy="496888"/>
+            </a:xfrm>
+            <a:prstGeom prst="rect">
+              <a:avLst/>
+            </a:prstGeom>
+            <a:solidFill>
+              <a:schemeClr val="tx1"/>
+            </a:solidFill>
+            <a:ln>
+              <a:noFill/>
+            </a:ln>
+            <a:effectLst/>
+          </p:spPr>
+          <p:style>
+            <a:lnRef idx="1">
+              <a:schemeClr val="accent1"/>
+            </a:lnRef>
+            <a:fillRef idx="3">
+              <a:schemeClr val="accent1"/>
+            </a:fillRef>
+            <a:effectRef idx="2">
+              <a:schemeClr val="accent1"/>
+            </a:effectRef>
+            <a:fontRef idx="minor">
+              <a:schemeClr val="lt1"/>
+            </a:fontRef>
+          </p:style>
+          <p:txBody>
+            <a:bodyPr anchor="ctr"/>
+            <a:lstStyle/>
+            <a:p>
+              <a:pPr algn="ctr">
+                <a:defRPr/>
+              </a:pPr>
+              <a:endParaRPr lang="ja-JP" altLang="en-US">
+                <a:solidFill>
+                  <a:srgbClr val="FFFFFF"/>
+                </a:solidFill>
+                <a:latin typeface="Helvetica Neue Light" charset="0"/>
+                <a:ea typeface="Helvetica Neue Light" charset="0"/>
+                <a:cs typeface="Helvetica Neue Light" charset="0"/>
+              </a:endParaRPr>
+            </a:p>
+          </p:txBody>
+        </p:sp>
+        <p:pic>
+          <p:nvPicPr>
+            <p:cNvPr id="11" name="Picture 21" descr="CL_logo_RGB_inv.emf">
+              <a:extLst>
+                <a:ext uri="{FF2B5EF4-FFF2-40B4-BE49-F238E27FC236}">
+                  <a16:creationId xmlns:a16="http://schemas.microsoft.com/office/drawing/2014/main" id="{96E8E1D4-24E4-F044-B430-5B4930A4236B}"/>
+                </a:ext>
+              </a:extLst>
+            </p:cNvPr>
+            <p:cNvPicPr>
+              <a:picLocks noChangeAspect="1"/>
+            </p:cNvPicPr>
+            <p:nvPr/>
+          </p:nvPicPr>
+          <p:blipFill>
+            <a:blip r:embed="rId3">
+              <a:extLst>
+                <a:ext uri="{28A0092B-C50C-407E-A947-70E740481C1C}">
+                  <a14:useLocalDpi xmlns:a14="http://schemas.microsoft.com/office/drawing/2010/main" val="0"/>
+                </a:ext>
+              </a:extLst>
+            </a:blip>
+            <a:srcRect/>
+            <a:stretch>
+              <a:fillRect/>
+            </a:stretch>
+          </p:blipFill>
+          <p:spPr bwMode="auto">
+            <a:xfrm>
+              <a:off x="8991600" y="6467476"/>
+              <a:ext cx="2438400" cy="274637"/>
+            </a:xfrm>
+            <a:prstGeom prst="rect">
+              <a:avLst/>
+            </a:prstGeom>
+            <a:noFill/>
+            <a:ln>
+              <a:noFill/>
+            </a:ln>
+            <a:extLst>
+              <a:ext uri="{909E8E84-426E-40DD-AFC4-6F175D3DCCD1}">
+                <a14:hiddenFill xmlns:a14="http://schemas.microsoft.com/office/drawing/2010/main">
+                  <a:solidFill>
+                    <a:srgbClr val="FFFFFF"/>
+                  </a:solidFill>
+                </a14:hiddenFill>
+              </a:ext>
+              <a:ext uri="{91240B29-F687-4F45-9708-019B960494DF}">
+                <a14:hiddenLine xmlns:a14="http://schemas.microsoft.com/office/drawing/2010/main" w="9525">
+                  <a:solidFill>
+                    <a:srgbClr val="000000"/>
+                  </a:solidFill>
+                  <a:miter lim="800000"/>
+                  <a:headEnd/>
+                  <a:tailEnd/>
+                </a14:hiddenLine>
+              </a:ext>
+            </a:extLst>
+          </p:spPr>
+        </p:pic>
+      </p:grpSp>
+    </p:spTree>
+    <p:extLst>
+      <p:ext uri="{BB962C8B-B14F-4D97-AF65-F5344CB8AC3E}">
+        <p14:creationId xmlns:p14="http://schemas.microsoft.com/office/powerpoint/2010/main" val="3036670036"/>
       </p:ext>
     </p:extLst>
   </p:cSld>
@@ -11451,6 +11855,45 @@
           <a:chExt cx="0" cy="0"/>
         </a:xfrm>
       </p:grpSpPr>
+      <p:pic>
+        <p:nvPicPr>
+          <p:cNvPr id="3" name="Graphic 2">
+            <a:extLst>
+              <a:ext uri="{FF2B5EF4-FFF2-40B4-BE49-F238E27FC236}">
+                <a16:creationId xmlns:a16="http://schemas.microsoft.com/office/drawing/2014/main" id="{B81569DE-543F-8D48-9C31-8CF21C40EFE0}"/>
+              </a:ext>
+            </a:extLst>
+          </p:cNvPr>
+          <p:cNvPicPr>
+            <a:picLocks noChangeAspect="1"/>
+          </p:cNvPicPr>
+          <p:nvPr/>
+        </p:nvPicPr>
+        <p:blipFill>
+          <a:blip r:embed="rId3">
+            <a:extLst>
+              <a:ext uri="{28A0092B-C50C-407E-A947-70E740481C1C}">
+                <a14:useLocalDpi xmlns:a14="http://schemas.microsoft.com/office/drawing/2010/main" val="0"/>
+              </a:ext>
+              <a:ext uri="{96DAC541-7B7A-43D3-8B79-37D633B846F1}">
+                <asvg:svgBlip xmlns:asvg="http://schemas.microsoft.com/office/drawing/2016/SVG/main" r:embed="rId4"/>
+              </a:ext>
+            </a:extLst>
+          </a:blip>
+          <a:stretch>
+            <a:fillRect/>
+          </a:stretch>
+        </p:blipFill>
+        <p:spPr>
+          <a:xfrm>
+            <a:off x="655320" y="1042079"/>
+            <a:ext cx="4800600" cy="4800600"/>
+          </a:xfrm>
+          <a:prstGeom prst="rect">
+            <a:avLst/>
+          </a:prstGeom>
+        </p:spPr>
+      </p:pic>
       <p:grpSp>
         <p:nvGrpSpPr>
           <p:cNvPr id="8" name="Group 7">
@@ -11546,7 +11989,7 @@
             <p:nvPr/>
           </p:nvPicPr>
           <p:blipFill>
-            <a:blip r:embed="rId3">
+            <a:blip r:embed="rId5">
               <a:extLst>
                 <a:ext uri="{28A0092B-C50C-407E-A947-70E740481C1C}">
                   <a14:useLocalDpi xmlns:a14="http://schemas.microsoft.com/office/drawing/2010/main" val="0"/>
@@ -11797,7 +12240,7 @@
                 <a:avLst/>
               </a:prstGeom>
               <a:blipFill>
-                <a:blip r:embed="rId4"/>
+                <a:blip r:embed="rId6"/>
                 <a:stretch>
                   <a:fillRect l="-3602" t="-2051"/>
                 </a:stretch>
@@ -11818,45 +12261,6 @@
           </p:sp>
         </mc:Fallback>
       </mc:AlternateContent>
-      <p:pic>
-        <p:nvPicPr>
-          <p:cNvPr id="23" name="Graphic 22">
-            <a:extLst>
-              <a:ext uri="{FF2B5EF4-FFF2-40B4-BE49-F238E27FC236}">
-                <a16:creationId xmlns:a16="http://schemas.microsoft.com/office/drawing/2014/main" id="{E0CC92D4-06C3-2447-ADCE-072728397B43}"/>
-              </a:ext>
-            </a:extLst>
-          </p:cNvPr>
-          <p:cNvPicPr>
-            <a:picLocks noChangeAspect="1"/>
-          </p:cNvPicPr>
-          <p:nvPr/>
-        </p:nvPicPr>
-        <p:blipFill>
-          <a:blip r:embed="rId5">
-            <a:extLst>
-              <a:ext uri="{28A0092B-C50C-407E-A947-70E740481C1C}">
-                <a14:useLocalDpi xmlns:a14="http://schemas.microsoft.com/office/drawing/2010/main" val="0"/>
-              </a:ext>
-              <a:ext uri="{96DAC541-7B7A-43D3-8B79-37D633B846F1}">
-                <asvg:svgBlip xmlns:asvg="http://schemas.microsoft.com/office/drawing/2016/SVG/main" r:embed="rId6"/>
-              </a:ext>
-            </a:extLst>
-          </a:blip>
-          <a:stretch>
-            <a:fillRect/>
-          </a:stretch>
-        </p:blipFill>
-        <p:spPr>
-          <a:xfrm>
-            <a:off x="655320" y="1042079"/>
-            <a:ext cx="4800600" cy="4800600"/>
-          </a:xfrm>
-          <a:prstGeom prst="rect">
-            <a:avLst/>
-          </a:prstGeom>
-        </p:spPr>
-      </p:pic>
     </p:spTree>
     <p:extLst>
       <p:ext uri="{BB962C8B-B14F-4D97-AF65-F5344CB8AC3E}">
@@ -11889,10 +12293,10 @@
       </p:grpSpPr>
       <p:pic>
         <p:nvPicPr>
-          <p:cNvPr id="17" name="Graphic 16">
+          <p:cNvPr id="3" name="Graphic 2">
             <a:extLst>
               <a:ext uri="{FF2B5EF4-FFF2-40B4-BE49-F238E27FC236}">
-                <a16:creationId xmlns:a16="http://schemas.microsoft.com/office/drawing/2014/main" id="{EEE2D209-5B3A-5A4A-887C-70D9826E1DFB}"/>
+                <a16:creationId xmlns:a16="http://schemas.microsoft.com/office/drawing/2014/main" id="{928E35BF-5AD2-E74C-8901-8ED2A3862CA5}"/>
               </a:ext>
             </a:extLst>
           </p:cNvPr>
@@ -12067,143 +12471,74 @@
           </p:spPr>
         </p:pic>
       </p:grpSp>
-      <mc:AlternateContent xmlns:mc="http://schemas.openxmlformats.org/markup-compatibility/2006" xmlns:a14="http://schemas.microsoft.com/office/drawing/2010/main">
-        <mc:Choice Requires="a14">
-          <p:sp>
-            <p:nvSpPr>
-              <p:cNvPr id="16" name="TextBox 15">
-                <a:extLst>
-                  <a:ext uri="{FF2B5EF4-FFF2-40B4-BE49-F238E27FC236}">
-                    <a16:creationId xmlns:a16="http://schemas.microsoft.com/office/drawing/2014/main" id="{CE56B8A4-CABE-A745-8E84-91CEAEA17A6E}"/>
-                  </a:ext>
-                </a:extLst>
-              </p:cNvPr>
-              <p:cNvSpPr txBox="1"/>
-              <p:nvPr/>
-            </p:nvSpPr>
-            <p:spPr>
-              <a:xfrm>
-                <a:off x="6107430" y="991997"/>
-                <a:ext cx="5985510" cy="3785652"/>
-              </a:xfrm>
-              <a:prstGeom prst="rect">
-                <a:avLst/>
-              </a:prstGeom>
-              <a:noFill/>
-            </p:spPr>
-            <p:txBody>
-              <a:bodyPr wrap="square" rtlCol="0">
-                <a:spAutoFit/>
-              </a:bodyPr>
-              <a:lstStyle/>
-              <a:p>
-                <a:pPr algn="just"/>
-                <a:r>
-                  <a:rPr lang="en-US" sz="4000" dirty="0">
-                    <a:latin typeface="Helvetica" pitchFamily="2" charset="0"/>
-                  </a:rPr>
-                  <a:t>25 sites surveyed, non-detection can be due to:</a:t>
-                </a:r>
-              </a:p>
-              <a:p>
-                <a:pPr algn="just"/>
-                <a:endParaRPr lang="en-US" sz="4000" dirty="0">
-                  <a:latin typeface="Helvetica" pitchFamily="2" charset="0"/>
-                </a:endParaRPr>
-              </a:p>
-              <a:p>
-                <a:pPr marL="571500" indent="-571500">
-                  <a:buFont typeface="Arial" panose="020B0604020202020204" pitchFamily="34" charset="0"/>
-                  <a:buChar char="•"/>
-                </a:pPr>
-                <a:r>
-                  <a:rPr lang="en-US" sz="3000" dirty="0">
-                    <a:latin typeface="Helvetica" pitchFamily="2" charset="0"/>
-                  </a:rPr>
-                  <a:t>Species not present (black)</a:t>
-                </a:r>
-              </a:p>
-              <a:p>
-                <a:pPr marL="571500" indent="-571500">
-                  <a:buFont typeface="Arial" panose="020B0604020202020204" pitchFamily="34" charset="0"/>
-                  <a:buChar char="•"/>
-                </a:pPr>
-                <a:r>
-                  <a:rPr lang="en-US" sz="3000" dirty="0">
-                    <a:latin typeface="Helvetica" pitchFamily="2" charset="0"/>
-                  </a:rPr>
-                  <a:t>Species present, but not detected (white) because detection probability </a:t>
-                </a:r>
-                <a14:m>
-                  <m:oMath xmlns:m="http://schemas.openxmlformats.org/officeDocument/2006/math">
-                    <m:r>
-                      <a:rPr lang="en-US" sz="3000" i="1">
-                        <a:latin typeface="Cambria Math" panose="02040503050406030204" pitchFamily="18" charset="0"/>
-                        <a:ea typeface="Cambria Math" panose="02040503050406030204" pitchFamily="18" charset="0"/>
-                      </a:rPr>
-                      <m:t>𝑝</m:t>
-                    </m:r>
-                    <m:r>
-                      <a:rPr lang="en-US" sz="3000" b="0" i="1" smtClean="0">
-                        <a:latin typeface="Cambria Math" panose="02040503050406030204" pitchFamily="18" charset="0"/>
-                        <a:ea typeface="Cambria Math" panose="02040503050406030204" pitchFamily="18" charset="0"/>
-                      </a:rPr>
-                      <m:t>&lt;1</m:t>
-                    </m:r>
-                  </m:oMath>
-                </a14:m>
-                <a:endParaRPr lang="en-US" sz="3000" dirty="0">
-                  <a:latin typeface="Helvetica" pitchFamily="2" charset="0"/>
-                </a:endParaRPr>
-              </a:p>
-            </p:txBody>
-          </p:sp>
-        </mc:Choice>
-        <mc:Fallback xmlns="">
-          <p:sp>
-            <p:nvSpPr>
-              <p:cNvPr id="16" name="TextBox 15">
-                <a:extLst>
-                  <a:ext uri="{FF2B5EF4-FFF2-40B4-BE49-F238E27FC236}">
-                    <a16:creationId xmlns:a16="http://schemas.microsoft.com/office/drawing/2014/main" id="{CE56B8A4-CABE-A745-8E84-91CEAEA17A6E}"/>
-                  </a:ext>
-                </a:extLst>
-              </p:cNvPr>
-              <p:cNvSpPr txBox="1">
-                <a:spLocks noRot="1" noChangeAspect="1" noMove="1" noResize="1" noEditPoints="1" noAdjustHandles="1" noChangeArrowheads="1" noChangeShapeType="1" noTextEdit="1"/>
-              </p:cNvSpPr>
-              <p:nvPr/>
-            </p:nvSpPr>
-            <p:spPr>
-              <a:xfrm>
-                <a:off x="6107430" y="991997"/>
-                <a:ext cx="5985510" cy="3785652"/>
-              </a:xfrm>
-              <a:prstGeom prst="rect">
-                <a:avLst/>
-              </a:prstGeom>
-              <a:blipFill>
-                <a:blip r:embed="rId6"/>
-                <a:stretch>
-                  <a:fillRect l="-3602" t="-2676" r="-3602" b="-3679"/>
-                </a:stretch>
-              </a:blipFill>
-            </p:spPr>
-            <p:txBody>
-              <a:bodyPr/>
-              <a:lstStyle/>
-              <a:p>
-                <a:r>
-                  <a:rPr lang="en-US">
-                    <a:noFill/>
-                  </a:rPr>
-                  <a:t> </a:t>
-                </a:r>
-              </a:p>
-            </p:txBody>
-          </p:sp>
-        </mc:Fallback>
-      </mc:AlternateContent>
+      <p:sp>
+        <p:nvSpPr>
+          <p:cNvPr id="16" name="TextBox 15">
+            <a:extLst>
+              <a:ext uri="{FF2B5EF4-FFF2-40B4-BE49-F238E27FC236}">
+                <a16:creationId xmlns:a16="http://schemas.microsoft.com/office/drawing/2014/main" id="{CE56B8A4-CABE-A745-8E84-91CEAEA17A6E}"/>
+              </a:ext>
+            </a:extLst>
+          </p:cNvPr>
+          <p:cNvSpPr txBox="1"/>
+          <p:nvPr/>
+        </p:nvSpPr>
+        <p:spPr>
+          <a:xfrm>
+            <a:off x="6107430" y="991997"/>
+            <a:ext cx="5985510" cy="2862322"/>
+          </a:xfrm>
+          <a:prstGeom prst="rect">
+            <a:avLst/>
+          </a:prstGeom>
+          <a:noFill/>
+        </p:spPr>
+        <p:txBody>
+          <a:bodyPr wrap="square" rtlCol="0">
+            <a:spAutoFit/>
+          </a:bodyPr>
+          <a:lstStyle/>
+          <a:p>
+            <a:pPr algn="just"/>
+            <a:r>
+              <a:rPr lang="en-US" sz="4000" dirty="0">
+                <a:latin typeface="Helvetica" pitchFamily="2" charset="0"/>
+              </a:rPr>
+              <a:t>25 sites surveyed, non-detection can be due to:</a:t>
+            </a:r>
+          </a:p>
+          <a:p>
+            <a:pPr algn="just"/>
+            <a:endParaRPr lang="en-US" sz="4000" dirty="0">
+              <a:latin typeface="Helvetica" pitchFamily="2" charset="0"/>
+            </a:endParaRPr>
+          </a:p>
+          <a:p>
+            <a:pPr marL="571500" indent="-571500">
+              <a:buFont typeface="Arial" panose="020B0604020202020204" pitchFamily="34" charset="0"/>
+              <a:buChar char="•"/>
+            </a:pPr>
+            <a:r>
+              <a:rPr lang="en-US" sz="3000" dirty="0">
+                <a:latin typeface="Helvetica" pitchFamily="2" charset="0"/>
+              </a:rPr>
+              <a:t>Species not present</a:t>
+            </a:r>
+          </a:p>
+          <a:p>
+            <a:pPr marL="571500" indent="-571500">
+              <a:buFont typeface="Arial" panose="020B0604020202020204" pitchFamily="34" charset="0"/>
+              <a:buChar char="•"/>
+            </a:pPr>
+            <a:r>
+              <a:rPr lang="en-US" sz="3000" dirty="0">
+                <a:latin typeface="Helvetica" pitchFamily="2" charset="0"/>
+              </a:rPr>
+              <a:t>Species not detected</a:t>
+            </a:r>
+          </a:p>
+        </p:txBody>
+      </p:sp>
     </p:spTree>
     <p:extLst>
       <p:ext uri="{BB962C8B-B14F-4D97-AF65-F5344CB8AC3E}">
@@ -12234,6 +12569,45 @@
           <a:chExt cx="0" cy="0"/>
         </a:xfrm>
       </p:grpSpPr>
+      <p:pic>
+        <p:nvPicPr>
+          <p:cNvPr id="7" name="Graphic 6">
+            <a:extLst>
+              <a:ext uri="{FF2B5EF4-FFF2-40B4-BE49-F238E27FC236}">
+                <a16:creationId xmlns:a16="http://schemas.microsoft.com/office/drawing/2014/main" id="{27F4DB53-2D4C-004A-9AB6-B3879C27D7C6}"/>
+              </a:ext>
+            </a:extLst>
+          </p:cNvPr>
+          <p:cNvPicPr>
+            <a:picLocks noChangeAspect="1"/>
+          </p:cNvPicPr>
+          <p:nvPr/>
+        </p:nvPicPr>
+        <p:blipFill>
+          <a:blip r:embed="rId3">
+            <a:extLst>
+              <a:ext uri="{28A0092B-C50C-407E-A947-70E740481C1C}">
+                <a14:useLocalDpi xmlns:a14="http://schemas.microsoft.com/office/drawing/2010/main" val="0"/>
+              </a:ext>
+              <a:ext uri="{96DAC541-7B7A-43D3-8B79-37D633B846F1}">
+                <asvg:svgBlip xmlns:asvg="http://schemas.microsoft.com/office/drawing/2016/SVG/main" r:embed="rId4"/>
+              </a:ext>
+            </a:extLst>
+          </a:blip>
+          <a:stretch>
+            <a:fillRect/>
+          </a:stretch>
+        </p:blipFill>
+        <p:spPr>
+          <a:xfrm>
+            <a:off x="655320" y="1042080"/>
+            <a:ext cx="4800600" cy="4800600"/>
+          </a:xfrm>
+          <a:prstGeom prst="rect">
+            <a:avLst/>
+          </a:prstGeom>
+        </p:spPr>
+      </p:pic>
       <p:grpSp>
         <p:nvGrpSpPr>
           <p:cNvPr id="8" name="Group 7">
@@ -12329,7 +12703,7 @@
             <p:nvPr/>
           </p:nvPicPr>
           <p:blipFill>
-            <a:blip r:embed="rId3">
+            <a:blip r:embed="rId5">
               <a:extLst>
                 <a:ext uri="{28A0092B-C50C-407E-A947-70E740481C1C}">
                   <a14:useLocalDpi xmlns:a14="http://schemas.microsoft.com/office/drawing/2010/main" val="0"/>
@@ -12375,12 +12749,110 @@
           </p:spPr>
         </p:pic>
       </p:grpSp>
+      <p:sp>
+        <p:nvSpPr>
+          <p:cNvPr id="16" name="TextBox 15">
+            <a:extLst>
+              <a:ext uri="{FF2B5EF4-FFF2-40B4-BE49-F238E27FC236}">
+                <a16:creationId xmlns:a16="http://schemas.microsoft.com/office/drawing/2014/main" id="{CE56B8A4-CABE-A745-8E84-91CEAEA17A6E}"/>
+              </a:ext>
+            </a:extLst>
+          </p:cNvPr>
+          <p:cNvSpPr txBox="1"/>
+          <p:nvPr/>
+        </p:nvSpPr>
+        <p:spPr>
+          <a:xfrm>
+            <a:off x="6107430" y="991997"/>
+            <a:ext cx="5985510" cy="2862322"/>
+          </a:xfrm>
+          <a:prstGeom prst="rect">
+            <a:avLst/>
+          </a:prstGeom>
+          <a:noFill/>
+        </p:spPr>
+        <p:txBody>
+          <a:bodyPr wrap="square" rtlCol="0">
+            <a:spAutoFit/>
+          </a:bodyPr>
+          <a:lstStyle/>
+          <a:p>
+            <a:pPr algn="just"/>
+            <a:r>
+              <a:rPr lang="en-US" sz="4000" dirty="0">
+                <a:latin typeface="Helvetica" pitchFamily="2" charset="0"/>
+              </a:rPr>
+              <a:t>25 sites surveyed, non-detection can be due to:</a:t>
+            </a:r>
+          </a:p>
+          <a:p>
+            <a:pPr algn="just"/>
+            <a:endParaRPr lang="en-US" sz="4000" dirty="0">
+              <a:latin typeface="Helvetica" pitchFamily="2" charset="0"/>
+            </a:endParaRPr>
+          </a:p>
+          <a:p>
+            <a:pPr marL="571500" indent="-571500">
+              <a:buFont typeface="Arial" panose="020B0604020202020204" pitchFamily="34" charset="0"/>
+              <a:buChar char="•"/>
+            </a:pPr>
+            <a:r>
+              <a:rPr lang="en-US" sz="3000" dirty="0">
+                <a:latin typeface="Helvetica" pitchFamily="2" charset="0"/>
+              </a:rPr>
+              <a:t>Species not present</a:t>
+            </a:r>
+          </a:p>
+          <a:p>
+            <a:pPr marL="571500" indent="-571500">
+              <a:buFont typeface="Arial" panose="020B0604020202020204" pitchFamily="34" charset="0"/>
+              <a:buChar char="•"/>
+            </a:pPr>
+            <a:r>
+              <a:rPr lang="en-US" sz="3000" dirty="0">
+                <a:latin typeface="Helvetica" pitchFamily="2" charset="0"/>
+              </a:rPr>
+              <a:t>Species not detected</a:t>
+            </a:r>
+          </a:p>
+        </p:txBody>
+      </p:sp>
+    </p:spTree>
+    <p:extLst>
+      <p:ext uri="{BB962C8B-B14F-4D97-AF65-F5344CB8AC3E}">
+        <p14:creationId xmlns:p14="http://schemas.microsoft.com/office/powerpoint/2010/main" val="3083824040"/>
+      </p:ext>
+    </p:extLst>
+  </p:cSld>
+  <p:clrMapOvr>
+    <a:masterClrMapping/>
+  </p:clrMapOvr>
+</p:sld>
+</file>
+
+<file path=ppt/slides/slide7.xml><?xml version="1.0" encoding="utf-8"?>
+<p:sld xmlns:a="http://schemas.openxmlformats.org/drawingml/2006/main" xmlns:r="http://schemas.openxmlformats.org/officeDocument/2006/relationships" xmlns:p="http://schemas.openxmlformats.org/presentationml/2006/main">
+  <p:cSld>
+    <p:spTree>
+      <p:nvGrpSpPr>
+        <p:cNvPr id="1" name=""/>
+        <p:cNvGrpSpPr/>
+        <p:nvPr/>
+      </p:nvGrpSpPr>
+      <p:grpSpPr>
+        <a:xfrm>
+          <a:off x="0" y="0"/>
+          <a:ext cx="0" cy="0"/>
+          <a:chOff x="0" y="0"/>
+          <a:chExt cx="0" cy="0"/>
+        </a:xfrm>
+      </p:grpSpPr>
       <p:pic>
         <p:nvPicPr>
           <p:cNvPr id="3" name="Graphic 2">
             <a:extLst>
               <a:ext uri="{FF2B5EF4-FFF2-40B4-BE49-F238E27FC236}">
-                <a16:creationId xmlns:a16="http://schemas.microsoft.com/office/drawing/2014/main" id="{44842239-E7E0-9244-BCF8-3DFDBAB37B7E}"/>
+                <a16:creationId xmlns:a16="http://schemas.microsoft.com/office/drawing/2014/main" id="{56FE3A82-3738-1A43-B8B9-989AF9F5A049}"/>
               </a:ext>
             </a:extLst>
           </p:cNvPr>
@@ -12390,13 +12862,13 @@
           <p:nvPr/>
         </p:nvPicPr>
         <p:blipFill>
-          <a:blip r:embed="rId4">
+          <a:blip r:embed="rId3">
             <a:extLst>
               <a:ext uri="{28A0092B-C50C-407E-A947-70E740481C1C}">
                 <a14:useLocalDpi xmlns:a14="http://schemas.microsoft.com/office/drawing/2010/main" val="0"/>
               </a:ext>
               <a:ext uri="{96DAC541-7B7A-43D3-8B79-37D633B846F1}">
-                <asvg:svgBlip xmlns:asvg="http://schemas.microsoft.com/office/drawing/2016/SVG/main" r:embed="rId5"/>
+                <asvg:svgBlip xmlns:asvg="http://schemas.microsoft.com/office/drawing/2016/SVG/main" r:embed="rId4"/>
               </a:ext>
             </a:extLst>
           </a:blip>
@@ -12406,7 +12878,7 @@
         </p:blipFill>
         <p:spPr>
           <a:xfrm>
-            <a:off x="0" y="2197100"/>
+            <a:off x="0" y="1906224"/>
             <a:ext cx="12192000" cy="4064000"/>
           </a:xfrm>
           <a:prstGeom prst="rect">
@@ -12414,6 +12886,147 @@
           </a:prstGeom>
         </p:spPr>
       </p:pic>
+      <p:grpSp>
+        <p:nvGrpSpPr>
+          <p:cNvPr id="8" name="Group 7">
+            <a:extLst>
+              <a:ext uri="{FF2B5EF4-FFF2-40B4-BE49-F238E27FC236}">
+                <a16:creationId xmlns:a16="http://schemas.microsoft.com/office/drawing/2014/main" id="{21D260C6-7809-9546-A8D4-9970E01143C8}"/>
+              </a:ext>
+            </a:extLst>
+          </p:cNvPr>
+          <p:cNvGrpSpPr/>
+          <p:nvPr/>
+        </p:nvGrpSpPr>
+        <p:grpSpPr>
+          <a:xfrm>
+            <a:off x="0" y="6361112"/>
+            <a:ext cx="12192000" cy="496888"/>
+            <a:chOff x="0" y="6361112"/>
+            <a:chExt cx="12192000" cy="496888"/>
+          </a:xfrm>
+        </p:grpSpPr>
+        <p:sp>
+          <p:nvSpPr>
+            <p:cNvPr id="9" name="Rectangle 8">
+              <a:extLst>
+                <a:ext uri="{FF2B5EF4-FFF2-40B4-BE49-F238E27FC236}">
+                  <a16:creationId xmlns:a16="http://schemas.microsoft.com/office/drawing/2014/main" id="{C5E905AA-DA22-A849-83D7-EC9224556376}"/>
+                </a:ext>
+              </a:extLst>
+            </p:cNvPr>
+            <p:cNvSpPr/>
+            <p:nvPr/>
+          </p:nvSpPr>
+          <p:spPr>
+            <a:xfrm>
+              <a:off x="0" y="6361112"/>
+              <a:ext cx="12192000" cy="496888"/>
+            </a:xfrm>
+            <a:prstGeom prst="rect">
+              <a:avLst/>
+            </a:prstGeom>
+            <a:solidFill>
+              <a:schemeClr val="tx1"/>
+            </a:solidFill>
+            <a:ln>
+              <a:noFill/>
+            </a:ln>
+            <a:effectLst/>
+          </p:spPr>
+          <p:style>
+            <a:lnRef idx="1">
+              <a:schemeClr val="accent1"/>
+            </a:lnRef>
+            <a:fillRef idx="3">
+              <a:schemeClr val="accent1"/>
+            </a:fillRef>
+            <a:effectRef idx="2">
+              <a:schemeClr val="accent1"/>
+            </a:effectRef>
+            <a:fontRef idx="minor">
+              <a:schemeClr val="lt1"/>
+            </a:fontRef>
+          </p:style>
+          <p:txBody>
+            <a:bodyPr anchor="ctr"/>
+            <a:lstStyle/>
+            <a:p>
+              <a:pPr algn="ctr">
+                <a:defRPr/>
+              </a:pPr>
+              <a:endParaRPr lang="ja-JP" altLang="en-US">
+                <a:solidFill>
+                  <a:srgbClr val="FFFFFF"/>
+                </a:solidFill>
+                <a:latin typeface="Helvetica Neue Light" charset="0"/>
+                <a:ea typeface="Helvetica Neue Light" charset="0"/>
+                <a:cs typeface="Helvetica Neue Light" charset="0"/>
+              </a:endParaRPr>
+            </a:p>
+          </p:txBody>
+        </p:sp>
+        <p:pic>
+          <p:nvPicPr>
+            <p:cNvPr id="11" name="Picture 21" descr="CL_logo_RGB_inv.emf">
+              <a:extLst>
+                <a:ext uri="{FF2B5EF4-FFF2-40B4-BE49-F238E27FC236}">
+                  <a16:creationId xmlns:a16="http://schemas.microsoft.com/office/drawing/2014/main" id="{96E8E1D4-24E4-F044-B430-5B4930A4236B}"/>
+                </a:ext>
+              </a:extLst>
+            </p:cNvPr>
+            <p:cNvPicPr>
+              <a:picLocks noChangeAspect="1"/>
+            </p:cNvPicPr>
+            <p:nvPr/>
+          </p:nvPicPr>
+          <p:blipFill>
+            <a:blip r:embed="rId5">
+              <a:extLst>
+                <a:ext uri="{28A0092B-C50C-407E-A947-70E740481C1C}">
+                  <a14:useLocalDpi xmlns:a14="http://schemas.microsoft.com/office/drawing/2010/main" val="0"/>
+                </a:ext>
+              </a:extLst>
+            </a:blip>
+            <a:srcRect/>
+            <a:stretch>
+              <a:fillRect/>
+            </a:stretch>
+          </p:blipFill>
+          <p:spPr bwMode="auto">
+            <a:xfrm>
+              <a:off x="8991600" y="6467476"/>
+              <a:ext cx="2438400" cy="274637"/>
+            </a:xfrm>
+            <a:prstGeom prst="rect">
+              <a:avLst/>
+            </a:prstGeom>
+            <a:noFill/>
+            <a:ln>
+              <a:noFill/>
+            </a:ln>
+            <a:extLst>
+              <a:ext uri="{909E8E84-426E-40DD-AFC4-6F175D3DCCD1}">
+                <a14:hiddenFill xmlns:a14="http://schemas.microsoft.com/office/drawing/2010/main">
+                  <a:solidFill>
+                    <a:srgbClr val="FFFFFF"/>
+                  </a:solidFill>
+                </a14:hiddenFill>
+              </a:ext>
+              <a:ext uri="{91240B29-F687-4F45-9708-019B960494DF}">
+                <a14:hiddenLine xmlns:a14="http://schemas.microsoft.com/office/drawing/2010/main" w="9525">
+                  <a:solidFill>
+                    <a:srgbClr val="000000"/>
+                  </a:solidFill>
+                  <a:miter lim="800000"/>
+                  <a:headEnd/>
+                  <a:tailEnd/>
+                </a14:hiddenLine>
+              </a:ext>
+            </a:extLst>
+          </p:spPr>
+        </p:pic>
+      </p:grpSp>
       <mc:AlternateContent xmlns:mc="http://schemas.openxmlformats.org/markup-compatibility/2006" xmlns:a14="http://schemas.microsoft.com/office/drawing/2010/main">
         <mc:Choice Requires="a14">
           <p:sp>
@@ -12520,972 +13133,738 @@
           </p:sp>
         </mc:Fallback>
       </mc:AlternateContent>
+      <p:sp>
+        <p:nvSpPr>
+          <p:cNvPr id="5" name="Rectangle 4">
+            <a:extLst>
+              <a:ext uri="{FF2B5EF4-FFF2-40B4-BE49-F238E27FC236}">
+                <a16:creationId xmlns:a16="http://schemas.microsoft.com/office/drawing/2014/main" id="{7A168A86-A9FA-7046-97C1-0909841831BC}"/>
+              </a:ext>
+            </a:extLst>
+          </p:cNvPr>
+          <p:cNvSpPr/>
+          <p:nvPr/>
+        </p:nvSpPr>
+        <p:spPr>
+          <a:xfrm>
+            <a:off x="2442523" y="3186113"/>
+            <a:ext cx="328613" cy="371475"/>
+          </a:xfrm>
+          <a:prstGeom prst="rect">
+            <a:avLst/>
+          </a:prstGeom>
+          <a:solidFill>
+            <a:schemeClr val="accent6">
+              <a:alpha val="49000"/>
+            </a:schemeClr>
+          </a:solidFill>
+          <a:ln>
+            <a:noFill/>
+          </a:ln>
+        </p:spPr>
+        <p:style>
+          <a:lnRef idx="1">
+            <a:schemeClr val="accent1"/>
+          </a:lnRef>
+          <a:fillRef idx="3">
+            <a:schemeClr val="accent1"/>
+          </a:fillRef>
+          <a:effectRef idx="2">
+            <a:schemeClr val="accent1"/>
+          </a:effectRef>
+          <a:fontRef idx="minor">
+            <a:schemeClr val="lt1"/>
+          </a:fontRef>
+        </p:style>
+        <p:txBody>
+          <a:bodyPr rtlCol="0" anchor="ctr"/>
+          <a:lstStyle/>
+          <a:p>
+            <a:pPr algn="ctr"/>
+            <a:endParaRPr lang="en-US"/>
+          </a:p>
+        </p:txBody>
+      </p:sp>
+      <p:sp>
+        <p:nvSpPr>
+          <p:cNvPr id="12" name="Rectangle 11">
+            <a:extLst>
+              <a:ext uri="{FF2B5EF4-FFF2-40B4-BE49-F238E27FC236}">
+                <a16:creationId xmlns:a16="http://schemas.microsoft.com/office/drawing/2014/main" id="{9D896F94-D40D-6046-80AC-2CFD38A758D8}"/>
+              </a:ext>
+            </a:extLst>
+          </p:cNvPr>
+          <p:cNvSpPr/>
+          <p:nvPr/>
+        </p:nvSpPr>
+        <p:spPr>
+          <a:xfrm>
+            <a:off x="6467475" y="3186112"/>
+            <a:ext cx="363872" cy="371475"/>
+          </a:xfrm>
+          <a:prstGeom prst="rect">
+            <a:avLst/>
+          </a:prstGeom>
+          <a:solidFill>
+            <a:schemeClr val="accent6">
+              <a:alpha val="53000"/>
+            </a:schemeClr>
+          </a:solidFill>
+          <a:ln>
+            <a:noFill/>
+          </a:ln>
+        </p:spPr>
+        <p:style>
+          <a:lnRef idx="1">
+            <a:schemeClr val="accent1"/>
+          </a:lnRef>
+          <a:fillRef idx="3">
+            <a:schemeClr val="accent1"/>
+          </a:fillRef>
+          <a:effectRef idx="2">
+            <a:schemeClr val="accent1"/>
+          </a:effectRef>
+          <a:fontRef idx="minor">
+            <a:schemeClr val="lt1"/>
+          </a:fontRef>
+        </p:style>
+        <p:txBody>
+          <a:bodyPr rtlCol="0" anchor="ctr"/>
+          <a:lstStyle/>
+          <a:p>
+            <a:pPr algn="ctr"/>
+            <a:endParaRPr lang="en-US"/>
+          </a:p>
+        </p:txBody>
+      </p:sp>
+      <p:sp>
+        <p:nvSpPr>
+          <p:cNvPr id="13" name="Rectangle 12">
+            <a:extLst>
+              <a:ext uri="{FF2B5EF4-FFF2-40B4-BE49-F238E27FC236}">
+                <a16:creationId xmlns:a16="http://schemas.microsoft.com/office/drawing/2014/main" id="{410CC25F-9E61-534D-8FA2-5E806B0DA952}"/>
+              </a:ext>
+            </a:extLst>
+          </p:cNvPr>
+          <p:cNvSpPr/>
+          <p:nvPr/>
+        </p:nvSpPr>
+        <p:spPr>
+          <a:xfrm>
+            <a:off x="10501313" y="3186111"/>
+            <a:ext cx="363872" cy="371475"/>
+          </a:xfrm>
+          <a:prstGeom prst="rect">
+            <a:avLst/>
+          </a:prstGeom>
+          <a:solidFill>
+            <a:schemeClr val="accent6">
+              <a:alpha val="53000"/>
+            </a:schemeClr>
+          </a:solidFill>
+          <a:ln>
+            <a:noFill/>
+          </a:ln>
+        </p:spPr>
+        <p:style>
+          <a:lnRef idx="1">
+            <a:schemeClr val="accent1"/>
+          </a:lnRef>
+          <a:fillRef idx="3">
+            <a:schemeClr val="accent1"/>
+          </a:fillRef>
+          <a:effectRef idx="2">
+            <a:schemeClr val="accent1"/>
+          </a:effectRef>
+          <a:fontRef idx="minor">
+            <a:schemeClr val="lt1"/>
+          </a:fontRef>
+        </p:style>
+        <p:txBody>
+          <a:bodyPr rtlCol="0" anchor="ctr"/>
+          <a:lstStyle/>
+          <a:p>
+            <a:pPr algn="ctr"/>
+            <a:endParaRPr lang="en-US"/>
+          </a:p>
+        </p:txBody>
+      </p:sp>
+      <p:sp>
+        <p:nvSpPr>
+          <p:cNvPr id="15" name="Rectangle 14">
+            <a:extLst>
+              <a:ext uri="{FF2B5EF4-FFF2-40B4-BE49-F238E27FC236}">
+                <a16:creationId xmlns:a16="http://schemas.microsoft.com/office/drawing/2014/main" id="{A42314AA-4758-DC4E-96B1-01B429FF1C42}"/>
+              </a:ext>
+            </a:extLst>
+          </p:cNvPr>
+          <p:cNvSpPr/>
+          <p:nvPr/>
+        </p:nvSpPr>
+        <p:spPr>
+          <a:xfrm>
+            <a:off x="1352977" y="2082552"/>
+            <a:ext cx="328613" cy="371475"/>
+          </a:xfrm>
+          <a:prstGeom prst="rect">
+            <a:avLst/>
+          </a:prstGeom>
+          <a:solidFill>
+            <a:srgbClr val="00B0F0">
+              <a:alpha val="49000"/>
+            </a:srgbClr>
+          </a:solidFill>
+          <a:ln>
+            <a:noFill/>
+          </a:ln>
+        </p:spPr>
+        <p:style>
+          <a:lnRef idx="1">
+            <a:schemeClr val="accent1"/>
+          </a:lnRef>
+          <a:fillRef idx="3">
+            <a:schemeClr val="accent1"/>
+          </a:fillRef>
+          <a:effectRef idx="2">
+            <a:schemeClr val="accent1"/>
+          </a:effectRef>
+          <a:fontRef idx="minor">
+            <a:schemeClr val="lt1"/>
+          </a:fontRef>
+        </p:style>
+        <p:txBody>
+          <a:bodyPr rtlCol="0" anchor="ctr"/>
+          <a:lstStyle/>
+          <a:p>
+            <a:pPr algn="ctr"/>
+            <a:endParaRPr lang="en-US"/>
+          </a:p>
+        </p:txBody>
+      </p:sp>
+      <p:sp>
+        <p:nvSpPr>
+          <p:cNvPr id="16" name="Rectangle 15">
+            <a:extLst>
+              <a:ext uri="{FF2B5EF4-FFF2-40B4-BE49-F238E27FC236}">
+                <a16:creationId xmlns:a16="http://schemas.microsoft.com/office/drawing/2014/main" id="{06BC781A-DBBD-2246-B0B8-F3FF234FE96C}"/>
+              </a:ext>
+            </a:extLst>
+          </p:cNvPr>
+          <p:cNvSpPr/>
+          <p:nvPr/>
+        </p:nvSpPr>
+        <p:spPr>
+          <a:xfrm>
+            <a:off x="5377929" y="2082551"/>
+            <a:ext cx="363872" cy="371475"/>
+          </a:xfrm>
+          <a:prstGeom prst="rect">
+            <a:avLst/>
+          </a:prstGeom>
+          <a:solidFill>
+            <a:srgbClr val="00B0F0">
+              <a:alpha val="53000"/>
+            </a:srgbClr>
+          </a:solidFill>
+          <a:ln>
+            <a:noFill/>
+          </a:ln>
+        </p:spPr>
+        <p:style>
+          <a:lnRef idx="1">
+            <a:schemeClr val="accent1"/>
+          </a:lnRef>
+          <a:fillRef idx="3">
+            <a:schemeClr val="accent1"/>
+          </a:fillRef>
+          <a:effectRef idx="2">
+            <a:schemeClr val="accent1"/>
+          </a:effectRef>
+          <a:fontRef idx="minor">
+            <a:schemeClr val="lt1"/>
+          </a:fontRef>
+        </p:style>
+        <p:txBody>
+          <a:bodyPr rtlCol="0" anchor="ctr"/>
+          <a:lstStyle/>
+          <a:p>
+            <a:pPr algn="ctr"/>
+            <a:endParaRPr lang="en-US"/>
+          </a:p>
+        </p:txBody>
+      </p:sp>
+      <p:sp>
+        <p:nvSpPr>
+          <p:cNvPr id="17" name="Rectangle 16">
+            <a:extLst>
+              <a:ext uri="{FF2B5EF4-FFF2-40B4-BE49-F238E27FC236}">
+                <a16:creationId xmlns:a16="http://schemas.microsoft.com/office/drawing/2014/main" id="{29D4E63A-3823-9D44-B8AF-1DF2FF15B91E}"/>
+              </a:ext>
+            </a:extLst>
+          </p:cNvPr>
+          <p:cNvSpPr/>
+          <p:nvPr/>
+        </p:nvSpPr>
+        <p:spPr>
+          <a:xfrm>
+            <a:off x="9411767" y="2082550"/>
+            <a:ext cx="363872" cy="371475"/>
+          </a:xfrm>
+          <a:prstGeom prst="rect">
+            <a:avLst/>
+          </a:prstGeom>
+          <a:solidFill>
+            <a:srgbClr val="00B0F0">
+              <a:alpha val="53000"/>
+            </a:srgbClr>
+          </a:solidFill>
+          <a:ln>
+            <a:noFill/>
+          </a:ln>
+        </p:spPr>
+        <p:style>
+          <a:lnRef idx="1">
+            <a:schemeClr val="accent1"/>
+          </a:lnRef>
+          <a:fillRef idx="3">
+            <a:schemeClr val="accent1"/>
+          </a:fillRef>
+          <a:effectRef idx="2">
+            <a:schemeClr val="accent1"/>
+          </a:effectRef>
+          <a:fontRef idx="minor">
+            <a:schemeClr val="lt1"/>
+          </a:fontRef>
+        </p:style>
+        <p:txBody>
+          <a:bodyPr rtlCol="0" anchor="ctr"/>
+          <a:lstStyle/>
+          <a:p>
+            <a:pPr algn="ctr"/>
+            <a:endParaRPr lang="en-US"/>
+          </a:p>
+        </p:txBody>
+      </p:sp>
+      <p:sp>
+        <p:nvSpPr>
+          <p:cNvPr id="18" name="TextBox 17">
+            <a:extLst>
+              <a:ext uri="{FF2B5EF4-FFF2-40B4-BE49-F238E27FC236}">
+                <a16:creationId xmlns:a16="http://schemas.microsoft.com/office/drawing/2014/main" id="{05DB0157-2A25-104D-B37F-4176D48A245A}"/>
+              </a:ext>
+            </a:extLst>
+          </p:cNvPr>
+          <p:cNvSpPr txBox="1"/>
+          <p:nvPr/>
+        </p:nvSpPr>
+        <p:spPr>
+          <a:xfrm>
+            <a:off x="6649411" y="947269"/>
+            <a:ext cx="1418978" cy="584775"/>
+          </a:xfrm>
+          <a:prstGeom prst="rect">
+            <a:avLst/>
+          </a:prstGeom>
+          <a:noFill/>
+        </p:spPr>
+        <p:txBody>
+          <a:bodyPr wrap="none" rtlCol="0">
+            <a:spAutoFit/>
+          </a:bodyPr>
+          <a:lstStyle/>
+          <a:p>
+            <a:r>
+              <a:rPr lang="en-US" sz="3200" b="1" dirty="0">
+                <a:solidFill>
+                  <a:schemeClr val="accent6"/>
+                </a:solidFill>
+                <a:latin typeface="Courier New" panose="02070309020205020404" pitchFamily="49" charset="0"/>
+                <a:cs typeface="Courier New" panose="02070309020205020404" pitchFamily="49" charset="0"/>
+              </a:rPr>
+              <a:t>0 1 1</a:t>
+            </a:r>
+          </a:p>
+        </p:txBody>
+      </p:sp>
+      <p:sp>
+        <p:nvSpPr>
+          <p:cNvPr id="19" name="TextBox 18">
+            <a:extLst>
+              <a:ext uri="{FF2B5EF4-FFF2-40B4-BE49-F238E27FC236}">
+                <a16:creationId xmlns:a16="http://schemas.microsoft.com/office/drawing/2014/main" id="{47C67546-A282-9844-83DD-4399BDC4D29F}"/>
+              </a:ext>
+            </a:extLst>
+          </p:cNvPr>
+          <p:cNvSpPr txBox="1"/>
+          <p:nvPr/>
+        </p:nvSpPr>
+        <p:spPr>
+          <a:xfrm>
+            <a:off x="8791822" y="930561"/>
+            <a:ext cx="1418978" cy="584775"/>
+          </a:xfrm>
+          <a:prstGeom prst="rect">
+            <a:avLst/>
+          </a:prstGeom>
+          <a:noFill/>
+        </p:spPr>
+        <p:txBody>
+          <a:bodyPr wrap="none" rtlCol="0">
+            <a:spAutoFit/>
+          </a:bodyPr>
+          <a:lstStyle/>
+          <a:p>
+            <a:r>
+              <a:rPr lang="en-US" sz="3200" b="1" dirty="0">
+                <a:solidFill>
+                  <a:srgbClr val="00B0F0"/>
+                </a:solidFill>
+                <a:latin typeface="Courier New" panose="02070309020205020404" pitchFamily="49" charset="0"/>
+                <a:cs typeface="Courier New" panose="02070309020205020404" pitchFamily="49" charset="0"/>
+              </a:rPr>
+              <a:t>0 0 0</a:t>
+            </a:r>
+          </a:p>
+        </p:txBody>
+      </p:sp>
     </p:spTree>
     <p:extLst>
       <p:ext uri="{BB962C8B-B14F-4D97-AF65-F5344CB8AC3E}">
-        <p14:creationId xmlns:p14="http://schemas.microsoft.com/office/powerpoint/2010/main" val="3365076687"/>
+        <p14:creationId xmlns:p14="http://schemas.microsoft.com/office/powerpoint/2010/main" val="3992684068"/>
       </p:ext>
     </p:extLst>
   </p:cSld>
   <p:clrMapOvr>
     <a:masterClrMapping/>
   </p:clrMapOvr>
-</p:sld>
-</file>
-
-<file path=ppt/slides/slide7.xml><?xml version="1.0" encoding="utf-8"?>
-<p:sld xmlns:a="http://schemas.openxmlformats.org/drawingml/2006/main" xmlns:r="http://schemas.openxmlformats.org/officeDocument/2006/relationships" xmlns:p="http://schemas.openxmlformats.org/presentationml/2006/main">
-  <p:cSld>
-    <p:spTree>
-      <p:nvGrpSpPr>
-        <p:cNvPr id="1" name=""/>
-        <p:cNvGrpSpPr/>
-        <p:nvPr/>
-      </p:nvGrpSpPr>
-      <p:grpSpPr>
-        <a:xfrm>
-          <a:off x="0" y="0"/>
-          <a:ext cx="0" cy="0"/>
-          <a:chOff x="0" y="0"/>
-          <a:chExt cx="0" cy="0"/>
-        </a:xfrm>
-      </p:grpSpPr>
-      <p:grpSp>
-        <p:nvGrpSpPr>
-          <p:cNvPr id="8" name="Group 7">
-            <a:extLst>
-              <a:ext uri="{FF2B5EF4-FFF2-40B4-BE49-F238E27FC236}">
-                <a16:creationId xmlns:a16="http://schemas.microsoft.com/office/drawing/2014/main" id="{21D260C6-7809-9546-A8D4-9970E01143C8}"/>
-              </a:ext>
-            </a:extLst>
-          </p:cNvPr>
-          <p:cNvGrpSpPr/>
-          <p:nvPr/>
-        </p:nvGrpSpPr>
-        <p:grpSpPr>
-          <a:xfrm>
-            <a:off x="0" y="6361112"/>
-            <a:ext cx="12192000" cy="496888"/>
-            <a:chOff x="0" y="6361112"/>
-            <a:chExt cx="12192000" cy="496888"/>
-          </a:xfrm>
-        </p:grpSpPr>
-        <p:sp>
-          <p:nvSpPr>
-            <p:cNvPr id="9" name="Rectangle 8">
-              <a:extLst>
-                <a:ext uri="{FF2B5EF4-FFF2-40B4-BE49-F238E27FC236}">
-                  <a16:creationId xmlns:a16="http://schemas.microsoft.com/office/drawing/2014/main" id="{C5E905AA-DA22-A849-83D7-EC9224556376}"/>
-                </a:ext>
-              </a:extLst>
-            </p:cNvPr>
-            <p:cNvSpPr/>
-            <p:nvPr/>
-          </p:nvSpPr>
-          <p:spPr>
-            <a:xfrm>
-              <a:off x="0" y="6361112"/>
-              <a:ext cx="12192000" cy="496888"/>
-            </a:xfrm>
-            <a:prstGeom prst="rect">
-              <a:avLst/>
-            </a:prstGeom>
-            <a:solidFill>
-              <a:schemeClr val="tx1"/>
-            </a:solidFill>
-            <a:ln>
-              <a:noFill/>
-            </a:ln>
-            <a:effectLst/>
-          </p:spPr>
-          <p:style>
-            <a:lnRef idx="1">
-              <a:schemeClr val="accent1"/>
-            </a:lnRef>
-            <a:fillRef idx="3">
-              <a:schemeClr val="accent1"/>
-            </a:fillRef>
-            <a:effectRef idx="2">
-              <a:schemeClr val="accent1"/>
-            </a:effectRef>
-            <a:fontRef idx="minor">
-              <a:schemeClr val="lt1"/>
-            </a:fontRef>
-          </p:style>
-          <p:txBody>
-            <a:bodyPr anchor="ctr"/>
-            <a:lstStyle/>
-            <a:p>
-              <a:pPr algn="ctr">
-                <a:defRPr/>
-              </a:pPr>
-              <a:endParaRPr lang="ja-JP" altLang="en-US">
-                <a:solidFill>
-                  <a:srgbClr val="FFFFFF"/>
-                </a:solidFill>
-                <a:latin typeface="Helvetica Neue Light" charset="0"/>
-                <a:ea typeface="Helvetica Neue Light" charset="0"/>
-                <a:cs typeface="Helvetica Neue Light" charset="0"/>
-              </a:endParaRPr>
-            </a:p>
-          </p:txBody>
-        </p:sp>
-        <p:pic>
-          <p:nvPicPr>
-            <p:cNvPr id="11" name="Picture 21" descr="CL_logo_RGB_inv.emf">
-              <a:extLst>
-                <a:ext uri="{FF2B5EF4-FFF2-40B4-BE49-F238E27FC236}">
-                  <a16:creationId xmlns:a16="http://schemas.microsoft.com/office/drawing/2014/main" id="{96E8E1D4-24E4-F044-B430-5B4930A4236B}"/>
-                </a:ext>
-              </a:extLst>
-            </p:cNvPr>
-            <p:cNvPicPr>
-              <a:picLocks noChangeAspect="1"/>
-            </p:cNvPicPr>
-            <p:nvPr/>
-          </p:nvPicPr>
-          <p:blipFill>
-            <a:blip r:embed="rId3">
-              <a:extLst>
-                <a:ext uri="{28A0092B-C50C-407E-A947-70E740481C1C}">
-                  <a14:useLocalDpi xmlns:a14="http://schemas.microsoft.com/office/drawing/2010/main" val="0"/>
-                </a:ext>
-              </a:extLst>
-            </a:blip>
-            <a:srcRect/>
-            <a:stretch>
-              <a:fillRect/>
-            </a:stretch>
-          </p:blipFill>
-          <p:spPr bwMode="auto">
-            <a:xfrm>
-              <a:off x="8991600" y="6467476"/>
-              <a:ext cx="2438400" cy="274637"/>
-            </a:xfrm>
-            <a:prstGeom prst="rect">
-              <a:avLst/>
-            </a:prstGeom>
-            <a:noFill/>
-            <a:ln>
-              <a:noFill/>
-            </a:ln>
-            <a:extLst>
-              <a:ext uri="{909E8E84-426E-40DD-AFC4-6F175D3DCCD1}">
-                <a14:hiddenFill xmlns:a14="http://schemas.microsoft.com/office/drawing/2010/main">
-                  <a:solidFill>
-                    <a:srgbClr val="FFFFFF"/>
-                  </a:solidFill>
-                </a14:hiddenFill>
-              </a:ext>
-              <a:ext uri="{91240B29-F687-4F45-9708-019B960494DF}">
-                <a14:hiddenLine xmlns:a14="http://schemas.microsoft.com/office/drawing/2010/main" w="9525">
-                  <a:solidFill>
-                    <a:srgbClr val="000000"/>
-                  </a:solidFill>
-                  <a:miter lim="800000"/>
-                  <a:headEnd/>
-                  <a:tailEnd/>
-                </a14:hiddenLine>
-              </a:ext>
-            </a:extLst>
-          </p:spPr>
-        </p:pic>
-      </p:grpSp>
-      <mc:AlternateContent xmlns:mc="http://schemas.openxmlformats.org/markup-compatibility/2006" xmlns:a14="http://schemas.microsoft.com/office/drawing/2010/main">
-        <mc:Choice Requires="a14">
-          <p:sp>
-            <p:nvSpPr>
-              <p:cNvPr id="16" name="TextBox 15">
-                <a:extLst>
-                  <a:ext uri="{FF2B5EF4-FFF2-40B4-BE49-F238E27FC236}">
-                    <a16:creationId xmlns:a16="http://schemas.microsoft.com/office/drawing/2014/main" id="{CE56B8A4-CABE-A745-8E84-91CEAEA17A6E}"/>
-                  </a:ext>
-                </a:extLst>
-              </p:cNvPr>
-              <p:cNvSpPr txBox="1"/>
-              <p:nvPr/>
-            </p:nvSpPr>
-            <p:spPr>
-              <a:xfrm>
-                <a:off x="6096000" y="601979"/>
-                <a:ext cx="5985510" cy="1938992"/>
-              </a:xfrm>
-              <a:prstGeom prst="rect">
-                <a:avLst/>
-              </a:prstGeom>
-              <a:noFill/>
-            </p:spPr>
-            <p:txBody>
-              <a:bodyPr wrap="square" rtlCol="0">
-                <a:spAutoFit/>
-              </a:bodyPr>
-              <a:lstStyle/>
-              <a:p>
-                <a:pPr algn="just"/>
-                <a:r>
-                  <a:rPr lang="en-US" sz="4000" b="1" dirty="0">
-                    <a:latin typeface="Helvetica" pitchFamily="2" charset="0"/>
-                  </a:rPr>
-                  <a:t>Ecological process</a:t>
-                </a:r>
-                <a:endParaRPr lang="en-US" sz="4000" dirty="0">
-                  <a:latin typeface="Helvetica" pitchFamily="2" charset="0"/>
-                </a:endParaRPr>
-              </a:p>
-              <a:p>
-                <a:pPr algn="just"/>
-                <a14:m>
-                  <m:oMathPara xmlns:m="http://schemas.openxmlformats.org/officeDocument/2006/math">
-                    <m:oMathParaPr>
-                      <m:jc m:val="centerGroup"/>
-                    </m:oMathParaPr>
-                    <m:oMath xmlns:m="http://schemas.openxmlformats.org/officeDocument/2006/math">
-                      <m:sSub>
-                        <m:sSubPr>
-                          <m:ctrlPr>
-                            <a:rPr lang="en-US" sz="4000" b="0" i="1" smtClean="0">
-                              <a:latin typeface="Cambria Math" panose="02040503050406030204" pitchFamily="18" charset="0"/>
-                              <a:ea typeface="Cambria Math" panose="02040503050406030204" pitchFamily="18" charset="0"/>
-                            </a:rPr>
-                          </m:ctrlPr>
-                        </m:sSubPr>
-                        <m:e>
-                          <m:r>
-                            <a:rPr lang="en-US" sz="4000" b="0" i="1" smtClean="0">
-                              <a:latin typeface="Cambria Math" panose="02040503050406030204" pitchFamily="18" charset="0"/>
-                              <a:ea typeface="Cambria Math" panose="02040503050406030204" pitchFamily="18" charset="0"/>
-                            </a:rPr>
-                            <m:t>𝑧</m:t>
-                          </m:r>
-                        </m:e>
-                        <m:sub>
-                          <m:r>
-                            <a:rPr lang="en-US" sz="4000" b="0" i="1" smtClean="0">
-                              <a:latin typeface="Cambria Math" panose="02040503050406030204" pitchFamily="18" charset="0"/>
-                              <a:ea typeface="Cambria Math" panose="02040503050406030204" pitchFamily="18" charset="0"/>
-                            </a:rPr>
-                            <m:t>𝑖</m:t>
-                          </m:r>
-                        </m:sub>
-                      </m:sSub>
-                      <m:r>
-                        <a:rPr lang="en-US" sz="4000" b="0" i="1" smtClean="0">
-                          <a:latin typeface="Cambria Math" panose="02040503050406030204" pitchFamily="18" charset="0"/>
-                          <a:ea typeface="Cambria Math" panose="02040503050406030204" pitchFamily="18" charset="0"/>
-                        </a:rPr>
-                        <m:t>|</m:t>
-                      </m:r>
-                      <m:sSub>
-                        <m:sSubPr>
-                          <m:ctrlPr>
-                            <a:rPr lang="en-US" sz="4000" b="0" i="1" smtClean="0">
-                              <a:latin typeface="Cambria Math" panose="02040503050406030204" pitchFamily="18" charset="0"/>
-                              <a:ea typeface="Cambria Math" panose="02040503050406030204" pitchFamily="18" charset="0"/>
-                            </a:rPr>
-                          </m:ctrlPr>
-                        </m:sSubPr>
-                        <m:e>
-                          <m:r>
-                            <a:rPr lang="en-US" sz="4000" i="1">
-                              <a:latin typeface="Cambria Math" panose="02040503050406030204" pitchFamily="18" charset="0"/>
-                              <a:ea typeface="Cambria Math" panose="02040503050406030204" pitchFamily="18" charset="0"/>
-                            </a:rPr>
-                            <m:t>𝜓</m:t>
-                          </m:r>
-                        </m:e>
-                        <m:sub>
-                          <m:r>
-                            <a:rPr lang="en-US" sz="4000" b="0" i="1" smtClean="0">
-                              <a:latin typeface="Cambria Math" panose="02040503050406030204" pitchFamily="18" charset="0"/>
-                              <a:ea typeface="Cambria Math" panose="02040503050406030204" pitchFamily="18" charset="0"/>
-                            </a:rPr>
-                            <m:t>𝑖</m:t>
-                          </m:r>
-                        </m:sub>
-                      </m:sSub>
-                      <m:r>
-                        <a:rPr lang="en-US" sz="4000" b="0" i="1" smtClean="0">
-                          <a:latin typeface="Cambria Math" panose="02040503050406030204" pitchFamily="18" charset="0"/>
-                          <a:ea typeface="Cambria Math" panose="02040503050406030204" pitchFamily="18" charset="0"/>
-                        </a:rPr>
-                        <m:t>~</m:t>
-                      </m:r>
-                      <m:r>
-                        <a:rPr lang="en-US" sz="4000" b="0" i="1" smtClean="0">
-                          <a:latin typeface="Cambria Math" panose="02040503050406030204" pitchFamily="18" charset="0"/>
-                          <a:ea typeface="Cambria Math" panose="02040503050406030204" pitchFamily="18" charset="0"/>
-                        </a:rPr>
-                        <m:t>𝐵𝑒𝑟𝑛𝑜𝑢𝑙𝑙𝑖</m:t>
-                      </m:r>
-                      <m:r>
-                        <a:rPr lang="en-US" sz="4000" b="0" i="1" smtClean="0">
-                          <a:latin typeface="Cambria Math" panose="02040503050406030204" pitchFamily="18" charset="0"/>
-                          <a:ea typeface="Cambria Math" panose="02040503050406030204" pitchFamily="18" charset="0"/>
-                        </a:rPr>
-                        <m:t>(</m:t>
-                      </m:r>
-                      <m:sSub>
-                        <m:sSubPr>
-                          <m:ctrlPr>
-                            <a:rPr lang="en-US" sz="4000" i="1">
-                              <a:latin typeface="Cambria Math" panose="02040503050406030204" pitchFamily="18" charset="0"/>
-                              <a:ea typeface="Cambria Math" panose="02040503050406030204" pitchFamily="18" charset="0"/>
-                            </a:rPr>
-                          </m:ctrlPr>
-                        </m:sSubPr>
-                        <m:e>
-                          <m:r>
-                            <a:rPr lang="en-US" sz="4000" i="1">
-                              <a:latin typeface="Cambria Math" panose="02040503050406030204" pitchFamily="18" charset="0"/>
-                              <a:ea typeface="Cambria Math" panose="02040503050406030204" pitchFamily="18" charset="0"/>
-                            </a:rPr>
-                            <m:t>𝜓</m:t>
-                          </m:r>
-                        </m:e>
-                        <m:sub>
-                          <m:r>
-                            <a:rPr lang="en-US" sz="4000" i="1">
-                              <a:latin typeface="Cambria Math" panose="02040503050406030204" pitchFamily="18" charset="0"/>
-                              <a:ea typeface="Cambria Math" panose="02040503050406030204" pitchFamily="18" charset="0"/>
-                            </a:rPr>
-                            <m:t>𝑖</m:t>
-                          </m:r>
-                        </m:sub>
-                      </m:sSub>
-                      <m:r>
-                        <a:rPr lang="en-US" sz="4000" b="0" i="1" smtClean="0">
-                          <a:latin typeface="Cambria Math" panose="02040503050406030204" pitchFamily="18" charset="0"/>
-                          <a:ea typeface="Cambria Math" panose="02040503050406030204" pitchFamily="18" charset="0"/>
-                        </a:rPr>
-                        <m:t>)</m:t>
-                      </m:r>
-                    </m:oMath>
-                  </m:oMathPara>
-                </a14:m>
-                <a:endParaRPr lang="en-US" sz="4000" b="0" dirty="0">
-                  <a:latin typeface="Helvetica" pitchFamily="2" charset="0"/>
-                  <a:ea typeface="Cambria Math" panose="02040503050406030204" pitchFamily="18" charset="0"/>
-                </a:endParaRPr>
-              </a:p>
-              <a:p>
-                <a:pPr algn="just"/>
-                <a14:m>
-                  <m:oMathPara xmlns:m="http://schemas.openxmlformats.org/officeDocument/2006/math">
-                    <m:oMathParaPr>
-                      <m:jc m:val="centerGroup"/>
-                    </m:oMathParaPr>
-                    <m:oMath xmlns:m="http://schemas.openxmlformats.org/officeDocument/2006/math">
-                      <m:sSub>
-                        <m:sSubPr>
-                          <m:ctrlPr>
-                            <a:rPr lang="en-US" sz="4000" i="1">
-                              <a:latin typeface="Cambria Math" panose="02040503050406030204" pitchFamily="18" charset="0"/>
-                              <a:ea typeface="Cambria Math" panose="02040503050406030204" pitchFamily="18" charset="0"/>
-                            </a:rPr>
-                          </m:ctrlPr>
-                        </m:sSubPr>
-                        <m:e>
-                          <m:r>
-                            <a:rPr lang="en-US" sz="4000" i="1">
-                              <a:latin typeface="Cambria Math" panose="02040503050406030204" pitchFamily="18" charset="0"/>
-                              <a:ea typeface="Cambria Math" panose="02040503050406030204" pitchFamily="18" charset="0"/>
-                            </a:rPr>
-                            <m:t>𝑧</m:t>
-                          </m:r>
-                        </m:e>
-                        <m:sub>
-                          <m:r>
-                            <a:rPr lang="en-US" sz="4000" i="1">
-                              <a:latin typeface="Cambria Math" panose="02040503050406030204" pitchFamily="18" charset="0"/>
-                              <a:ea typeface="Cambria Math" panose="02040503050406030204" pitchFamily="18" charset="0"/>
-                            </a:rPr>
-                            <m:t>𝑖</m:t>
-                          </m:r>
-                        </m:sub>
-                      </m:sSub>
-                      <m:r>
-                        <a:rPr lang="en-US" sz="4000" i="1" smtClean="0">
-                          <a:latin typeface="Cambria Math" panose="02040503050406030204" pitchFamily="18" charset="0"/>
-                          <a:ea typeface="Cambria Math" panose="02040503050406030204" pitchFamily="18" charset="0"/>
-                        </a:rPr>
-                        <m:t>=</m:t>
-                      </m:r>
-                      <m:r>
-                        <m:rPr>
-                          <m:nor/>
-                        </m:rPr>
-                        <a:rPr lang="en-US" sz="4000" b="0" i="0" smtClean="0">
-                          <a:latin typeface="Cambria Math" panose="02040503050406030204" pitchFamily="18" charset="0"/>
-                          <a:ea typeface="Cambria Math" panose="02040503050406030204" pitchFamily="18" charset="0"/>
-                        </a:rPr>
-                        <m:t>occurrence</m:t>
-                      </m:r>
-                      <m:r>
-                        <m:rPr>
-                          <m:nor/>
-                        </m:rPr>
-                        <a:rPr lang="en-US" sz="4000" b="0" i="0" smtClean="0">
-                          <a:latin typeface="Cambria Math" panose="02040503050406030204" pitchFamily="18" charset="0"/>
-                          <a:ea typeface="Cambria Math" panose="02040503050406030204" pitchFamily="18" charset="0"/>
-                        </a:rPr>
-                        <m:t> </m:t>
-                      </m:r>
-                      <m:r>
-                        <m:rPr>
-                          <m:nor/>
-                        </m:rPr>
-                        <a:rPr lang="en-US" sz="4000" b="0" i="0" smtClean="0">
-                          <a:latin typeface="Cambria Math" panose="02040503050406030204" pitchFamily="18" charset="0"/>
-                          <a:ea typeface="Cambria Math" panose="02040503050406030204" pitchFamily="18" charset="0"/>
-                        </a:rPr>
-                        <m:t>at</m:t>
-                      </m:r>
-                      <m:r>
-                        <m:rPr>
-                          <m:nor/>
-                        </m:rPr>
-                        <a:rPr lang="en-US" sz="4000" b="0" i="0" smtClean="0">
-                          <a:latin typeface="Cambria Math" panose="02040503050406030204" pitchFamily="18" charset="0"/>
-                          <a:ea typeface="Cambria Math" panose="02040503050406030204" pitchFamily="18" charset="0"/>
-                        </a:rPr>
-                        <m:t> </m:t>
-                      </m:r>
-                      <m:r>
-                        <m:rPr>
-                          <m:nor/>
-                        </m:rPr>
-                        <a:rPr lang="en-US" sz="4000" b="0" i="0" smtClean="0">
-                          <a:latin typeface="Cambria Math" panose="02040503050406030204" pitchFamily="18" charset="0"/>
-                          <a:ea typeface="Cambria Math" panose="02040503050406030204" pitchFamily="18" charset="0"/>
-                        </a:rPr>
-                        <m:t>site</m:t>
-                      </m:r>
-                      <m:r>
-                        <m:rPr>
-                          <m:nor/>
-                        </m:rPr>
-                        <a:rPr lang="en-US" sz="4000" b="0" i="0" smtClean="0">
-                          <a:latin typeface="Cambria Math" panose="02040503050406030204" pitchFamily="18" charset="0"/>
-                          <a:ea typeface="Cambria Math" panose="02040503050406030204" pitchFamily="18" charset="0"/>
-                        </a:rPr>
-                        <m:t> </m:t>
-                      </m:r>
-                      <m:r>
-                        <a:rPr lang="en-US" sz="4000" b="0" i="1" smtClean="0">
-                          <a:latin typeface="Cambria Math" panose="02040503050406030204" pitchFamily="18" charset="0"/>
-                          <a:ea typeface="Cambria Math" panose="02040503050406030204" pitchFamily="18" charset="0"/>
-                        </a:rPr>
-                        <m:t>𝑖</m:t>
-                      </m:r>
-                    </m:oMath>
-                  </m:oMathPara>
-                </a14:m>
-                <a:endParaRPr lang="en-US" sz="4000" dirty="0">
-                  <a:latin typeface="Helvetica" pitchFamily="2" charset="0"/>
-                </a:endParaRPr>
-              </a:p>
-            </p:txBody>
-          </p:sp>
-        </mc:Choice>
-        <mc:Fallback xmlns="">
-          <p:sp>
-            <p:nvSpPr>
-              <p:cNvPr id="16" name="TextBox 15">
-                <a:extLst>
-                  <a:ext uri="{FF2B5EF4-FFF2-40B4-BE49-F238E27FC236}">
-                    <a16:creationId xmlns:a16="http://schemas.microsoft.com/office/drawing/2014/main" id="{CE56B8A4-CABE-A745-8E84-91CEAEA17A6E}"/>
-                  </a:ext>
-                </a:extLst>
-              </p:cNvPr>
-              <p:cNvSpPr txBox="1">
-                <a:spLocks noRot="1" noChangeAspect="1" noMove="1" noResize="1" noEditPoints="1" noAdjustHandles="1" noChangeArrowheads="1" noChangeShapeType="1" noTextEdit="1"/>
-              </p:cNvSpPr>
-              <p:nvPr/>
-            </p:nvSpPr>
-            <p:spPr>
-              <a:xfrm>
-                <a:off x="6096000" y="601979"/>
-                <a:ext cx="5985510" cy="1938992"/>
-              </a:xfrm>
-              <a:prstGeom prst="rect">
-                <a:avLst/>
-              </a:prstGeom>
-              <a:blipFill>
-                <a:blip r:embed="rId4"/>
-                <a:stretch>
-                  <a:fillRect l="-3609" t="-5195" b="-8442"/>
-                </a:stretch>
-              </a:blipFill>
-            </p:spPr>
-            <p:txBody>
-              <a:bodyPr/>
-              <a:lstStyle/>
-              <a:p>
-                <a:r>
-                  <a:rPr lang="en-US">
-                    <a:noFill/>
-                  </a:rPr>
-                  <a:t> </a:t>
-                </a:r>
-              </a:p>
-            </p:txBody>
-          </p:sp>
-        </mc:Fallback>
-      </mc:AlternateContent>
-      <p:pic>
-        <p:nvPicPr>
-          <p:cNvPr id="23" name="Graphic 22">
-            <a:extLst>
-              <a:ext uri="{FF2B5EF4-FFF2-40B4-BE49-F238E27FC236}">
-                <a16:creationId xmlns:a16="http://schemas.microsoft.com/office/drawing/2014/main" id="{E0CC92D4-06C3-2447-ADCE-072728397B43}"/>
-              </a:ext>
-            </a:extLst>
-          </p:cNvPr>
-          <p:cNvPicPr>
-            <a:picLocks noChangeAspect="1"/>
-          </p:cNvPicPr>
-          <p:nvPr/>
-        </p:nvPicPr>
-        <p:blipFill>
-          <a:blip r:embed="rId5">
-            <a:extLst>
-              <a:ext uri="{28A0092B-C50C-407E-A947-70E740481C1C}">
-                <a14:useLocalDpi xmlns:a14="http://schemas.microsoft.com/office/drawing/2010/main" val="0"/>
-              </a:ext>
-              <a:ext uri="{96DAC541-7B7A-43D3-8B79-37D633B846F1}">
-                <asvg:svgBlip xmlns:asvg="http://schemas.microsoft.com/office/drawing/2016/SVG/main" r:embed="rId6"/>
-              </a:ext>
-            </a:extLst>
-          </a:blip>
-          <a:stretch>
-            <a:fillRect/>
-          </a:stretch>
-        </p:blipFill>
-        <p:spPr>
-          <a:xfrm>
-            <a:off x="1287780" y="280352"/>
-            <a:ext cx="3040380" cy="3040380"/>
-          </a:xfrm>
-          <a:prstGeom prst="rect">
-            <a:avLst/>
-          </a:prstGeom>
-        </p:spPr>
-      </p:pic>
-      <p:pic>
-        <p:nvPicPr>
-          <p:cNvPr id="7" name="Graphic 6">
-            <a:extLst>
-              <a:ext uri="{FF2B5EF4-FFF2-40B4-BE49-F238E27FC236}">
-                <a16:creationId xmlns:a16="http://schemas.microsoft.com/office/drawing/2014/main" id="{50B3FB84-DE7C-A24D-85A4-3C7E49634E98}"/>
-              </a:ext>
-            </a:extLst>
-          </p:cNvPr>
-          <p:cNvPicPr>
-            <a:picLocks noChangeAspect="1"/>
-          </p:cNvPicPr>
-          <p:nvPr/>
-        </p:nvPicPr>
-        <p:blipFill>
-          <a:blip r:embed="rId7">
-            <a:extLst>
-              <a:ext uri="{28A0092B-C50C-407E-A947-70E740481C1C}">
-                <a14:useLocalDpi xmlns:a14="http://schemas.microsoft.com/office/drawing/2010/main" val="0"/>
-              </a:ext>
-              <a:ext uri="{96DAC541-7B7A-43D3-8B79-37D633B846F1}">
-                <asvg:svgBlip xmlns:asvg="http://schemas.microsoft.com/office/drawing/2016/SVG/main" r:embed="rId8"/>
-              </a:ext>
-            </a:extLst>
-          </a:blip>
-          <a:stretch>
-            <a:fillRect/>
-          </a:stretch>
-        </p:blipFill>
-        <p:spPr>
-          <a:xfrm>
-            <a:off x="1287780" y="3320732"/>
-            <a:ext cx="3040380" cy="3040380"/>
-          </a:xfrm>
-          <a:prstGeom prst="rect">
-            <a:avLst/>
-          </a:prstGeom>
-        </p:spPr>
-      </p:pic>
-      <mc:AlternateContent xmlns:mc="http://schemas.openxmlformats.org/markup-compatibility/2006" xmlns:a14="http://schemas.microsoft.com/office/drawing/2010/main">
-        <mc:Choice Requires="a14">
-          <p:sp>
-            <p:nvSpPr>
-              <p:cNvPr id="10" name="TextBox 9">
-                <a:extLst>
-                  <a:ext uri="{FF2B5EF4-FFF2-40B4-BE49-F238E27FC236}">
-                    <a16:creationId xmlns:a16="http://schemas.microsoft.com/office/drawing/2014/main" id="{AB71FB48-D22D-2049-A0F7-9ACC76664400}"/>
-                  </a:ext>
-                </a:extLst>
-              </p:cNvPr>
-              <p:cNvSpPr txBox="1"/>
-              <p:nvPr/>
-            </p:nvSpPr>
-            <p:spPr>
-              <a:xfrm>
-                <a:off x="6206490" y="3642359"/>
-                <a:ext cx="5985510" cy="1988558"/>
-              </a:xfrm>
-              <a:prstGeom prst="rect">
-                <a:avLst/>
-              </a:prstGeom>
-              <a:noFill/>
-            </p:spPr>
-            <p:txBody>
-              <a:bodyPr wrap="square" rtlCol="0">
-                <a:spAutoFit/>
-              </a:bodyPr>
-              <a:lstStyle/>
-              <a:p>
-                <a:pPr algn="just"/>
-                <a:r>
-                  <a:rPr lang="en-US" sz="4000" b="1" dirty="0">
-                    <a:latin typeface="Helvetica" pitchFamily="2" charset="0"/>
-                  </a:rPr>
-                  <a:t>Observational process</a:t>
-                </a:r>
-              </a:p>
-              <a:p>
-                <a:pPr algn="just"/>
-                <a14:m>
-                  <m:oMathPara xmlns:m="http://schemas.openxmlformats.org/officeDocument/2006/math">
-                    <m:oMathParaPr>
-                      <m:jc m:val="centerGroup"/>
-                    </m:oMathParaPr>
-                    <m:oMath xmlns:m="http://schemas.openxmlformats.org/officeDocument/2006/math">
-                      <m:sSub>
-                        <m:sSubPr>
-                          <m:ctrlPr>
-                            <a:rPr lang="en-US" sz="4000" b="0" i="1" smtClean="0">
-                              <a:latin typeface="Cambria Math" panose="02040503050406030204" pitchFamily="18" charset="0"/>
-                              <a:ea typeface="Cambria Math" panose="02040503050406030204" pitchFamily="18" charset="0"/>
-                            </a:rPr>
-                          </m:ctrlPr>
-                        </m:sSubPr>
-                        <m:e>
-                          <m:r>
-                            <a:rPr lang="en-US" sz="4000" b="0" i="1" smtClean="0">
-                              <a:latin typeface="Cambria Math" panose="02040503050406030204" pitchFamily="18" charset="0"/>
-                              <a:ea typeface="Cambria Math" panose="02040503050406030204" pitchFamily="18" charset="0"/>
-                            </a:rPr>
-                            <m:t>𝑦</m:t>
-                          </m:r>
-                        </m:e>
-                        <m:sub>
-                          <m:r>
-                            <a:rPr lang="en-US" sz="4000" b="0" i="1" smtClean="0">
-                              <a:latin typeface="Cambria Math" panose="02040503050406030204" pitchFamily="18" charset="0"/>
-                              <a:ea typeface="Cambria Math" panose="02040503050406030204" pitchFamily="18" charset="0"/>
-                            </a:rPr>
-                            <m:t>𝑖</m:t>
-                          </m:r>
-                        </m:sub>
-                      </m:sSub>
-                      <m:r>
-                        <a:rPr lang="en-US" sz="4000" b="0" i="1" smtClean="0">
-                          <a:latin typeface="Cambria Math" panose="02040503050406030204" pitchFamily="18" charset="0"/>
-                          <a:ea typeface="Cambria Math" panose="02040503050406030204" pitchFamily="18" charset="0"/>
-                        </a:rPr>
-                        <m:t>|</m:t>
-                      </m:r>
-                      <m:sSub>
-                        <m:sSubPr>
-                          <m:ctrlPr>
-                            <a:rPr lang="en-US" sz="4000" b="0" i="1" smtClean="0">
-                              <a:latin typeface="Cambria Math" panose="02040503050406030204" pitchFamily="18" charset="0"/>
-                              <a:ea typeface="Cambria Math" panose="02040503050406030204" pitchFamily="18" charset="0"/>
-                            </a:rPr>
-                          </m:ctrlPr>
-                        </m:sSubPr>
-                        <m:e>
-                          <m:r>
-                            <a:rPr lang="en-US" sz="4000" b="0" i="1" smtClean="0">
-                              <a:latin typeface="Cambria Math" panose="02040503050406030204" pitchFamily="18" charset="0"/>
-                              <a:ea typeface="Cambria Math" panose="02040503050406030204" pitchFamily="18" charset="0"/>
-                            </a:rPr>
-                            <m:t>𝑧</m:t>
-                          </m:r>
-                        </m:e>
-                        <m:sub>
-                          <m:r>
-                            <a:rPr lang="en-US" sz="4000" b="0" i="1" smtClean="0">
-                              <a:latin typeface="Cambria Math" panose="02040503050406030204" pitchFamily="18" charset="0"/>
-                              <a:ea typeface="Cambria Math" panose="02040503050406030204" pitchFamily="18" charset="0"/>
-                            </a:rPr>
-                            <m:t>𝑖</m:t>
-                          </m:r>
-                        </m:sub>
-                      </m:sSub>
-                      <m:r>
-                        <a:rPr lang="en-US" sz="4000" b="0" i="1" smtClean="0">
-                          <a:latin typeface="Cambria Math" panose="02040503050406030204" pitchFamily="18" charset="0"/>
-                          <a:ea typeface="Cambria Math" panose="02040503050406030204" pitchFamily="18" charset="0"/>
-                        </a:rPr>
-                        <m:t>~</m:t>
-                      </m:r>
-                      <m:r>
-                        <a:rPr lang="en-US" sz="4000" b="0" i="1" smtClean="0">
-                          <a:latin typeface="Cambria Math" panose="02040503050406030204" pitchFamily="18" charset="0"/>
-                          <a:ea typeface="Cambria Math" panose="02040503050406030204" pitchFamily="18" charset="0"/>
-                        </a:rPr>
-                        <m:t>𝐵𝑒𝑟𝑛𝑜𝑢𝑙𝑙𝑖</m:t>
-                      </m:r>
-                      <m:r>
-                        <a:rPr lang="en-US" sz="4000" b="0" i="1" smtClean="0">
-                          <a:latin typeface="Cambria Math" panose="02040503050406030204" pitchFamily="18" charset="0"/>
-                          <a:ea typeface="Cambria Math" panose="02040503050406030204" pitchFamily="18" charset="0"/>
-                        </a:rPr>
-                        <m:t>(</m:t>
-                      </m:r>
-                      <m:sSub>
-                        <m:sSubPr>
-                          <m:ctrlPr>
-                            <a:rPr lang="en-US" sz="4000" i="1">
-                              <a:latin typeface="Cambria Math" panose="02040503050406030204" pitchFamily="18" charset="0"/>
-                              <a:ea typeface="Cambria Math" panose="02040503050406030204" pitchFamily="18" charset="0"/>
-                            </a:rPr>
-                          </m:ctrlPr>
-                        </m:sSubPr>
-                        <m:e>
-                          <m:r>
-                            <a:rPr lang="en-US" sz="4000" b="0" i="1" smtClean="0">
-                              <a:latin typeface="Cambria Math" panose="02040503050406030204" pitchFamily="18" charset="0"/>
-                              <a:ea typeface="Cambria Math" panose="02040503050406030204" pitchFamily="18" charset="0"/>
-                            </a:rPr>
-                            <m:t>𝑧</m:t>
-                          </m:r>
-                        </m:e>
-                        <m:sub>
-                          <m:r>
-                            <a:rPr lang="en-US" sz="4000" i="1">
-                              <a:latin typeface="Cambria Math" panose="02040503050406030204" pitchFamily="18" charset="0"/>
-                              <a:ea typeface="Cambria Math" panose="02040503050406030204" pitchFamily="18" charset="0"/>
-                            </a:rPr>
-                            <m:t>𝑖</m:t>
-                          </m:r>
-                        </m:sub>
-                      </m:sSub>
-                      <m:sSub>
-                        <m:sSubPr>
-                          <m:ctrlPr>
-                            <a:rPr lang="en-US" sz="4000" i="1">
-                              <a:latin typeface="Cambria Math" panose="02040503050406030204" pitchFamily="18" charset="0"/>
-                              <a:ea typeface="Cambria Math" panose="02040503050406030204" pitchFamily="18" charset="0"/>
-                            </a:rPr>
-                          </m:ctrlPr>
-                        </m:sSubPr>
-                        <m:e>
-                          <m:r>
-                            <a:rPr lang="en-US" sz="4000" b="0" i="1" smtClean="0">
-                              <a:latin typeface="Cambria Math" panose="02040503050406030204" pitchFamily="18" charset="0"/>
-                              <a:ea typeface="Cambria Math" panose="02040503050406030204" pitchFamily="18" charset="0"/>
-                            </a:rPr>
-                            <m:t>𝑝</m:t>
-                          </m:r>
-                        </m:e>
-                        <m:sub>
-                          <m:r>
-                            <a:rPr lang="en-US" sz="4000" b="0" i="1" smtClean="0">
-                              <a:latin typeface="Cambria Math" panose="02040503050406030204" pitchFamily="18" charset="0"/>
-                              <a:ea typeface="Cambria Math" panose="02040503050406030204" pitchFamily="18" charset="0"/>
-                            </a:rPr>
-                            <m:t>𝑖𝑗</m:t>
-                          </m:r>
-                        </m:sub>
-                      </m:sSub>
-                      <m:r>
-                        <a:rPr lang="en-US" sz="4000" b="0" i="1" smtClean="0">
-                          <a:latin typeface="Cambria Math" panose="02040503050406030204" pitchFamily="18" charset="0"/>
-                          <a:ea typeface="Cambria Math" panose="02040503050406030204" pitchFamily="18" charset="0"/>
-                        </a:rPr>
-                        <m:t>)</m:t>
-                      </m:r>
-                    </m:oMath>
-                  </m:oMathPara>
-                </a14:m>
-                <a:endParaRPr lang="en-US" sz="4000" b="0" dirty="0">
-                  <a:latin typeface="Helvetica" pitchFamily="2" charset="0"/>
-                  <a:ea typeface="Cambria Math" panose="02040503050406030204" pitchFamily="18" charset="0"/>
-                </a:endParaRPr>
-              </a:p>
-              <a:p>
-                <a:pPr algn="just"/>
-                <a14:m>
-                  <m:oMathPara xmlns:m="http://schemas.openxmlformats.org/officeDocument/2006/math">
-                    <m:oMathParaPr>
-                      <m:jc m:val="centerGroup"/>
-                    </m:oMathParaPr>
-                    <m:oMath xmlns:m="http://schemas.openxmlformats.org/officeDocument/2006/math">
-                      <m:sSub>
-                        <m:sSubPr>
-                          <m:ctrlPr>
-                            <a:rPr lang="en-US" sz="4000" i="1">
-                              <a:latin typeface="Cambria Math" panose="02040503050406030204" pitchFamily="18" charset="0"/>
-                              <a:ea typeface="Cambria Math" panose="02040503050406030204" pitchFamily="18" charset="0"/>
-                            </a:rPr>
-                          </m:ctrlPr>
-                        </m:sSubPr>
-                        <m:e>
-                          <m:r>
-                            <a:rPr lang="en-US" sz="4000" b="0" i="1" smtClean="0">
-                              <a:latin typeface="Cambria Math" panose="02040503050406030204" pitchFamily="18" charset="0"/>
-                              <a:ea typeface="Cambria Math" panose="02040503050406030204" pitchFamily="18" charset="0"/>
-                            </a:rPr>
-                            <m:t>𝑦</m:t>
-                          </m:r>
-                        </m:e>
-                        <m:sub>
-                          <m:r>
-                            <a:rPr lang="en-US" sz="4000" i="1">
-                              <a:latin typeface="Cambria Math" panose="02040503050406030204" pitchFamily="18" charset="0"/>
-                              <a:ea typeface="Cambria Math" panose="02040503050406030204" pitchFamily="18" charset="0"/>
-                            </a:rPr>
-                            <m:t>𝑖</m:t>
-                          </m:r>
-                        </m:sub>
-                      </m:sSub>
-                      <m:r>
-                        <a:rPr lang="en-US" sz="4000" i="1">
-                          <a:latin typeface="Cambria Math" panose="02040503050406030204" pitchFamily="18" charset="0"/>
-                          <a:ea typeface="Cambria Math" panose="02040503050406030204" pitchFamily="18" charset="0"/>
-                        </a:rPr>
-                        <m:t>=</m:t>
-                      </m:r>
-                      <m:r>
-                        <m:rPr>
-                          <m:nor/>
-                        </m:rPr>
-                        <a:rPr lang="en-US" sz="4000" b="0" i="0" smtClean="0">
-                          <a:latin typeface="Cambria Math" panose="02040503050406030204" pitchFamily="18" charset="0"/>
-                          <a:ea typeface="Cambria Math" panose="02040503050406030204" pitchFamily="18" charset="0"/>
-                        </a:rPr>
-                        <m:t>detection</m:t>
-                      </m:r>
-                      <m:r>
-                        <m:rPr>
-                          <m:nor/>
-                        </m:rPr>
-                        <a:rPr lang="en-US" sz="4000">
-                          <a:latin typeface="Cambria Math" panose="02040503050406030204" pitchFamily="18" charset="0"/>
-                          <a:ea typeface="Cambria Math" panose="02040503050406030204" pitchFamily="18" charset="0"/>
-                        </a:rPr>
-                        <m:t> </m:t>
-                      </m:r>
-                      <m:r>
-                        <m:rPr>
-                          <m:nor/>
-                        </m:rPr>
-                        <a:rPr lang="en-US" sz="4000">
-                          <a:latin typeface="Cambria Math" panose="02040503050406030204" pitchFamily="18" charset="0"/>
-                          <a:ea typeface="Cambria Math" panose="02040503050406030204" pitchFamily="18" charset="0"/>
-                        </a:rPr>
-                        <m:t>at</m:t>
-                      </m:r>
-                      <m:r>
-                        <m:rPr>
-                          <m:nor/>
-                        </m:rPr>
-                        <a:rPr lang="en-US" sz="4000">
-                          <a:latin typeface="Cambria Math" panose="02040503050406030204" pitchFamily="18" charset="0"/>
-                          <a:ea typeface="Cambria Math" panose="02040503050406030204" pitchFamily="18" charset="0"/>
-                        </a:rPr>
-                        <m:t> </m:t>
-                      </m:r>
-                      <m:r>
-                        <m:rPr>
-                          <m:nor/>
-                        </m:rPr>
-                        <a:rPr lang="en-US" sz="4000">
-                          <a:latin typeface="Cambria Math" panose="02040503050406030204" pitchFamily="18" charset="0"/>
-                          <a:ea typeface="Cambria Math" panose="02040503050406030204" pitchFamily="18" charset="0"/>
-                        </a:rPr>
-                        <m:t>site</m:t>
-                      </m:r>
-                      <m:r>
-                        <m:rPr>
-                          <m:nor/>
-                        </m:rPr>
-                        <a:rPr lang="en-US" sz="4000">
-                          <a:latin typeface="Cambria Math" panose="02040503050406030204" pitchFamily="18" charset="0"/>
-                          <a:ea typeface="Cambria Math" panose="02040503050406030204" pitchFamily="18" charset="0"/>
-                        </a:rPr>
-                        <m:t> </m:t>
-                      </m:r>
-                      <m:r>
-                        <a:rPr lang="en-US" sz="4000" i="1">
-                          <a:latin typeface="Cambria Math" panose="02040503050406030204" pitchFamily="18" charset="0"/>
-                          <a:ea typeface="Cambria Math" panose="02040503050406030204" pitchFamily="18" charset="0"/>
-                        </a:rPr>
-                        <m:t>𝑖</m:t>
-                      </m:r>
-                    </m:oMath>
-                  </m:oMathPara>
-                </a14:m>
-                <a:endParaRPr lang="en-US" sz="4000" dirty="0">
-                  <a:latin typeface="Helvetica" pitchFamily="2" charset="0"/>
-                </a:endParaRPr>
-              </a:p>
-            </p:txBody>
-          </p:sp>
-        </mc:Choice>
-        <mc:Fallback xmlns="">
-          <p:sp>
-            <p:nvSpPr>
-              <p:cNvPr id="10" name="TextBox 9">
-                <a:extLst>
-                  <a:ext uri="{FF2B5EF4-FFF2-40B4-BE49-F238E27FC236}">
-                    <a16:creationId xmlns:a16="http://schemas.microsoft.com/office/drawing/2014/main" id="{AB71FB48-D22D-2049-A0F7-9ACC76664400}"/>
-                  </a:ext>
-                </a:extLst>
-              </p:cNvPr>
-              <p:cNvSpPr txBox="1">
-                <a:spLocks noRot="1" noChangeAspect="1" noMove="1" noResize="1" noEditPoints="1" noAdjustHandles="1" noChangeArrowheads="1" noChangeShapeType="1" noTextEdit="1"/>
-              </p:cNvSpPr>
-              <p:nvPr/>
-            </p:nvSpPr>
-            <p:spPr>
-              <a:xfrm>
-                <a:off x="6206490" y="3642359"/>
-                <a:ext cx="5985510" cy="1988558"/>
-              </a:xfrm>
-              <a:prstGeom prst="rect">
-                <a:avLst/>
-              </a:prstGeom>
-              <a:blipFill>
-                <a:blip r:embed="rId9"/>
-                <a:stretch>
-                  <a:fillRect l="-3602" t="-5096" b="-8280"/>
-                </a:stretch>
-              </a:blipFill>
-            </p:spPr>
-            <p:txBody>
-              <a:bodyPr/>
-              <a:lstStyle/>
-              <a:p>
-                <a:r>
-                  <a:rPr lang="en-US">
-                    <a:noFill/>
-                  </a:rPr>
-                  <a:t> </a:t>
-                </a:r>
-              </a:p>
-            </p:txBody>
-          </p:sp>
-        </mc:Fallback>
-      </mc:AlternateContent>
-    </p:spTree>
-    <p:extLst>
-      <p:ext uri="{BB962C8B-B14F-4D97-AF65-F5344CB8AC3E}">
-        <p14:creationId xmlns:p14="http://schemas.microsoft.com/office/powerpoint/2010/main" val="553952075"/>
-      </p:ext>
-    </p:extLst>
-  </p:cSld>
-  <p:clrMapOvr>
-    <a:masterClrMapping/>
-  </p:clrMapOvr>
+  <p:timing>
+    <p:tnLst>
+      <p:par>
+        <p:cTn id="1" dur="indefinite" restart="never" nodeType="tmRoot">
+          <p:childTnLst>
+            <p:seq concurrent="1" nextAc="seek">
+              <p:cTn id="2" dur="indefinite" nodeType="mainSeq">
+                <p:childTnLst>
+                  <p:par>
+                    <p:cTn id="3" fill="hold">
+                      <p:stCondLst>
+                        <p:cond delay="indefinite"/>
+                      </p:stCondLst>
+                      <p:childTnLst>
+                        <p:par>
+                          <p:cTn id="4" fill="hold">
+                            <p:stCondLst>
+                              <p:cond delay="0"/>
+                            </p:stCondLst>
+                            <p:childTnLst>
+                              <p:par>
+                                <p:cTn id="5" presetID="1" presetClass="entr" presetSubtype="0" fill="hold" grpId="0" nodeType="clickEffect">
+                                  <p:stCondLst>
+                                    <p:cond delay="0"/>
+                                  </p:stCondLst>
+                                  <p:childTnLst>
+                                    <p:set>
+                                      <p:cBhvr>
+                                        <p:cTn id="6" dur="1" fill="hold">
+                                          <p:stCondLst>
+                                            <p:cond delay="0"/>
+                                          </p:stCondLst>
+                                        </p:cTn>
+                                        <p:tgtEl>
+                                          <p:spTgt spid="12"/>
+                                        </p:tgtEl>
+                                        <p:attrNameLst>
+                                          <p:attrName>style.visibility</p:attrName>
+                                        </p:attrNameLst>
+                                      </p:cBhvr>
+                                      <p:to>
+                                        <p:strVal val="visible"/>
+                                      </p:to>
+                                    </p:set>
+                                  </p:childTnLst>
+                                </p:cTn>
+                              </p:par>
+                              <p:par>
+                                <p:cTn id="7" presetID="1" presetClass="entr" presetSubtype="0" fill="hold" grpId="0" nodeType="withEffect">
+                                  <p:stCondLst>
+                                    <p:cond delay="0"/>
+                                  </p:stCondLst>
+                                  <p:childTnLst>
+                                    <p:set>
+                                      <p:cBhvr>
+                                        <p:cTn id="8" dur="1" fill="hold">
+                                          <p:stCondLst>
+                                            <p:cond delay="0"/>
+                                          </p:stCondLst>
+                                        </p:cTn>
+                                        <p:tgtEl>
+                                          <p:spTgt spid="13"/>
+                                        </p:tgtEl>
+                                        <p:attrNameLst>
+                                          <p:attrName>style.visibility</p:attrName>
+                                        </p:attrNameLst>
+                                      </p:cBhvr>
+                                      <p:to>
+                                        <p:strVal val="visible"/>
+                                      </p:to>
+                                    </p:set>
+                                  </p:childTnLst>
+                                </p:cTn>
+                              </p:par>
+                              <p:par>
+                                <p:cTn id="9" presetID="1" presetClass="entr" presetSubtype="0" fill="hold" grpId="0" nodeType="withEffect">
+                                  <p:stCondLst>
+                                    <p:cond delay="0"/>
+                                  </p:stCondLst>
+                                  <p:childTnLst>
+                                    <p:set>
+                                      <p:cBhvr>
+                                        <p:cTn id="10" dur="1" fill="hold">
+                                          <p:stCondLst>
+                                            <p:cond delay="0"/>
+                                          </p:stCondLst>
+                                        </p:cTn>
+                                        <p:tgtEl>
+                                          <p:spTgt spid="5"/>
+                                        </p:tgtEl>
+                                        <p:attrNameLst>
+                                          <p:attrName>style.visibility</p:attrName>
+                                        </p:attrNameLst>
+                                      </p:cBhvr>
+                                      <p:to>
+                                        <p:strVal val="visible"/>
+                                      </p:to>
+                                    </p:set>
+                                  </p:childTnLst>
+                                </p:cTn>
+                              </p:par>
+                            </p:childTnLst>
+                          </p:cTn>
+                        </p:par>
+                      </p:childTnLst>
+                    </p:cTn>
+                  </p:par>
+                  <p:par>
+                    <p:cTn id="11" fill="hold">
+                      <p:stCondLst>
+                        <p:cond delay="indefinite"/>
+                      </p:stCondLst>
+                      <p:childTnLst>
+                        <p:par>
+                          <p:cTn id="12" fill="hold">
+                            <p:stCondLst>
+                              <p:cond delay="0"/>
+                            </p:stCondLst>
+                            <p:childTnLst>
+                              <p:par>
+                                <p:cTn id="13" presetID="1" presetClass="entr" presetSubtype="0" fill="hold" grpId="0" nodeType="clickEffect">
+                                  <p:stCondLst>
+                                    <p:cond delay="0"/>
+                                  </p:stCondLst>
+                                  <p:childTnLst>
+                                    <p:set>
+                                      <p:cBhvr>
+                                        <p:cTn id="14" dur="1" fill="hold">
+                                          <p:stCondLst>
+                                            <p:cond delay="0"/>
+                                          </p:stCondLst>
+                                        </p:cTn>
+                                        <p:tgtEl>
+                                          <p:spTgt spid="18"/>
+                                        </p:tgtEl>
+                                        <p:attrNameLst>
+                                          <p:attrName>style.visibility</p:attrName>
+                                        </p:attrNameLst>
+                                      </p:cBhvr>
+                                      <p:to>
+                                        <p:strVal val="visible"/>
+                                      </p:to>
+                                    </p:set>
+                                  </p:childTnLst>
+                                </p:cTn>
+                              </p:par>
+                            </p:childTnLst>
+                          </p:cTn>
+                        </p:par>
+                      </p:childTnLst>
+                    </p:cTn>
+                  </p:par>
+                  <p:par>
+                    <p:cTn id="15" fill="hold">
+                      <p:stCondLst>
+                        <p:cond delay="indefinite"/>
+                      </p:stCondLst>
+                      <p:childTnLst>
+                        <p:par>
+                          <p:cTn id="16" fill="hold">
+                            <p:stCondLst>
+                              <p:cond delay="0"/>
+                            </p:stCondLst>
+                            <p:childTnLst>
+                              <p:par>
+                                <p:cTn id="17" presetID="1" presetClass="entr" presetSubtype="0" fill="hold" grpId="0" nodeType="clickEffect">
+                                  <p:stCondLst>
+                                    <p:cond delay="0"/>
+                                  </p:stCondLst>
+                                  <p:childTnLst>
+                                    <p:set>
+                                      <p:cBhvr>
+                                        <p:cTn id="18" dur="1" fill="hold">
+                                          <p:stCondLst>
+                                            <p:cond delay="0"/>
+                                          </p:stCondLst>
+                                        </p:cTn>
+                                        <p:tgtEl>
+                                          <p:spTgt spid="16"/>
+                                        </p:tgtEl>
+                                        <p:attrNameLst>
+                                          <p:attrName>style.visibility</p:attrName>
+                                        </p:attrNameLst>
+                                      </p:cBhvr>
+                                      <p:to>
+                                        <p:strVal val="visible"/>
+                                      </p:to>
+                                    </p:set>
+                                  </p:childTnLst>
+                                </p:cTn>
+                              </p:par>
+                              <p:par>
+                                <p:cTn id="19" presetID="1" presetClass="entr" presetSubtype="0" fill="hold" grpId="0" nodeType="withEffect">
+                                  <p:stCondLst>
+                                    <p:cond delay="0"/>
+                                  </p:stCondLst>
+                                  <p:childTnLst>
+                                    <p:set>
+                                      <p:cBhvr>
+                                        <p:cTn id="20" dur="1" fill="hold">
+                                          <p:stCondLst>
+                                            <p:cond delay="0"/>
+                                          </p:stCondLst>
+                                        </p:cTn>
+                                        <p:tgtEl>
+                                          <p:spTgt spid="17"/>
+                                        </p:tgtEl>
+                                        <p:attrNameLst>
+                                          <p:attrName>style.visibility</p:attrName>
+                                        </p:attrNameLst>
+                                      </p:cBhvr>
+                                      <p:to>
+                                        <p:strVal val="visible"/>
+                                      </p:to>
+                                    </p:set>
+                                  </p:childTnLst>
+                                </p:cTn>
+                              </p:par>
+                              <p:par>
+                                <p:cTn id="21" presetID="1" presetClass="entr" presetSubtype="0" fill="hold" grpId="0" nodeType="withEffect">
+                                  <p:stCondLst>
+                                    <p:cond delay="0"/>
+                                  </p:stCondLst>
+                                  <p:childTnLst>
+                                    <p:set>
+                                      <p:cBhvr>
+                                        <p:cTn id="22" dur="1" fill="hold">
+                                          <p:stCondLst>
+                                            <p:cond delay="0"/>
+                                          </p:stCondLst>
+                                        </p:cTn>
+                                        <p:tgtEl>
+                                          <p:spTgt spid="15"/>
+                                        </p:tgtEl>
+                                        <p:attrNameLst>
+                                          <p:attrName>style.visibility</p:attrName>
+                                        </p:attrNameLst>
+                                      </p:cBhvr>
+                                      <p:to>
+                                        <p:strVal val="visible"/>
+                                      </p:to>
+                                    </p:set>
+                                  </p:childTnLst>
+                                </p:cTn>
+                              </p:par>
+                            </p:childTnLst>
+                          </p:cTn>
+                        </p:par>
+                      </p:childTnLst>
+                    </p:cTn>
+                  </p:par>
+                  <p:par>
+                    <p:cTn id="23" fill="hold">
+                      <p:stCondLst>
+                        <p:cond delay="indefinite"/>
+                      </p:stCondLst>
+                      <p:childTnLst>
+                        <p:par>
+                          <p:cTn id="24" fill="hold">
+                            <p:stCondLst>
+                              <p:cond delay="0"/>
+                            </p:stCondLst>
+                            <p:childTnLst>
+                              <p:par>
+                                <p:cTn id="25" presetID="1" presetClass="entr" presetSubtype="0" fill="hold" grpId="0" nodeType="clickEffect">
+                                  <p:stCondLst>
+                                    <p:cond delay="0"/>
+                                  </p:stCondLst>
+                                  <p:childTnLst>
+                                    <p:set>
+                                      <p:cBhvr>
+                                        <p:cTn id="26" dur="1" fill="hold">
+                                          <p:stCondLst>
+                                            <p:cond delay="0"/>
+                                          </p:stCondLst>
+                                        </p:cTn>
+                                        <p:tgtEl>
+                                          <p:spTgt spid="19"/>
+                                        </p:tgtEl>
+                                        <p:attrNameLst>
+                                          <p:attrName>style.visibility</p:attrName>
+                                        </p:attrNameLst>
+                                      </p:cBhvr>
+                                      <p:to>
+                                        <p:strVal val="visible"/>
+                                      </p:to>
+                                    </p:set>
+                                  </p:childTnLst>
+                                </p:cTn>
+                              </p:par>
+                            </p:childTnLst>
+                          </p:cTn>
+                        </p:par>
+                      </p:childTnLst>
+                    </p:cTn>
+                  </p:par>
+                </p:childTnLst>
+              </p:cTn>
+              <p:prevCondLst>
+                <p:cond evt="onPrev" delay="0">
+                  <p:tgtEl>
+                    <p:sldTgt/>
+                  </p:tgtEl>
+                </p:cond>
+              </p:prevCondLst>
+              <p:nextCondLst>
+                <p:cond evt="onNext" delay="0">
+                  <p:tgtEl>
+                    <p:sldTgt/>
+                  </p:tgtEl>
+                </p:cond>
+              </p:nextCondLst>
+            </p:seq>
+          </p:childTnLst>
+        </p:cTn>
+      </p:par>
+    </p:tnLst>
+    <p:bldLst>
+      <p:bldP spid="5" grpId="0" animBg="1"/>
+      <p:bldP spid="12" grpId="0" animBg="1"/>
+      <p:bldP spid="13" grpId="0" animBg="1"/>
+      <p:bldP spid="15" grpId="0" animBg="1"/>
+      <p:bldP spid="16" grpId="0" animBg="1"/>
+      <p:bldP spid="17" grpId="0" animBg="1"/>
+      <p:bldP spid="18" grpId="0"/>
+      <p:bldP spid="19" grpId="0"/>
+    </p:bldLst>
+  </p:timing>
 </p:sld>
 </file>
 
@@ -13651,10 +14030,10 @@
         <mc:Choice Requires="a14">
           <p:sp>
             <p:nvSpPr>
-              <p:cNvPr id="16" name="TextBox 15">
+              <p:cNvPr id="10" name="TextBox 9">
                 <a:extLst>
                   <a:ext uri="{FF2B5EF4-FFF2-40B4-BE49-F238E27FC236}">
-                    <a16:creationId xmlns:a16="http://schemas.microsoft.com/office/drawing/2014/main" id="{CE56B8A4-CABE-A745-8E84-91CEAEA17A6E}"/>
+                    <a16:creationId xmlns:a16="http://schemas.microsoft.com/office/drawing/2014/main" id="{FA38B4FF-B2E0-4D44-904F-DD7DDB46D7A8}"/>
                   </a:ext>
                 </a:extLst>
               </p:cNvPr>
@@ -13663,8 +14042,8 @@
             </p:nvSpPr>
             <p:spPr>
               <a:xfrm>
-                <a:off x="6096000" y="601979"/>
-                <a:ext cx="5985510" cy="1938992"/>
+                <a:off x="240030" y="191897"/>
+                <a:ext cx="11704320" cy="1323439"/>
               </a:xfrm>
               <a:prstGeom prst="rect">
                 <a:avLst/>
@@ -13682,259 +14061,24 @@
                   <a:rPr lang="en-US" sz="4000" b="1" dirty="0">
                     <a:latin typeface="Helvetica" pitchFamily="2" charset="0"/>
                   </a:rPr>
-                  <a:t>Ecological process</a:t>
+                  <a:t>Repeat sampling</a:t>
                 </a:r>
-                <a:endParaRPr lang="en-US" sz="4000" dirty="0">
-                  <a:latin typeface="Helvetica" pitchFamily="2" charset="0"/>
-                </a:endParaRPr>
-              </a:p>
-              <a:p>
-                <a:pPr algn="just"/>
+                <a:r>
+                  <a:rPr lang="en-US" sz="4000" dirty="0">
+                    <a:latin typeface="Helvetica" pitchFamily="2" charset="0"/>
+                  </a:rPr>
+                  <a:t> can be used to estimate the detection probability </a:t>
+                </a:r>
                 <a14:m>
-                  <m:oMathPara xmlns:m="http://schemas.openxmlformats.org/officeDocument/2006/math">
-                    <m:oMathParaPr>
-                      <m:jc m:val="centerGroup"/>
-                    </m:oMathParaPr>
-                    <m:oMath xmlns:m="http://schemas.openxmlformats.org/officeDocument/2006/math">
-                      <m:sSub>
-                        <m:sSubPr>
-                          <m:ctrlPr>
-                            <a:rPr lang="en-US" sz="4000" b="0" i="1" smtClean="0">
-                              <a:latin typeface="Cambria Math" panose="02040503050406030204" pitchFamily="18" charset="0"/>
-                              <a:ea typeface="Cambria Math" panose="02040503050406030204" pitchFamily="18" charset="0"/>
-                            </a:rPr>
-                          </m:ctrlPr>
-                        </m:sSubPr>
-                        <m:e>
-                          <m:r>
-                            <a:rPr lang="en-US" sz="4000" b="0" i="1" smtClean="0">
-                              <a:latin typeface="Cambria Math" panose="02040503050406030204" pitchFamily="18" charset="0"/>
-                              <a:ea typeface="Cambria Math" panose="02040503050406030204" pitchFamily="18" charset="0"/>
-                            </a:rPr>
-                            <m:t>𝑧</m:t>
-                          </m:r>
-                        </m:e>
-                        <m:sub>
-                          <m:r>
-                            <a:rPr lang="en-US" sz="4000" b="0" i="1" smtClean="0">
-                              <a:latin typeface="Cambria Math" panose="02040503050406030204" pitchFamily="18" charset="0"/>
-                              <a:ea typeface="Cambria Math" panose="02040503050406030204" pitchFamily="18" charset="0"/>
-                            </a:rPr>
-                            <m:t>𝑖</m:t>
-                          </m:r>
-                        </m:sub>
-                      </m:sSub>
-                      <m:r>
-                        <a:rPr lang="en-US" sz="4000" b="0" i="1" smtClean="0">
-                          <a:latin typeface="Cambria Math" panose="02040503050406030204" pitchFamily="18" charset="0"/>
-                          <a:ea typeface="Cambria Math" panose="02040503050406030204" pitchFamily="18" charset="0"/>
-                        </a:rPr>
-                        <m:t>|</m:t>
-                      </m:r>
-                      <m:sSub>
-                        <m:sSubPr>
-                          <m:ctrlPr>
-                            <a:rPr lang="en-US" sz="4000" b="0" i="1" smtClean="0">
-                              <a:latin typeface="Cambria Math" panose="02040503050406030204" pitchFamily="18" charset="0"/>
-                              <a:ea typeface="Cambria Math" panose="02040503050406030204" pitchFamily="18" charset="0"/>
-                            </a:rPr>
-                          </m:ctrlPr>
-                        </m:sSubPr>
-                        <m:e>
-                          <m:r>
-                            <a:rPr lang="en-US" sz="4000" i="1">
-                              <a:latin typeface="Cambria Math" panose="02040503050406030204" pitchFamily="18" charset="0"/>
-                              <a:ea typeface="Cambria Math" panose="02040503050406030204" pitchFamily="18" charset="0"/>
-                            </a:rPr>
-                            <m:t>𝜓</m:t>
-                          </m:r>
-                        </m:e>
-                        <m:sub>
-                          <m:r>
-                            <a:rPr lang="en-US" sz="4000" b="0" i="1" smtClean="0">
-                              <a:latin typeface="Cambria Math" panose="02040503050406030204" pitchFamily="18" charset="0"/>
-                              <a:ea typeface="Cambria Math" panose="02040503050406030204" pitchFamily="18" charset="0"/>
-                            </a:rPr>
-                            <m:t>𝑖</m:t>
-                          </m:r>
-                        </m:sub>
-                      </m:sSub>
-                      <m:r>
-                        <a:rPr lang="en-US" sz="4000" b="0" i="1" smtClean="0">
-                          <a:latin typeface="Cambria Math" panose="02040503050406030204" pitchFamily="18" charset="0"/>
-                          <a:ea typeface="Cambria Math" panose="02040503050406030204" pitchFamily="18" charset="0"/>
-                        </a:rPr>
-                        <m:t>~</m:t>
-                      </m:r>
-                      <m:r>
-                        <a:rPr lang="en-US" sz="4000" b="0" i="1" smtClean="0">
-                          <a:latin typeface="Cambria Math" panose="02040503050406030204" pitchFamily="18" charset="0"/>
-                          <a:ea typeface="Cambria Math" panose="02040503050406030204" pitchFamily="18" charset="0"/>
-                        </a:rPr>
-                        <m:t>𝐵𝑒𝑟𝑛𝑜𝑢𝑙𝑙𝑖</m:t>
-                      </m:r>
-                      <m:r>
-                        <a:rPr lang="en-US" sz="4000" b="0" i="1" smtClean="0">
-                          <a:latin typeface="Cambria Math" panose="02040503050406030204" pitchFamily="18" charset="0"/>
-                          <a:ea typeface="Cambria Math" panose="02040503050406030204" pitchFamily="18" charset="0"/>
-                        </a:rPr>
-                        <m:t>(</m:t>
-                      </m:r>
-                      <m:sSub>
-                        <m:sSubPr>
-                          <m:ctrlPr>
-                            <a:rPr lang="en-US" sz="4000" i="1">
-                              <a:latin typeface="Cambria Math" panose="02040503050406030204" pitchFamily="18" charset="0"/>
-                              <a:ea typeface="Cambria Math" panose="02040503050406030204" pitchFamily="18" charset="0"/>
-                            </a:rPr>
-                          </m:ctrlPr>
-                        </m:sSubPr>
-                        <m:e>
-                          <m:r>
-                            <a:rPr lang="en-US" sz="4000" i="1">
-                              <a:latin typeface="Cambria Math" panose="02040503050406030204" pitchFamily="18" charset="0"/>
-                              <a:ea typeface="Cambria Math" panose="02040503050406030204" pitchFamily="18" charset="0"/>
-                            </a:rPr>
-                            <m:t>𝜓</m:t>
-                          </m:r>
-                        </m:e>
-                        <m:sub>
-                          <m:r>
-                            <a:rPr lang="en-US" sz="4000" i="1">
-                              <a:latin typeface="Cambria Math" panose="02040503050406030204" pitchFamily="18" charset="0"/>
-                              <a:ea typeface="Cambria Math" panose="02040503050406030204" pitchFamily="18" charset="0"/>
-                            </a:rPr>
-                            <m:t>𝑖</m:t>
-                          </m:r>
-                        </m:sub>
-                      </m:sSub>
-                      <m:r>
-                        <a:rPr lang="en-US" sz="4000" b="0" i="1" smtClean="0">
-                          <a:latin typeface="Cambria Math" panose="02040503050406030204" pitchFamily="18" charset="0"/>
-                          <a:ea typeface="Cambria Math" panose="02040503050406030204" pitchFamily="18" charset="0"/>
-                        </a:rPr>
-                        <m:t>)</m:t>
-                      </m:r>
-                    </m:oMath>
-                  </m:oMathPara>
-                </a14:m>
-                <a:endParaRPr lang="en-US" sz="4000" b="0" dirty="0">
-                  <a:latin typeface="Helvetica" pitchFamily="2" charset="0"/>
-                  <a:ea typeface="Cambria Math" panose="02040503050406030204" pitchFamily="18" charset="0"/>
-                </a:endParaRPr>
-              </a:p>
-              <a:p>
-                <a:pPr algn="just"/>
-                <a14:m>
-                  <m:oMathPara xmlns:m="http://schemas.openxmlformats.org/officeDocument/2006/math">
-                    <m:oMathParaPr>
-                      <m:jc m:val="centerGroup"/>
-                    </m:oMathParaPr>
-                    <m:oMath xmlns:m="http://schemas.openxmlformats.org/officeDocument/2006/math">
-                      <m:sSub>
-                        <m:sSubPr>
-                          <m:ctrlPr>
-                            <a:rPr lang="en-US" sz="4000" i="1">
-                              <a:latin typeface="Cambria Math" panose="02040503050406030204" pitchFamily="18" charset="0"/>
-                              <a:ea typeface="Cambria Math" panose="02040503050406030204" pitchFamily="18" charset="0"/>
-                            </a:rPr>
-                          </m:ctrlPr>
-                        </m:sSubPr>
-                        <m:e>
-                          <m:r>
-                            <a:rPr lang="en-US" sz="4000" i="1">
-                              <a:latin typeface="Cambria Math" panose="02040503050406030204" pitchFamily="18" charset="0"/>
-                              <a:ea typeface="Cambria Math" panose="02040503050406030204" pitchFamily="18" charset="0"/>
-                            </a:rPr>
-                            <m:t>𝑧</m:t>
-                          </m:r>
-                        </m:e>
-                        <m:sub>
-                          <m:r>
-                            <a:rPr lang="en-US" sz="4000" i="1">
-                              <a:latin typeface="Cambria Math" panose="02040503050406030204" pitchFamily="18" charset="0"/>
-                              <a:ea typeface="Cambria Math" panose="02040503050406030204" pitchFamily="18" charset="0"/>
-                            </a:rPr>
-                            <m:t>𝑖</m:t>
-                          </m:r>
-                        </m:sub>
-                      </m:sSub>
-                      <m:r>
-                        <a:rPr lang="en-US" sz="4000" i="1" smtClean="0">
-                          <a:latin typeface="Cambria Math" panose="02040503050406030204" pitchFamily="18" charset="0"/>
-                          <a:ea typeface="Cambria Math" panose="02040503050406030204" pitchFamily="18" charset="0"/>
-                        </a:rPr>
-                        <m:t>=</m:t>
-                      </m:r>
-                      <m:r>
-                        <m:rPr>
-                          <m:nor/>
-                        </m:rPr>
-                        <a:rPr lang="en-US" sz="4000" b="0" i="0" smtClean="0">
-                          <a:latin typeface="Cambria Math" panose="02040503050406030204" pitchFamily="18" charset="0"/>
-                          <a:ea typeface="Cambria Math" panose="02040503050406030204" pitchFamily="18" charset="0"/>
-                        </a:rPr>
-                        <m:t>occurrence</m:t>
-                      </m:r>
-                      <m:r>
-                        <m:rPr>
-                          <m:nor/>
-                        </m:rPr>
-                        <a:rPr lang="en-US" sz="4000" b="0" i="0" smtClean="0">
-                          <a:latin typeface="Cambria Math" panose="02040503050406030204" pitchFamily="18" charset="0"/>
-                          <a:ea typeface="Cambria Math" panose="02040503050406030204" pitchFamily="18" charset="0"/>
-                        </a:rPr>
-                        <m:t> </m:t>
-                      </m:r>
-                      <m:r>
-                        <m:rPr>
-                          <m:nor/>
-                        </m:rPr>
-                        <a:rPr lang="en-US" sz="4000" b="0" i="0" smtClean="0">
-                          <a:latin typeface="Cambria Math" panose="02040503050406030204" pitchFamily="18" charset="0"/>
-                          <a:ea typeface="Cambria Math" panose="02040503050406030204" pitchFamily="18" charset="0"/>
-                        </a:rPr>
-                        <m:t>at</m:t>
-                      </m:r>
-                      <m:r>
-                        <m:rPr>
-                          <m:nor/>
-                        </m:rPr>
-                        <a:rPr lang="en-US" sz="4000" b="0" i="0" smtClean="0">
-                          <a:latin typeface="Cambria Math" panose="02040503050406030204" pitchFamily="18" charset="0"/>
-                          <a:ea typeface="Cambria Math" panose="02040503050406030204" pitchFamily="18" charset="0"/>
-                        </a:rPr>
-                        <m:t> </m:t>
-                      </m:r>
-                      <m:r>
-                        <m:rPr>
-                          <m:nor/>
-                        </m:rPr>
-                        <a:rPr lang="en-US" sz="4000" b="0" i="0" smtClean="0">
-                          <a:latin typeface="Cambria Math" panose="02040503050406030204" pitchFamily="18" charset="0"/>
-                          <a:ea typeface="Cambria Math" panose="02040503050406030204" pitchFamily="18" charset="0"/>
-                        </a:rPr>
-                        <m:t>site</m:t>
-                      </m:r>
-                      <m:r>
-                        <m:rPr>
-                          <m:nor/>
-                        </m:rPr>
-                        <a:rPr lang="en-US" sz="4000" b="0" i="0" smtClean="0">
-                          <a:latin typeface="Cambria Math" panose="02040503050406030204" pitchFamily="18" charset="0"/>
-                          <a:ea typeface="Cambria Math" panose="02040503050406030204" pitchFamily="18" charset="0"/>
-                        </a:rPr>
-                        <m:t> </m:t>
-                      </m:r>
-                      <m:r>
-                        <a:rPr lang="en-US" sz="4000" b="0" i="1" smtClean="0">
-                          <a:latin typeface="Cambria Math" panose="02040503050406030204" pitchFamily="18" charset="0"/>
-                          <a:ea typeface="Cambria Math" panose="02040503050406030204" pitchFamily="18" charset="0"/>
-                        </a:rPr>
-                        <m:t>𝑖</m:t>
-                      </m:r>
-                    </m:oMath>
-                  </m:oMathPara>
+                  <m:oMath xmlns:m="http://schemas.openxmlformats.org/officeDocument/2006/math">
+                    <m:r>
+                      <a:rPr lang="en-US" sz="4000" i="1">
+                        <a:latin typeface="Cambria Math" panose="02040503050406030204" pitchFamily="18" charset="0"/>
+                        <a:ea typeface="Cambria Math" panose="02040503050406030204" pitchFamily="18" charset="0"/>
+                      </a:rPr>
+                      <m:t>𝑝</m:t>
+                    </m:r>
+                  </m:oMath>
                 </a14:m>
                 <a:endParaRPr lang="en-US" sz="4000" dirty="0">
                   <a:latin typeface="Helvetica" pitchFamily="2" charset="0"/>
@@ -13946,10 +14090,10 @@
         <mc:Fallback xmlns="">
           <p:sp>
             <p:nvSpPr>
-              <p:cNvPr id="16" name="TextBox 15">
+              <p:cNvPr id="10" name="TextBox 9">
                 <a:extLst>
                   <a:ext uri="{FF2B5EF4-FFF2-40B4-BE49-F238E27FC236}">
-                    <a16:creationId xmlns:a16="http://schemas.microsoft.com/office/drawing/2014/main" id="{CE56B8A4-CABE-A745-8E84-91CEAEA17A6E}"/>
+                    <a16:creationId xmlns:a16="http://schemas.microsoft.com/office/drawing/2014/main" id="{FA38B4FF-B2E0-4D44-904F-DD7DDB46D7A8}"/>
                   </a:ext>
                 </a:extLst>
               </p:cNvPr>
@@ -13960,16 +14104,16 @@
             </p:nvSpPr>
             <p:spPr>
               <a:xfrm>
-                <a:off x="6096000" y="601979"/>
-                <a:ext cx="5985510" cy="1938992"/>
+                <a:off x="240030" y="191897"/>
+                <a:ext cx="11704320" cy="1323439"/>
               </a:xfrm>
               <a:prstGeom prst="rect">
                 <a:avLst/>
               </a:prstGeom>
               <a:blipFill>
-                <a:blip r:embed="rId4"/>
+                <a:blip r:embed="rId6"/>
                 <a:stretch>
-                  <a:fillRect l="-3609" t="-5195" b="-8442"/>
+                  <a:fillRect l="-1842" t="-7619" r="-1733" b="-18095"/>
                 </a:stretch>
               </a:blipFill>
             </p:spPr>
@@ -13988,646 +14132,866 @@
           </p:sp>
         </mc:Fallback>
       </mc:AlternateContent>
-      <p:pic>
-        <p:nvPicPr>
-          <p:cNvPr id="23" name="Graphic 22">
+      <p:sp>
+        <p:nvSpPr>
+          <p:cNvPr id="12" name="TextBox 11">
             <a:extLst>
               <a:ext uri="{FF2B5EF4-FFF2-40B4-BE49-F238E27FC236}">
-                <a16:creationId xmlns:a16="http://schemas.microsoft.com/office/drawing/2014/main" id="{E0CC92D4-06C3-2447-ADCE-072728397B43}"/>
+                <a16:creationId xmlns:a16="http://schemas.microsoft.com/office/drawing/2014/main" id="{7217006E-5583-4240-84AA-F4778AE24436}"/>
               </a:ext>
             </a:extLst>
           </p:cNvPr>
-          <p:cNvPicPr>
-            <a:picLocks noChangeAspect="1"/>
-          </p:cNvPicPr>
+          <p:cNvSpPr txBox="1"/>
           <p:nvPr/>
-        </p:nvPicPr>
-        <p:blipFill>
-          <a:blip r:embed="rId5">
-            <a:extLst>
-              <a:ext uri="{28A0092B-C50C-407E-A947-70E740481C1C}">
-                <a14:useLocalDpi xmlns:a14="http://schemas.microsoft.com/office/drawing/2010/main" val="0"/>
-              </a:ext>
-              <a:ext uri="{96DAC541-7B7A-43D3-8B79-37D633B846F1}">
-                <asvg:svgBlip xmlns:asvg="http://schemas.microsoft.com/office/drawing/2016/SVG/main" r:embed="rId6"/>
-              </a:ext>
-            </a:extLst>
-          </a:blip>
-          <a:stretch>
-            <a:fillRect/>
-          </a:stretch>
-        </p:blipFill>
+        </p:nvSpPr>
         <p:spPr>
           <a:xfrm>
-            <a:off x="1287780" y="280352"/>
-            <a:ext cx="3040380" cy="3040380"/>
+            <a:off x="2746875" y="2406913"/>
+            <a:ext cx="3627353" cy="3046988"/>
           </a:xfrm>
           <a:prstGeom prst="rect">
             <a:avLst/>
           </a:prstGeom>
+          <a:noFill/>
         </p:spPr>
-      </p:pic>
-      <p:pic>
-        <p:nvPicPr>
-          <p:cNvPr id="7" name="Graphic 6">
+        <p:txBody>
+          <a:bodyPr wrap="square" rtlCol="0">
+            <a:spAutoFit/>
+          </a:bodyPr>
+          <a:lstStyle/>
+          <a:p>
+            <a:r>
+              <a:rPr lang="en-US" sz="3200" b="1" dirty="0">
+                <a:solidFill>
+                  <a:schemeClr val="accent6"/>
+                </a:solidFill>
+                <a:latin typeface="Courier New" panose="02070309020205020404" pitchFamily="49" charset="0"/>
+                <a:cs typeface="Courier New" panose="02070309020205020404" pitchFamily="49" charset="0"/>
+              </a:rPr>
+              <a:t>0 1 1 1 1 1 1</a:t>
+            </a:r>
+          </a:p>
+          <a:p>
+            <a:r>
+              <a:rPr lang="en-US" sz="3200" b="1" dirty="0">
+                <a:solidFill>
+                  <a:schemeClr val="accent6"/>
+                </a:solidFill>
+                <a:latin typeface="Courier New" panose="02070309020205020404" pitchFamily="49" charset="0"/>
+                <a:cs typeface="Courier New" panose="02070309020205020404" pitchFamily="49" charset="0"/>
+              </a:rPr>
+              <a:t>1 1 1 1 1 1 1</a:t>
+            </a:r>
+          </a:p>
+          <a:p>
+            <a:r>
+              <a:rPr lang="en-US" sz="3200" b="1" dirty="0">
+                <a:solidFill>
+                  <a:schemeClr val="accent6"/>
+                </a:solidFill>
+                <a:latin typeface="Courier New" panose="02070309020205020404" pitchFamily="49" charset="0"/>
+                <a:cs typeface="Courier New" panose="02070309020205020404" pitchFamily="49" charset="0"/>
+              </a:rPr>
+              <a:t>1 1 1 0 1 1 0</a:t>
+            </a:r>
+          </a:p>
+          <a:p>
+            <a:r>
+              <a:rPr lang="en-US" sz="3200" b="1" dirty="0">
+                <a:solidFill>
+                  <a:schemeClr val="accent6"/>
+                </a:solidFill>
+                <a:latin typeface="Courier New" panose="02070309020205020404" pitchFamily="49" charset="0"/>
+                <a:cs typeface="Courier New" panose="02070309020205020404" pitchFamily="49" charset="0"/>
+              </a:rPr>
+              <a:t>1 1 1 1 1 1 1 </a:t>
+            </a:r>
+          </a:p>
+          <a:p>
+            <a:r>
+              <a:rPr lang="en-US" sz="3200" b="1" dirty="0">
+                <a:solidFill>
+                  <a:schemeClr val="accent6"/>
+                </a:solidFill>
+                <a:latin typeface="Courier New" panose="02070309020205020404" pitchFamily="49" charset="0"/>
+                <a:cs typeface="Courier New" panose="02070309020205020404" pitchFamily="49" charset="0"/>
+              </a:rPr>
+              <a:t>1 0 1 1 1 1 1</a:t>
+            </a:r>
+          </a:p>
+          <a:p>
+            <a:r>
+              <a:rPr lang="en-US" sz="3200" b="1" dirty="0">
+                <a:solidFill>
+                  <a:schemeClr val="accent6"/>
+                </a:solidFill>
+                <a:latin typeface="Courier New" panose="02070309020205020404" pitchFamily="49" charset="0"/>
+                <a:cs typeface="Courier New" panose="02070309020205020404" pitchFamily="49" charset="0"/>
+              </a:rPr>
+              <a:t>1 1 1 1 0 1 1</a:t>
+            </a:r>
+          </a:p>
+        </p:txBody>
+      </p:sp>
+      <p:sp>
+        <p:nvSpPr>
+          <p:cNvPr id="13" name="TextBox 12">
             <a:extLst>
               <a:ext uri="{FF2B5EF4-FFF2-40B4-BE49-F238E27FC236}">
-                <a16:creationId xmlns:a16="http://schemas.microsoft.com/office/drawing/2014/main" id="{50B3FB84-DE7C-A24D-85A4-3C7E49634E98}"/>
+                <a16:creationId xmlns:a16="http://schemas.microsoft.com/office/drawing/2014/main" id="{9C9948DF-F0B8-3D4F-B409-A4C7BCB30D4C}"/>
               </a:ext>
             </a:extLst>
           </p:cNvPr>
-          <p:cNvPicPr>
-            <a:picLocks noChangeAspect="1"/>
-          </p:cNvPicPr>
+          <p:cNvSpPr txBox="1"/>
           <p:nvPr/>
-        </p:nvPicPr>
-        <p:blipFill>
-          <a:blip r:embed="rId7">
-            <a:extLst>
-              <a:ext uri="{28A0092B-C50C-407E-A947-70E740481C1C}">
-                <a14:useLocalDpi xmlns:a14="http://schemas.microsoft.com/office/drawing/2010/main" val="0"/>
-              </a:ext>
-              <a:ext uri="{96DAC541-7B7A-43D3-8B79-37D633B846F1}">
-                <asvg:svgBlip xmlns:asvg="http://schemas.microsoft.com/office/drawing/2016/SVG/main" r:embed="rId8"/>
-              </a:ext>
-            </a:extLst>
-          </a:blip>
-          <a:stretch>
-            <a:fillRect/>
-          </a:stretch>
-        </p:blipFill>
+        </p:nvSpPr>
         <p:spPr>
           <a:xfrm>
-            <a:off x="1287780" y="3320732"/>
-            <a:ext cx="3040380" cy="3040380"/>
+            <a:off x="2746875" y="5526020"/>
+            <a:ext cx="3393878" cy="584775"/>
           </a:xfrm>
           <a:prstGeom prst="rect">
             <a:avLst/>
           </a:prstGeom>
+          <a:noFill/>
         </p:spPr>
-      </p:pic>
-      <mc:AlternateContent xmlns:mc="http://schemas.openxmlformats.org/markup-compatibility/2006" xmlns:a14="http://schemas.microsoft.com/office/drawing/2010/main">
-        <mc:Choice Requires="a14">
-          <p:sp>
-            <p:nvSpPr>
-              <p:cNvPr id="10" name="TextBox 9">
-                <a:extLst>
-                  <a:ext uri="{FF2B5EF4-FFF2-40B4-BE49-F238E27FC236}">
-                    <a16:creationId xmlns:a16="http://schemas.microsoft.com/office/drawing/2014/main" id="{AB71FB48-D22D-2049-A0F7-9ACC76664400}"/>
-                  </a:ext>
-                </a:extLst>
-              </p:cNvPr>
-              <p:cNvSpPr txBox="1"/>
-              <p:nvPr/>
-            </p:nvSpPr>
-            <p:spPr>
-              <a:xfrm>
-                <a:off x="6206490" y="3642359"/>
-                <a:ext cx="5985510" cy="1988558"/>
-              </a:xfrm>
-              <a:prstGeom prst="rect">
-                <a:avLst/>
-              </a:prstGeom>
-              <a:noFill/>
-            </p:spPr>
-            <p:txBody>
-              <a:bodyPr wrap="square" rtlCol="0">
-                <a:spAutoFit/>
-              </a:bodyPr>
-              <a:lstStyle/>
-              <a:p>
-                <a:pPr algn="just"/>
-                <a:r>
-                  <a:rPr lang="en-US" sz="4000" b="1" dirty="0">
-                    <a:latin typeface="Helvetica" pitchFamily="2" charset="0"/>
-                  </a:rPr>
-                  <a:t>Observational process</a:t>
-                </a:r>
-              </a:p>
-              <a:p>
-                <a:pPr algn="just"/>
-                <a14:m>
-                  <m:oMathPara xmlns:m="http://schemas.openxmlformats.org/officeDocument/2006/math">
-                    <m:oMathParaPr>
-                      <m:jc m:val="centerGroup"/>
-                    </m:oMathParaPr>
-                    <m:oMath xmlns:m="http://schemas.openxmlformats.org/officeDocument/2006/math">
-                      <m:sSub>
-                        <m:sSubPr>
-                          <m:ctrlPr>
-                            <a:rPr lang="en-US" sz="4000" b="0" i="1" smtClean="0">
-                              <a:latin typeface="Cambria Math" panose="02040503050406030204" pitchFamily="18" charset="0"/>
-                              <a:ea typeface="Cambria Math" panose="02040503050406030204" pitchFamily="18" charset="0"/>
-                            </a:rPr>
-                          </m:ctrlPr>
-                        </m:sSubPr>
-                        <m:e>
-                          <m:r>
-                            <a:rPr lang="en-US" sz="4000" b="0" i="1" smtClean="0">
-                              <a:latin typeface="Cambria Math" panose="02040503050406030204" pitchFamily="18" charset="0"/>
-                              <a:ea typeface="Cambria Math" panose="02040503050406030204" pitchFamily="18" charset="0"/>
-                            </a:rPr>
-                            <m:t>𝑦</m:t>
-                          </m:r>
-                        </m:e>
-                        <m:sub>
-                          <m:r>
-                            <a:rPr lang="en-US" sz="4000" b="0" i="1" smtClean="0">
-                              <a:latin typeface="Cambria Math" panose="02040503050406030204" pitchFamily="18" charset="0"/>
-                              <a:ea typeface="Cambria Math" panose="02040503050406030204" pitchFamily="18" charset="0"/>
-                            </a:rPr>
-                            <m:t>𝑖</m:t>
-                          </m:r>
-                        </m:sub>
-                      </m:sSub>
-                      <m:r>
-                        <a:rPr lang="en-US" sz="4000" b="0" i="1" smtClean="0">
-                          <a:latin typeface="Cambria Math" panose="02040503050406030204" pitchFamily="18" charset="0"/>
-                          <a:ea typeface="Cambria Math" panose="02040503050406030204" pitchFamily="18" charset="0"/>
-                        </a:rPr>
-                        <m:t>|</m:t>
-                      </m:r>
-                      <m:sSub>
-                        <m:sSubPr>
-                          <m:ctrlPr>
-                            <a:rPr lang="en-US" sz="4000" b="0" i="1" smtClean="0">
-                              <a:latin typeface="Cambria Math" panose="02040503050406030204" pitchFamily="18" charset="0"/>
-                              <a:ea typeface="Cambria Math" panose="02040503050406030204" pitchFamily="18" charset="0"/>
-                            </a:rPr>
-                          </m:ctrlPr>
-                        </m:sSubPr>
-                        <m:e>
-                          <m:r>
-                            <a:rPr lang="en-US" sz="4000" b="0" i="1" smtClean="0">
-                              <a:latin typeface="Cambria Math" panose="02040503050406030204" pitchFamily="18" charset="0"/>
-                              <a:ea typeface="Cambria Math" panose="02040503050406030204" pitchFamily="18" charset="0"/>
-                            </a:rPr>
-                            <m:t>𝑧</m:t>
-                          </m:r>
-                        </m:e>
-                        <m:sub>
-                          <m:r>
-                            <a:rPr lang="en-US" sz="4000" b="0" i="1" smtClean="0">
-                              <a:latin typeface="Cambria Math" panose="02040503050406030204" pitchFamily="18" charset="0"/>
-                              <a:ea typeface="Cambria Math" panose="02040503050406030204" pitchFamily="18" charset="0"/>
-                            </a:rPr>
-                            <m:t>𝑖</m:t>
-                          </m:r>
-                        </m:sub>
-                      </m:sSub>
-                      <m:r>
-                        <a:rPr lang="en-US" sz="4000" b="0" i="1" smtClean="0">
-                          <a:latin typeface="Cambria Math" panose="02040503050406030204" pitchFamily="18" charset="0"/>
-                          <a:ea typeface="Cambria Math" panose="02040503050406030204" pitchFamily="18" charset="0"/>
-                        </a:rPr>
-                        <m:t>~</m:t>
-                      </m:r>
-                      <m:r>
-                        <a:rPr lang="en-US" sz="4000" b="0" i="1" smtClean="0">
-                          <a:latin typeface="Cambria Math" panose="02040503050406030204" pitchFamily="18" charset="0"/>
-                          <a:ea typeface="Cambria Math" panose="02040503050406030204" pitchFamily="18" charset="0"/>
-                        </a:rPr>
-                        <m:t>𝐵𝑒𝑟𝑛𝑜𝑢𝑙𝑙𝑖</m:t>
-                      </m:r>
-                      <m:r>
-                        <a:rPr lang="en-US" sz="4000" b="0" i="1" smtClean="0">
-                          <a:latin typeface="Cambria Math" panose="02040503050406030204" pitchFamily="18" charset="0"/>
-                          <a:ea typeface="Cambria Math" panose="02040503050406030204" pitchFamily="18" charset="0"/>
-                        </a:rPr>
-                        <m:t>(</m:t>
-                      </m:r>
-                      <m:sSub>
-                        <m:sSubPr>
-                          <m:ctrlPr>
-                            <a:rPr lang="en-US" sz="4000" i="1">
-                              <a:latin typeface="Cambria Math" panose="02040503050406030204" pitchFamily="18" charset="0"/>
-                              <a:ea typeface="Cambria Math" panose="02040503050406030204" pitchFamily="18" charset="0"/>
-                            </a:rPr>
-                          </m:ctrlPr>
-                        </m:sSubPr>
-                        <m:e>
-                          <m:r>
-                            <a:rPr lang="en-US" sz="4000" b="0" i="1" smtClean="0">
-                              <a:latin typeface="Cambria Math" panose="02040503050406030204" pitchFamily="18" charset="0"/>
-                              <a:ea typeface="Cambria Math" panose="02040503050406030204" pitchFamily="18" charset="0"/>
-                            </a:rPr>
-                            <m:t>𝑧</m:t>
-                          </m:r>
-                        </m:e>
-                        <m:sub>
-                          <m:r>
-                            <a:rPr lang="en-US" sz="4000" i="1">
-                              <a:latin typeface="Cambria Math" panose="02040503050406030204" pitchFamily="18" charset="0"/>
-                              <a:ea typeface="Cambria Math" panose="02040503050406030204" pitchFamily="18" charset="0"/>
-                            </a:rPr>
-                            <m:t>𝑖</m:t>
-                          </m:r>
-                        </m:sub>
-                      </m:sSub>
-                      <m:sSub>
-                        <m:sSubPr>
-                          <m:ctrlPr>
-                            <a:rPr lang="en-US" sz="4000" i="1">
-                              <a:latin typeface="Cambria Math" panose="02040503050406030204" pitchFamily="18" charset="0"/>
-                              <a:ea typeface="Cambria Math" panose="02040503050406030204" pitchFamily="18" charset="0"/>
-                            </a:rPr>
-                          </m:ctrlPr>
-                        </m:sSubPr>
-                        <m:e>
-                          <m:r>
-                            <a:rPr lang="en-US" sz="4000" b="0" i="1" smtClean="0">
-                              <a:latin typeface="Cambria Math" panose="02040503050406030204" pitchFamily="18" charset="0"/>
-                              <a:ea typeface="Cambria Math" panose="02040503050406030204" pitchFamily="18" charset="0"/>
-                            </a:rPr>
-                            <m:t>𝑝</m:t>
-                          </m:r>
-                        </m:e>
-                        <m:sub>
-                          <m:r>
-                            <a:rPr lang="en-US" sz="4000" b="0" i="1" smtClean="0">
-                              <a:latin typeface="Cambria Math" panose="02040503050406030204" pitchFamily="18" charset="0"/>
-                              <a:ea typeface="Cambria Math" panose="02040503050406030204" pitchFamily="18" charset="0"/>
-                            </a:rPr>
-                            <m:t>𝑖𝑗</m:t>
-                          </m:r>
-                        </m:sub>
-                      </m:sSub>
-                      <m:r>
-                        <a:rPr lang="en-US" sz="4000" b="0" i="1" smtClean="0">
-                          <a:latin typeface="Cambria Math" panose="02040503050406030204" pitchFamily="18" charset="0"/>
-                          <a:ea typeface="Cambria Math" panose="02040503050406030204" pitchFamily="18" charset="0"/>
-                        </a:rPr>
-                        <m:t>)</m:t>
-                      </m:r>
-                    </m:oMath>
-                  </m:oMathPara>
-                </a14:m>
-                <a:endParaRPr lang="en-US" sz="4000" b="0" dirty="0">
-                  <a:latin typeface="Helvetica" pitchFamily="2" charset="0"/>
-                  <a:ea typeface="Cambria Math" panose="02040503050406030204" pitchFamily="18" charset="0"/>
-                </a:endParaRPr>
-              </a:p>
-              <a:p>
-                <a:pPr algn="just"/>
-                <a14:m>
-                  <m:oMathPara xmlns:m="http://schemas.openxmlformats.org/officeDocument/2006/math">
-                    <m:oMathParaPr>
-                      <m:jc m:val="centerGroup"/>
-                    </m:oMathParaPr>
-                    <m:oMath xmlns:m="http://schemas.openxmlformats.org/officeDocument/2006/math">
-                      <m:sSub>
-                        <m:sSubPr>
-                          <m:ctrlPr>
-                            <a:rPr lang="en-US" sz="4000" i="1">
-                              <a:latin typeface="Cambria Math" panose="02040503050406030204" pitchFamily="18" charset="0"/>
-                              <a:ea typeface="Cambria Math" panose="02040503050406030204" pitchFamily="18" charset="0"/>
-                            </a:rPr>
-                          </m:ctrlPr>
-                        </m:sSubPr>
-                        <m:e>
-                          <m:r>
-                            <a:rPr lang="en-US" sz="4000" b="0" i="1" smtClean="0">
-                              <a:latin typeface="Cambria Math" panose="02040503050406030204" pitchFamily="18" charset="0"/>
-                              <a:ea typeface="Cambria Math" panose="02040503050406030204" pitchFamily="18" charset="0"/>
-                            </a:rPr>
-                            <m:t>𝑦</m:t>
-                          </m:r>
-                        </m:e>
-                        <m:sub>
-                          <m:r>
-                            <a:rPr lang="en-US" sz="4000" i="1">
-                              <a:latin typeface="Cambria Math" panose="02040503050406030204" pitchFamily="18" charset="0"/>
-                              <a:ea typeface="Cambria Math" panose="02040503050406030204" pitchFamily="18" charset="0"/>
-                            </a:rPr>
-                            <m:t>𝑖</m:t>
-                          </m:r>
-                        </m:sub>
-                      </m:sSub>
-                      <m:r>
-                        <a:rPr lang="en-US" sz="4000" i="1">
-                          <a:latin typeface="Cambria Math" panose="02040503050406030204" pitchFamily="18" charset="0"/>
-                          <a:ea typeface="Cambria Math" panose="02040503050406030204" pitchFamily="18" charset="0"/>
-                        </a:rPr>
-                        <m:t>=</m:t>
-                      </m:r>
-                      <m:r>
-                        <m:rPr>
-                          <m:nor/>
-                        </m:rPr>
-                        <a:rPr lang="en-US" sz="4000" b="0" i="0" smtClean="0">
-                          <a:latin typeface="Cambria Math" panose="02040503050406030204" pitchFamily="18" charset="0"/>
-                          <a:ea typeface="Cambria Math" panose="02040503050406030204" pitchFamily="18" charset="0"/>
-                        </a:rPr>
-                        <m:t>detection</m:t>
-                      </m:r>
-                      <m:r>
-                        <m:rPr>
-                          <m:nor/>
-                        </m:rPr>
-                        <a:rPr lang="en-US" sz="4000">
-                          <a:latin typeface="Cambria Math" panose="02040503050406030204" pitchFamily="18" charset="0"/>
-                          <a:ea typeface="Cambria Math" panose="02040503050406030204" pitchFamily="18" charset="0"/>
-                        </a:rPr>
-                        <m:t> </m:t>
-                      </m:r>
-                      <m:r>
-                        <m:rPr>
-                          <m:nor/>
-                        </m:rPr>
-                        <a:rPr lang="en-US" sz="4000">
-                          <a:latin typeface="Cambria Math" panose="02040503050406030204" pitchFamily="18" charset="0"/>
-                          <a:ea typeface="Cambria Math" panose="02040503050406030204" pitchFamily="18" charset="0"/>
-                        </a:rPr>
-                        <m:t>at</m:t>
-                      </m:r>
-                      <m:r>
-                        <m:rPr>
-                          <m:nor/>
-                        </m:rPr>
-                        <a:rPr lang="en-US" sz="4000">
-                          <a:latin typeface="Cambria Math" panose="02040503050406030204" pitchFamily="18" charset="0"/>
-                          <a:ea typeface="Cambria Math" panose="02040503050406030204" pitchFamily="18" charset="0"/>
-                        </a:rPr>
-                        <m:t> </m:t>
-                      </m:r>
-                      <m:r>
-                        <m:rPr>
-                          <m:nor/>
-                        </m:rPr>
-                        <a:rPr lang="en-US" sz="4000">
-                          <a:latin typeface="Cambria Math" panose="02040503050406030204" pitchFamily="18" charset="0"/>
-                          <a:ea typeface="Cambria Math" panose="02040503050406030204" pitchFamily="18" charset="0"/>
-                        </a:rPr>
-                        <m:t>site</m:t>
-                      </m:r>
-                      <m:r>
-                        <m:rPr>
-                          <m:nor/>
-                        </m:rPr>
-                        <a:rPr lang="en-US" sz="4000">
-                          <a:latin typeface="Cambria Math" panose="02040503050406030204" pitchFamily="18" charset="0"/>
-                          <a:ea typeface="Cambria Math" panose="02040503050406030204" pitchFamily="18" charset="0"/>
-                        </a:rPr>
-                        <m:t> </m:t>
-                      </m:r>
-                      <m:r>
-                        <a:rPr lang="en-US" sz="4000" i="1">
-                          <a:latin typeface="Cambria Math" panose="02040503050406030204" pitchFamily="18" charset="0"/>
-                          <a:ea typeface="Cambria Math" panose="02040503050406030204" pitchFamily="18" charset="0"/>
-                        </a:rPr>
-                        <m:t>𝑖</m:t>
-                      </m:r>
-                    </m:oMath>
-                  </m:oMathPara>
-                </a14:m>
-                <a:endParaRPr lang="en-US" sz="4000" dirty="0">
-                  <a:latin typeface="Helvetica" pitchFamily="2" charset="0"/>
-                </a:endParaRPr>
-              </a:p>
-            </p:txBody>
-          </p:sp>
-        </mc:Choice>
-        <mc:Fallback xmlns="">
-          <p:sp>
-            <p:nvSpPr>
-              <p:cNvPr id="10" name="TextBox 9">
-                <a:extLst>
-                  <a:ext uri="{FF2B5EF4-FFF2-40B4-BE49-F238E27FC236}">
-                    <a16:creationId xmlns:a16="http://schemas.microsoft.com/office/drawing/2014/main" id="{AB71FB48-D22D-2049-A0F7-9ACC76664400}"/>
-                  </a:ext>
-                </a:extLst>
-              </p:cNvPr>
-              <p:cNvSpPr txBox="1">
-                <a:spLocks noRot="1" noChangeAspect="1" noMove="1" noResize="1" noEditPoints="1" noAdjustHandles="1" noChangeArrowheads="1" noChangeShapeType="1" noTextEdit="1"/>
-              </p:cNvSpPr>
-              <p:nvPr/>
-            </p:nvSpPr>
-            <p:spPr>
-              <a:xfrm>
-                <a:off x="6206490" y="3642359"/>
-                <a:ext cx="5985510" cy="1988558"/>
-              </a:xfrm>
-              <a:prstGeom prst="rect">
-                <a:avLst/>
-              </a:prstGeom>
-              <a:blipFill>
-                <a:blip r:embed="rId9"/>
-                <a:stretch>
-                  <a:fillRect l="-3602" t="-5096" b="-8280"/>
-                </a:stretch>
-              </a:blipFill>
-            </p:spPr>
-            <p:txBody>
-              <a:bodyPr/>
-              <a:lstStyle/>
-              <a:p>
-                <a:r>
-                  <a:rPr lang="en-US">
-                    <a:noFill/>
-                  </a:rPr>
-                  <a:t> </a:t>
-                </a:r>
-              </a:p>
-            </p:txBody>
-          </p:sp>
-        </mc:Fallback>
-      </mc:AlternateContent>
-      <p:sp>
-        <p:nvSpPr>
-          <p:cNvPr id="18" name="Rectangle 17">
+        <p:txBody>
+          <a:bodyPr wrap="none" rtlCol="0">
+            <a:spAutoFit/>
+          </a:bodyPr>
+          <a:lstStyle/>
+          <a:p>
+            <a:r>
+              <a:rPr lang="en-US" sz="3200" b="1" dirty="0">
+                <a:solidFill>
+                  <a:srgbClr val="00B0F0"/>
+                </a:solidFill>
+                <a:latin typeface="Courier New" panose="02070309020205020404" pitchFamily="49" charset="0"/>
+                <a:cs typeface="Courier New" panose="02070309020205020404" pitchFamily="49" charset="0"/>
+              </a:rPr>
+              <a:t>0 0 0 0 0 0 0</a:t>
+            </a:r>
+          </a:p>
+        </p:txBody>
+      </p:sp>
+      <p:sp>
+        <p:nvSpPr>
+          <p:cNvPr id="14" name="TextBox 13">
             <a:extLst>
               <a:ext uri="{FF2B5EF4-FFF2-40B4-BE49-F238E27FC236}">
-                <a16:creationId xmlns:a16="http://schemas.microsoft.com/office/drawing/2014/main" id="{3571F759-AF08-394E-A6F8-B69301BE59CF}"/>
+                <a16:creationId xmlns:a16="http://schemas.microsoft.com/office/drawing/2014/main" id="{8CCE4686-8882-A645-B193-A91E442739C2}"/>
               </a:ext>
             </a:extLst>
           </p:cNvPr>
-          <p:cNvSpPr/>
+          <p:cNvSpPr txBox="1"/>
           <p:nvPr/>
         </p:nvSpPr>
         <p:spPr>
           <a:xfrm>
-            <a:off x="7346467" y="2487789"/>
-            <a:ext cx="3943708" cy="553998"/>
+            <a:off x="7657805" y="2405416"/>
+            <a:ext cx="3627353" cy="3046988"/>
           </a:xfrm>
           <a:prstGeom prst="rect">
             <a:avLst/>
           </a:prstGeom>
+          <a:noFill/>
         </p:spPr>
         <p:txBody>
-          <a:bodyPr wrap="none">
+          <a:bodyPr wrap="square" rtlCol="0">
             <a:spAutoFit/>
           </a:bodyPr>
           <a:lstStyle/>
           <a:p>
-            <a:pPr algn="just"/>
-            <a:r>
-              <a:rPr lang="en-US" sz="3000" dirty="0">
+            <a:r>
+              <a:rPr lang="en-US" sz="3200" b="1" dirty="0">
                 <a:solidFill>
                   <a:schemeClr val="accent6"/>
                 </a:solidFill>
-                <a:latin typeface="Helvetica" pitchFamily="2" charset="0"/>
+                <a:latin typeface="Courier New" panose="02070309020205020404" pitchFamily="49" charset="0"/>
+                <a:cs typeface="Courier New" panose="02070309020205020404" pitchFamily="49" charset="0"/>
               </a:rPr>
-              <a:t>what we want to know</a:t>
-            </a:r>
-          </a:p>
-        </p:txBody>
-      </p:sp>
-      <p:sp>
-        <p:nvSpPr>
-          <p:cNvPr id="25" name="Right Arrow 24">
+              <a:t>0 0 1 0 0 0 0</a:t>
+            </a:r>
+          </a:p>
+          <a:p>
+            <a:r>
+              <a:rPr lang="en-US" sz="3200" b="1" dirty="0">
+                <a:solidFill>
+                  <a:schemeClr val="accent6"/>
+                </a:solidFill>
+                <a:latin typeface="Courier New" panose="02070309020205020404" pitchFamily="49" charset="0"/>
+                <a:cs typeface="Courier New" panose="02070309020205020404" pitchFamily="49" charset="0"/>
+              </a:rPr>
+              <a:t>1 0 0 0 0 0 1</a:t>
+            </a:r>
+          </a:p>
+          <a:p>
+            <a:r>
+              <a:rPr lang="en-US" sz="3200" b="1" dirty="0">
+                <a:solidFill>
+                  <a:schemeClr val="accent6"/>
+                </a:solidFill>
+                <a:latin typeface="Courier New" panose="02070309020205020404" pitchFamily="49" charset="0"/>
+                <a:cs typeface="Courier New" panose="02070309020205020404" pitchFamily="49" charset="0"/>
+              </a:rPr>
+              <a:t>0 0 0 0 1 0 0</a:t>
+            </a:r>
+          </a:p>
+          <a:p>
+            <a:r>
+              <a:rPr lang="en-US" sz="3200" b="1" dirty="0">
+                <a:solidFill>
+                  <a:schemeClr val="accent6"/>
+                </a:solidFill>
+                <a:latin typeface="Courier New" panose="02070309020205020404" pitchFamily="49" charset="0"/>
+                <a:cs typeface="Courier New" panose="02070309020205020404" pitchFamily="49" charset="0"/>
+              </a:rPr>
+              <a:t>0 0 0 1 0 0 0 </a:t>
+            </a:r>
+          </a:p>
+          <a:p>
+            <a:r>
+              <a:rPr lang="en-US" sz="3200" b="1" dirty="0">
+                <a:solidFill>
+                  <a:schemeClr val="accent6"/>
+                </a:solidFill>
+                <a:latin typeface="Courier New" panose="02070309020205020404" pitchFamily="49" charset="0"/>
+                <a:cs typeface="Courier New" panose="02070309020205020404" pitchFamily="49" charset="0"/>
+              </a:rPr>
+              <a:t>0 0 0 0 0 0 1</a:t>
+            </a:r>
+          </a:p>
+          <a:p>
+            <a:r>
+              <a:rPr lang="en-US" sz="3200" b="1" dirty="0">
+                <a:solidFill>
+                  <a:schemeClr val="accent6"/>
+                </a:solidFill>
+                <a:latin typeface="Courier New" panose="02070309020205020404" pitchFamily="49" charset="0"/>
+                <a:cs typeface="Courier New" panose="02070309020205020404" pitchFamily="49" charset="0"/>
+              </a:rPr>
+              <a:t>0 0 0 1 0 0 0</a:t>
+            </a:r>
+          </a:p>
+        </p:txBody>
+      </p:sp>
+      <p:sp>
+        <p:nvSpPr>
+          <p:cNvPr id="15" name="TextBox 14">
             <a:extLst>
               <a:ext uri="{FF2B5EF4-FFF2-40B4-BE49-F238E27FC236}">
-                <a16:creationId xmlns:a16="http://schemas.microsoft.com/office/drawing/2014/main" id="{11982441-F412-9648-86C4-FD0384AAD0A5}"/>
+                <a16:creationId xmlns:a16="http://schemas.microsoft.com/office/drawing/2014/main" id="{2BECFC1C-1230-2644-BEE9-1B6F3C0A1439}"/>
               </a:ext>
             </a:extLst>
           </p:cNvPr>
-          <p:cNvSpPr/>
+          <p:cNvSpPr txBox="1"/>
           <p:nvPr/>
         </p:nvSpPr>
         <p:spPr>
           <a:xfrm>
-            <a:off x="6580559" y="2651976"/>
-            <a:ext cx="765908" cy="226646"/>
-          </a:xfrm>
-          <a:prstGeom prst="rightArrow">
-            <a:avLst/>
-          </a:prstGeom>
-          <a:solidFill>
-            <a:schemeClr val="accent6"/>
-          </a:solidFill>
-          <a:ln>
-            <a:noFill/>
-          </a:ln>
-        </p:spPr>
-        <p:style>
-          <a:lnRef idx="0">
-            <a:scrgbClr r="0" g="0" b="0"/>
-          </a:lnRef>
-          <a:fillRef idx="0">
-            <a:scrgbClr r="0" g="0" b="0"/>
-          </a:fillRef>
-          <a:effectRef idx="0">
-            <a:scrgbClr r="0" g="0" b="0"/>
-          </a:effectRef>
-          <a:fontRef idx="minor">
-            <a:schemeClr val="lt1"/>
-          </a:fontRef>
-        </p:style>
-        <p:txBody>
-          <a:bodyPr rtlCol="0" anchor="ctr"/>
-          <a:lstStyle/>
-          <a:p>
-            <a:pPr algn="ctr"/>
-            <a:endParaRPr lang="en-US"/>
-          </a:p>
-        </p:txBody>
-      </p:sp>
-      <p:sp>
-        <p:nvSpPr>
-          <p:cNvPr id="26" name="Rectangle 25">
-            <a:extLst>
-              <a:ext uri="{FF2B5EF4-FFF2-40B4-BE49-F238E27FC236}">
-                <a16:creationId xmlns:a16="http://schemas.microsoft.com/office/drawing/2014/main" id="{2579D58D-6DAE-BA48-BED5-0516B3283CC2}"/>
-              </a:ext>
-            </a:extLst>
-          </p:cNvPr>
-          <p:cNvSpPr/>
-          <p:nvPr/>
-        </p:nvSpPr>
-        <p:spPr>
-          <a:xfrm>
-            <a:off x="7296793" y="5583297"/>
-            <a:ext cx="4604146" cy="553998"/>
+            <a:off x="7657805" y="5547660"/>
+            <a:ext cx="3393878" cy="584775"/>
           </a:xfrm>
           <a:prstGeom prst="rect">
             <a:avLst/>
           </a:prstGeom>
+          <a:noFill/>
         </p:spPr>
         <p:txBody>
-          <a:bodyPr wrap="none">
+          <a:bodyPr wrap="none" rtlCol="0">
             <a:spAutoFit/>
           </a:bodyPr>
           <a:lstStyle/>
           <a:p>
-            <a:pPr algn="just"/>
-            <a:r>
-              <a:rPr lang="en-US" sz="3000" dirty="0">
+            <a:r>
+              <a:rPr lang="en-US" sz="3200" b="1" dirty="0">
+                <a:solidFill>
+                  <a:srgbClr val="00B0F0"/>
+                </a:solidFill>
+                <a:latin typeface="Courier New" panose="02070309020205020404" pitchFamily="49" charset="0"/>
+                <a:cs typeface="Courier New" panose="02070309020205020404" pitchFamily="49" charset="0"/>
+              </a:rPr>
+              <a:t>0 0 0 0 0 0 0</a:t>
+            </a:r>
+          </a:p>
+        </p:txBody>
+      </p:sp>
+      <p:sp>
+        <p:nvSpPr>
+          <p:cNvPr id="16" name="TextBox 15">
+            <a:extLst>
+              <a:ext uri="{FF2B5EF4-FFF2-40B4-BE49-F238E27FC236}">
+                <a16:creationId xmlns:a16="http://schemas.microsoft.com/office/drawing/2014/main" id="{7E5C1C06-6B18-F94F-AC02-9BA77E3995A0}"/>
+              </a:ext>
+            </a:extLst>
+          </p:cNvPr>
+          <p:cNvSpPr txBox="1"/>
+          <p:nvPr/>
+        </p:nvSpPr>
+        <p:spPr>
+          <a:xfrm>
+            <a:off x="604986" y="5544854"/>
+            <a:ext cx="3627353" cy="584775"/>
+          </a:xfrm>
+          <a:prstGeom prst="rect">
+            <a:avLst/>
+          </a:prstGeom>
+          <a:noFill/>
+        </p:spPr>
+        <p:txBody>
+          <a:bodyPr wrap="square" rtlCol="0">
+            <a:spAutoFit/>
+          </a:bodyPr>
+          <a:lstStyle/>
+          <a:p>
+            <a:r>
+              <a:rPr lang="en-US" sz="3200" b="1" dirty="0">
+                <a:solidFill>
+                  <a:srgbClr val="00B0F0"/>
+                </a:solidFill>
+                <a:latin typeface="Courier New" panose="02070309020205020404" pitchFamily="49" charset="0"/>
+                <a:cs typeface="Courier New" panose="02070309020205020404" pitchFamily="49" charset="0"/>
+              </a:rPr>
+              <a:t>Site 7</a:t>
+            </a:r>
+          </a:p>
+        </p:txBody>
+      </p:sp>
+      <p:sp>
+        <p:nvSpPr>
+          <p:cNvPr id="17" name="TextBox 16">
+            <a:extLst>
+              <a:ext uri="{FF2B5EF4-FFF2-40B4-BE49-F238E27FC236}">
+                <a16:creationId xmlns:a16="http://schemas.microsoft.com/office/drawing/2014/main" id="{EECBD428-FD97-FD45-B17A-85581CB233A3}"/>
+              </a:ext>
+            </a:extLst>
+          </p:cNvPr>
+          <p:cNvSpPr txBox="1"/>
+          <p:nvPr/>
+        </p:nvSpPr>
+        <p:spPr>
+          <a:xfrm>
+            <a:off x="604986" y="2406913"/>
+            <a:ext cx="1908414" cy="3046988"/>
+          </a:xfrm>
+          <a:prstGeom prst="rect">
+            <a:avLst/>
+          </a:prstGeom>
+          <a:noFill/>
+        </p:spPr>
+        <p:txBody>
+          <a:bodyPr wrap="square" rtlCol="0">
+            <a:spAutoFit/>
+          </a:bodyPr>
+          <a:lstStyle/>
+          <a:p>
+            <a:r>
+              <a:rPr lang="en-US" sz="3200" b="1" dirty="0">
                 <a:solidFill>
                   <a:schemeClr val="accent6"/>
                 </a:solidFill>
-                <a:latin typeface="Helvetica" pitchFamily="2" charset="0"/>
+                <a:latin typeface="Courier New" panose="02070309020205020404" pitchFamily="49" charset="0"/>
+                <a:cs typeface="Courier New" panose="02070309020205020404" pitchFamily="49" charset="0"/>
               </a:rPr>
-              <a:t>what we actually measure</a:t>
-            </a:r>
-          </a:p>
-        </p:txBody>
-      </p:sp>
-      <p:sp>
-        <p:nvSpPr>
-          <p:cNvPr id="27" name="Right Arrow 26">
+              <a:t>Site 1</a:t>
+            </a:r>
+          </a:p>
+          <a:p>
+            <a:r>
+              <a:rPr lang="en-US" sz="3200" b="1" dirty="0">
+                <a:solidFill>
+                  <a:schemeClr val="accent6"/>
+                </a:solidFill>
+                <a:latin typeface="Courier New" panose="02070309020205020404" pitchFamily="49" charset="0"/>
+                <a:cs typeface="Courier New" panose="02070309020205020404" pitchFamily="49" charset="0"/>
+              </a:rPr>
+              <a:t>Site 2</a:t>
+            </a:r>
+          </a:p>
+          <a:p>
+            <a:r>
+              <a:rPr lang="en-US" sz="3200" b="1" dirty="0">
+                <a:solidFill>
+                  <a:schemeClr val="accent6"/>
+                </a:solidFill>
+                <a:latin typeface="Courier New" panose="02070309020205020404" pitchFamily="49" charset="0"/>
+                <a:cs typeface="Courier New" panose="02070309020205020404" pitchFamily="49" charset="0"/>
+              </a:rPr>
+              <a:t>Site 3</a:t>
+            </a:r>
+          </a:p>
+          <a:p>
+            <a:r>
+              <a:rPr lang="en-US" sz="3200" b="1" dirty="0">
+                <a:solidFill>
+                  <a:schemeClr val="accent6"/>
+                </a:solidFill>
+                <a:latin typeface="Courier New" panose="02070309020205020404" pitchFamily="49" charset="0"/>
+                <a:cs typeface="Courier New" panose="02070309020205020404" pitchFamily="49" charset="0"/>
+              </a:rPr>
+              <a:t>Site 4</a:t>
+            </a:r>
+          </a:p>
+          <a:p>
+            <a:r>
+              <a:rPr lang="en-US" sz="3200" b="1" dirty="0">
+                <a:solidFill>
+                  <a:schemeClr val="accent6"/>
+                </a:solidFill>
+                <a:latin typeface="Courier New" panose="02070309020205020404" pitchFamily="49" charset="0"/>
+                <a:cs typeface="Courier New" panose="02070309020205020404" pitchFamily="49" charset="0"/>
+              </a:rPr>
+              <a:t>Site 5</a:t>
+            </a:r>
+          </a:p>
+          <a:p>
+            <a:r>
+              <a:rPr lang="en-US" sz="3200" b="1" dirty="0">
+                <a:solidFill>
+                  <a:schemeClr val="accent6"/>
+                </a:solidFill>
+                <a:latin typeface="Courier New" panose="02070309020205020404" pitchFamily="49" charset="0"/>
+                <a:cs typeface="Courier New" panose="02070309020205020404" pitchFamily="49" charset="0"/>
+              </a:rPr>
+              <a:t>Site 6</a:t>
+            </a:r>
+          </a:p>
+        </p:txBody>
+      </p:sp>
+      <p:sp>
+        <p:nvSpPr>
+          <p:cNvPr id="18" name="TextBox 17">
             <a:extLst>
               <a:ext uri="{FF2B5EF4-FFF2-40B4-BE49-F238E27FC236}">
-                <a16:creationId xmlns:a16="http://schemas.microsoft.com/office/drawing/2014/main" id="{C6E9E855-E910-EF46-8E0E-558C102E90FC}"/>
+                <a16:creationId xmlns:a16="http://schemas.microsoft.com/office/drawing/2014/main" id="{41921376-09F6-944A-ABD4-EB0722103170}"/>
               </a:ext>
             </a:extLst>
           </p:cNvPr>
-          <p:cNvSpPr/>
+          <p:cNvSpPr txBox="1"/>
           <p:nvPr/>
         </p:nvSpPr>
         <p:spPr>
           <a:xfrm>
-            <a:off x="6580559" y="5770783"/>
-            <a:ext cx="765908" cy="226646"/>
+            <a:off x="2996360" y="1746818"/>
+            <a:ext cx="3627353" cy="400110"/>
           </a:xfrm>
-          <a:prstGeom prst="rightArrow">
+          <a:prstGeom prst="rect">
             <a:avLst/>
           </a:prstGeom>
-          <a:solidFill>
-            <a:schemeClr val="accent6"/>
-          </a:solidFill>
-          <a:ln>
-            <a:noFill/>
-          </a:ln>
+          <a:noFill/>
         </p:spPr>
-        <p:style>
-          <a:lnRef idx="0">
-            <a:scrgbClr r="0" g="0" b="0"/>
-          </a:lnRef>
-          <a:fillRef idx="0">
-            <a:scrgbClr r="0" g="0" b="0"/>
-          </a:fillRef>
-          <a:effectRef idx="0">
-            <a:scrgbClr r="0" g="0" b="0"/>
-          </a:effectRef>
-          <a:fontRef idx="minor">
-            <a:schemeClr val="lt1"/>
-          </a:fontRef>
-        </p:style>
-        <p:txBody>
-          <a:bodyPr rtlCol="0" anchor="ctr"/>
+        <p:txBody>
+          <a:bodyPr wrap="square" rtlCol="0">
+            <a:spAutoFit/>
+          </a:bodyPr>
           <a:lstStyle/>
           <a:p>
-            <a:pPr algn="ctr"/>
-            <a:endParaRPr lang="en-US"/>
+            <a:r>
+              <a:rPr lang="en-US" sz="2000" b="1" dirty="0">
+                <a:solidFill>
+                  <a:schemeClr val="accent6"/>
+                </a:solidFill>
+                <a:latin typeface="Courier New" panose="02070309020205020404" pitchFamily="49" charset="0"/>
+                <a:cs typeface="Courier New" panose="02070309020205020404" pitchFamily="49" charset="0"/>
+              </a:rPr>
+              <a:t>Sampling occasion</a:t>
+            </a:r>
+          </a:p>
+        </p:txBody>
+      </p:sp>
+      <p:sp>
+        <p:nvSpPr>
+          <p:cNvPr id="19" name="TextBox 18">
+            <a:extLst>
+              <a:ext uri="{FF2B5EF4-FFF2-40B4-BE49-F238E27FC236}">
+                <a16:creationId xmlns:a16="http://schemas.microsoft.com/office/drawing/2014/main" id="{1EB16E60-072B-5D40-ADE3-40954051C9EF}"/>
+              </a:ext>
+            </a:extLst>
+          </p:cNvPr>
+          <p:cNvSpPr txBox="1"/>
+          <p:nvPr/>
+        </p:nvSpPr>
+        <p:spPr>
+          <a:xfrm>
+            <a:off x="7802647" y="1817135"/>
+            <a:ext cx="3627353" cy="400110"/>
+          </a:xfrm>
+          <a:prstGeom prst="rect">
+            <a:avLst/>
+          </a:prstGeom>
+          <a:noFill/>
+        </p:spPr>
+        <p:txBody>
+          <a:bodyPr wrap="square" rtlCol="0">
+            <a:spAutoFit/>
+          </a:bodyPr>
+          <a:lstStyle/>
+          <a:p>
+            <a:r>
+              <a:rPr lang="en-US" sz="2000" b="1" dirty="0">
+                <a:solidFill>
+                  <a:schemeClr val="accent6"/>
+                </a:solidFill>
+                <a:latin typeface="Courier New" panose="02070309020205020404" pitchFamily="49" charset="0"/>
+                <a:cs typeface="Courier New" panose="02070309020205020404" pitchFamily="49" charset="0"/>
+              </a:rPr>
+              <a:t>Sampling occasion</a:t>
+            </a:r>
           </a:p>
         </p:txBody>
       </p:sp>
     </p:spTree>
     <p:extLst>
       <p:ext uri="{BB962C8B-B14F-4D97-AF65-F5344CB8AC3E}">
-        <p14:creationId xmlns:p14="http://schemas.microsoft.com/office/powerpoint/2010/main" val="2075136203"/>
+        <p14:creationId xmlns:p14="http://schemas.microsoft.com/office/powerpoint/2010/main" val="3365076687"/>
       </p:ext>
     </p:extLst>
   </p:cSld>
   <p:clrMapOvr>
     <a:masterClrMapping/>
   </p:clrMapOvr>
+  <p:timing>
+    <p:tnLst>
+      <p:par>
+        <p:cTn id="1" dur="indefinite" restart="never" nodeType="tmRoot">
+          <p:childTnLst>
+            <p:seq concurrent="1" nextAc="seek">
+              <p:cTn id="2" dur="indefinite" nodeType="mainSeq">
+                <p:childTnLst>
+                  <p:par>
+                    <p:cTn id="3" fill="hold">
+                      <p:stCondLst>
+                        <p:cond delay="indefinite"/>
+                      </p:stCondLst>
+                      <p:childTnLst>
+                        <p:par>
+                          <p:cTn id="4" fill="hold">
+                            <p:stCondLst>
+                              <p:cond delay="0"/>
+                            </p:stCondLst>
+                            <p:childTnLst>
+                              <p:par>
+                                <p:cTn id="5" presetID="1" presetClass="entr" presetSubtype="0" fill="hold" grpId="0" nodeType="clickEffect">
+                                  <p:stCondLst>
+                                    <p:cond delay="0"/>
+                                  </p:stCondLst>
+                                  <p:childTnLst>
+                                    <p:set>
+                                      <p:cBhvr>
+                                        <p:cTn id="6" dur="1" fill="hold">
+                                          <p:stCondLst>
+                                            <p:cond delay="0"/>
+                                          </p:stCondLst>
+                                        </p:cTn>
+                                        <p:tgtEl>
+                                          <p:spTgt spid="12"/>
+                                        </p:tgtEl>
+                                        <p:attrNameLst>
+                                          <p:attrName>style.visibility</p:attrName>
+                                        </p:attrNameLst>
+                                      </p:cBhvr>
+                                      <p:to>
+                                        <p:strVal val="visible"/>
+                                      </p:to>
+                                    </p:set>
+                                  </p:childTnLst>
+                                </p:cTn>
+                              </p:par>
+                              <p:par>
+                                <p:cTn id="7" presetID="1" presetClass="entr" presetSubtype="0" fill="hold" grpId="0" nodeType="withEffect">
+                                  <p:stCondLst>
+                                    <p:cond delay="0"/>
+                                  </p:stCondLst>
+                                  <p:childTnLst>
+                                    <p:set>
+                                      <p:cBhvr>
+                                        <p:cTn id="8" dur="1" fill="hold">
+                                          <p:stCondLst>
+                                            <p:cond delay="0"/>
+                                          </p:stCondLst>
+                                        </p:cTn>
+                                        <p:tgtEl>
+                                          <p:spTgt spid="17"/>
+                                        </p:tgtEl>
+                                        <p:attrNameLst>
+                                          <p:attrName>style.visibility</p:attrName>
+                                        </p:attrNameLst>
+                                      </p:cBhvr>
+                                      <p:to>
+                                        <p:strVal val="visible"/>
+                                      </p:to>
+                                    </p:set>
+                                  </p:childTnLst>
+                                </p:cTn>
+                              </p:par>
+                              <p:par>
+                                <p:cTn id="9" presetID="1" presetClass="entr" presetSubtype="0" fill="hold" grpId="0" nodeType="withEffect">
+                                  <p:stCondLst>
+                                    <p:cond delay="0"/>
+                                  </p:stCondLst>
+                                  <p:childTnLst>
+                                    <p:set>
+                                      <p:cBhvr>
+                                        <p:cTn id="10" dur="1" fill="hold">
+                                          <p:stCondLst>
+                                            <p:cond delay="0"/>
+                                          </p:stCondLst>
+                                        </p:cTn>
+                                        <p:tgtEl>
+                                          <p:spTgt spid="18"/>
+                                        </p:tgtEl>
+                                        <p:attrNameLst>
+                                          <p:attrName>style.visibility</p:attrName>
+                                        </p:attrNameLst>
+                                      </p:cBhvr>
+                                      <p:to>
+                                        <p:strVal val="visible"/>
+                                      </p:to>
+                                    </p:set>
+                                  </p:childTnLst>
+                                </p:cTn>
+                              </p:par>
+                            </p:childTnLst>
+                          </p:cTn>
+                        </p:par>
+                      </p:childTnLst>
+                    </p:cTn>
+                  </p:par>
+                  <p:par>
+                    <p:cTn id="11" fill="hold">
+                      <p:stCondLst>
+                        <p:cond delay="indefinite"/>
+                      </p:stCondLst>
+                      <p:childTnLst>
+                        <p:par>
+                          <p:cTn id="12" fill="hold">
+                            <p:stCondLst>
+                              <p:cond delay="0"/>
+                            </p:stCondLst>
+                            <p:childTnLst>
+                              <p:par>
+                                <p:cTn id="13" presetID="1" presetClass="entr" presetSubtype="0" fill="hold" grpId="0" nodeType="clickEffect">
+                                  <p:stCondLst>
+                                    <p:cond delay="0"/>
+                                  </p:stCondLst>
+                                  <p:childTnLst>
+                                    <p:set>
+                                      <p:cBhvr>
+                                        <p:cTn id="14" dur="1" fill="hold">
+                                          <p:stCondLst>
+                                            <p:cond delay="0"/>
+                                          </p:stCondLst>
+                                        </p:cTn>
+                                        <p:tgtEl>
+                                          <p:spTgt spid="13"/>
+                                        </p:tgtEl>
+                                        <p:attrNameLst>
+                                          <p:attrName>style.visibility</p:attrName>
+                                        </p:attrNameLst>
+                                      </p:cBhvr>
+                                      <p:to>
+                                        <p:strVal val="visible"/>
+                                      </p:to>
+                                    </p:set>
+                                  </p:childTnLst>
+                                </p:cTn>
+                              </p:par>
+                              <p:par>
+                                <p:cTn id="15" presetID="1" presetClass="entr" presetSubtype="0" fill="hold" grpId="0" nodeType="withEffect">
+                                  <p:stCondLst>
+                                    <p:cond delay="0"/>
+                                  </p:stCondLst>
+                                  <p:childTnLst>
+                                    <p:set>
+                                      <p:cBhvr>
+                                        <p:cTn id="16" dur="1" fill="hold">
+                                          <p:stCondLst>
+                                            <p:cond delay="0"/>
+                                          </p:stCondLst>
+                                        </p:cTn>
+                                        <p:tgtEl>
+                                          <p:spTgt spid="16"/>
+                                        </p:tgtEl>
+                                        <p:attrNameLst>
+                                          <p:attrName>style.visibility</p:attrName>
+                                        </p:attrNameLst>
+                                      </p:cBhvr>
+                                      <p:to>
+                                        <p:strVal val="visible"/>
+                                      </p:to>
+                                    </p:set>
+                                  </p:childTnLst>
+                                </p:cTn>
+                              </p:par>
+                            </p:childTnLst>
+                          </p:cTn>
+                        </p:par>
+                      </p:childTnLst>
+                    </p:cTn>
+                  </p:par>
+                  <p:par>
+                    <p:cTn id="17" fill="hold">
+                      <p:stCondLst>
+                        <p:cond delay="indefinite"/>
+                      </p:stCondLst>
+                      <p:childTnLst>
+                        <p:par>
+                          <p:cTn id="18" fill="hold">
+                            <p:stCondLst>
+                              <p:cond delay="0"/>
+                            </p:stCondLst>
+                            <p:childTnLst>
+                              <p:par>
+                                <p:cTn id="19" presetID="1" presetClass="entr" presetSubtype="0" fill="hold" grpId="0" nodeType="clickEffect">
+                                  <p:stCondLst>
+                                    <p:cond delay="0"/>
+                                  </p:stCondLst>
+                                  <p:childTnLst>
+                                    <p:set>
+                                      <p:cBhvr>
+                                        <p:cTn id="20" dur="1" fill="hold">
+                                          <p:stCondLst>
+                                            <p:cond delay="0"/>
+                                          </p:stCondLst>
+                                        </p:cTn>
+                                        <p:tgtEl>
+                                          <p:spTgt spid="14"/>
+                                        </p:tgtEl>
+                                        <p:attrNameLst>
+                                          <p:attrName>style.visibility</p:attrName>
+                                        </p:attrNameLst>
+                                      </p:cBhvr>
+                                      <p:to>
+                                        <p:strVal val="visible"/>
+                                      </p:to>
+                                    </p:set>
+                                  </p:childTnLst>
+                                </p:cTn>
+                              </p:par>
+                              <p:par>
+                                <p:cTn id="21" presetID="1" presetClass="entr" presetSubtype="0" fill="hold" grpId="0" nodeType="withEffect">
+                                  <p:stCondLst>
+                                    <p:cond delay="0"/>
+                                  </p:stCondLst>
+                                  <p:childTnLst>
+                                    <p:set>
+                                      <p:cBhvr>
+                                        <p:cTn id="22" dur="1" fill="hold">
+                                          <p:stCondLst>
+                                            <p:cond delay="0"/>
+                                          </p:stCondLst>
+                                        </p:cTn>
+                                        <p:tgtEl>
+                                          <p:spTgt spid="19"/>
+                                        </p:tgtEl>
+                                        <p:attrNameLst>
+                                          <p:attrName>style.visibility</p:attrName>
+                                        </p:attrNameLst>
+                                      </p:cBhvr>
+                                      <p:to>
+                                        <p:strVal val="visible"/>
+                                      </p:to>
+                                    </p:set>
+                                  </p:childTnLst>
+                                </p:cTn>
+                              </p:par>
+                            </p:childTnLst>
+                          </p:cTn>
+                        </p:par>
+                      </p:childTnLst>
+                    </p:cTn>
+                  </p:par>
+                  <p:par>
+                    <p:cTn id="23" fill="hold">
+                      <p:stCondLst>
+                        <p:cond delay="indefinite"/>
+                      </p:stCondLst>
+                      <p:childTnLst>
+                        <p:par>
+                          <p:cTn id="24" fill="hold">
+                            <p:stCondLst>
+                              <p:cond delay="0"/>
+                            </p:stCondLst>
+                            <p:childTnLst>
+                              <p:par>
+                                <p:cTn id="25" presetID="1" presetClass="entr" presetSubtype="0" fill="hold" grpId="0" nodeType="clickEffect">
+                                  <p:stCondLst>
+                                    <p:cond delay="0"/>
+                                  </p:stCondLst>
+                                  <p:childTnLst>
+                                    <p:set>
+                                      <p:cBhvr>
+                                        <p:cTn id="26" dur="1" fill="hold">
+                                          <p:stCondLst>
+                                            <p:cond delay="0"/>
+                                          </p:stCondLst>
+                                        </p:cTn>
+                                        <p:tgtEl>
+                                          <p:spTgt spid="15"/>
+                                        </p:tgtEl>
+                                        <p:attrNameLst>
+                                          <p:attrName>style.visibility</p:attrName>
+                                        </p:attrNameLst>
+                                      </p:cBhvr>
+                                      <p:to>
+                                        <p:strVal val="visible"/>
+                                      </p:to>
+                                    </p:set>
+                                  </p:childTnLst>
+                                </p:cTn>
+                              </p:par>
+                            </p:childTnLst>
+                          </p:cTn>
+                        </p:par>
+                      </p:childTnLst>
+                    </p:cTn>
+                  </p:par>
+                </p:childTnLst>
+              </p:cTn>
+              <p:prevCondLst>
+                <p:cond evt="onPrev" delay="0">
+                  <p:tgtEl>
+                    <p:sldTgt/>
+                  </p:tgtEl>
+                </p:cond>
+              </p:prevCondLst>
+              <p:nextCondLst>
+                <p:cond evt="onNext" delay="0">
+                  <p:tgtEl>
+                    <p:sldTgt/>
+                  </p:tgtEl>
+                </p:cond>
+              </p:nextCondLst>
+            </p:seq>
+          </p:childTnLst>
+        </p:cTn>
+      </p:par>
+    </p:tnLst>
+    <p:bldLst>
+      <p:bldP spid="12" grpId="0"/>
+      <p:bldP spid="13" grpId="0"/>
+      <p:bldP spid="14" grpId="0"/>
+      <p:bldP spid="15" grpId="0"/>
+      <p:bldP spid="16" grpId="0"/>
+      <p:bldP spid="17" grpId="0"/>
+      <p:bldP spid="18" grpId="0"/>
+      <p:bldP spid="19" grpId="0"/>
+    </p:bldLst>
+  </p:timing>
 </p:sld>
 </file>
 
 <file path=ppt/slides/slide9.xml><?xml version="1.0" encoding="utf-8"?>
 <p:sld xmlns:a="http://schemas.openxmlformats.org/drawingml/2006/main" xmlns:r="http://schemas.openxmlformats.org/officeDocument/2006/relationships" xmlns:p="http://schemas.openxmlformats.org/presentationml/2006/main">
   <p:cSld>
+    <p:bg>
+      <p:bgPr>
+        <a:solidFill>
+          <a:schemeClr val="bg1"/>
+        </a:solidFill>
+        <a:effectLst/>
+      </p:bgPr>
+    </p:bg>
     <p:spTree>
       <p:nvGrpSpPr>
         <p:cNvPr id="1" name=""/>
@@ -14642,154 +15006,45 @@
           <a:chExt cx="0" cy="0"/>
         </a:xfrm>
       </p:grpSpPr>
-      <p:sp>
-        <p:nvSpPr>
-          <p:cNvPr id="4" name="TextBox 3">
+      <p:pic>
+        <p:nvPicPr>
+          <p:cNvPr id="5" name="Graphic 4">
             <a:extLst>
               <a:ext uri="{FF2B5EF4-FFF2-40B4-BE49-F238E27FC236}">
-                <a16:creationId xmlns:a16="http://schemas.microsoft.com/office/drawing/2014/main" id="{2B49F462-104B-B34E-9C49-834508971279}"/>
+                <a16:creationId xmlns:a16="http://schemas.microsoft.com/office/drawing/2014/main" id="{0E4D43E6-78EC-3341-A4F0-98BBF23CEA96}"/>
               </a:ext>
             </a:extLst>
           </p:cNvPr>
-          <p:cNvSpPr txBox="1"/>
+          <p:cNvPicPr>
+            <a:picLocks noChangeAspect="1"/>
+          </p:cNvPicPr>
           <p:nvPr/>
-        </p:nvSpPr>
+        </p:nvPicPr>
+        <p:blipFill>
+          <a:blip r:embed="rId3">
+            <a:extLst>
+              <a:ext uri="{28A0092B-C50C-407E-A947-70E740481C1C}">
+                <a14:useLocalDpi xmlns:a14="http://schemas.microsoft.com/office/drawing/2010/main" val="0"/>
+              </a:ext>
+              <a:ext uri="{96DAC541-7B7A-43D3-8B79-37D633B846F1}">
+                <asvg:svgBlip xmlns:asvg="http://schemas.microsoft.com/office/drawing/2016/SVG/main" r:embed="rId4"/>
+              </a:ext>
+            </a:extLst>
+          </a:blip>
+          <a:stretch>
+            <a:fillRect/>
+          </a:stretch>
+        </p:blipFill>
         <p:spPr>
           <a:xfrm>
-            <a:off x="489857" y="68429"/>
-            <a:ext cx="11212286" cy="5940088"/>
+            <a:off x="1287780" y="3320730"/>
+            <a:ext cx="3040381" cy="3040381"/>
           </a:xfrm>
           <a:prstGeom prst="rect">
             <a:avLst/>
           </a:prstGeom>
-          <a:noFill/>
         </p:spPr>
-        <p:txBody>
-          <a:bodyPr wrap="square" rtlCol="0">
-            <a:spAutoFit/>
-          </a:bodyPr>
-          <a:lstStyle/>
-          <a:p>
-            <a:pPr algn="just"/>
-            <a:r>
-              <a:rPr lang="en-US" sz="6000" dirty="0">
-                <a:latin typeface="Helvetica" pitchFamily="2" charset="0"/>
-              </a:rPr>
-              <a:t>Assumptions</a:t>
-            </a:r>
-          </a:p>
-          <a:p>
-            <a:pPr marL="457200" indent="-457200" algn="just">
-              <a:buFont typeface="Arial" panose="020B0604020202020204" pitchFamily="34" charset="0"/>
-              <a:buChar char="•"/>
-            </a:pPr>
-            <a:r>
-              <a:rPr lang="en-US" sz="4000" dirty="0">
-                <a:latin typeface="Helvetica" pitchFamily="2" charset="0"/>
-                <a:ea typeface="Tahoma" panose="020B0604030504040204" pitchFamily="34" charset="0"/>
-                <a:cs typeface="Tahoma" panose="020B0604030504040204" pitchFamily="34" charset="0"/>
-              </a:rPr>
-              <a:t>Repeated surveys occur during a period of </a:t>
-            </a:r>
-            <a:r>
-              <a:rPr lang="en-US" sz="4000" b="1" dirty="0">
-                <a:solidFill>
-                  <a:srgbClr val="4CA800"/>
-                </a:solidFill>
-                <a:latin typeface="Helvetica" pitchFamily="2" charset="0"/>
-                <a:ea typeface="Tahoma" panose="020B0604030504040204" pitchFamily="34" charset="0"/>
-                <a:cs typeface="Tahoma" panose="020B0604030504040204" pitchFamily="34" charset="0"/>
-              </a:rPr>
-              <a:t>closure</a:t>
-            </a:r>
-            <a:r>
-              <a:rPr lang="en-US" sz="4000" dirty="0">
-                <a:latin typeface="Helvetica" pitchFamily="2" charset="0"/>
-                <a:ea typeface="Tahoma" panose="020B0604030504040204" pitchFamily="34" charset="0"/>
-                <a:cs typeface="Tahoma" panose="020B0604030504040204" pitchFamily="34" charset="0"/>
-              </a:rPr>
-              <a:t>, when there is no change in occupancy state</a:t>
-            </a:r>
-          </a:p>
-          <a:p>
-            <a:pPr marL="457200" indent="-457200" algn="just">
-              <a:buFont typeface="Arial" panose="020B0604020202020204" pitchFamily="34" charset="0"/>
-              <a:buChar char="•"/>
-            </a:pPr>
-            <a:r>
-              <a:rPr lang="en-US" sz="4000" dirty="0">
-                <a:latin typeface="Helvetica" pitchFamily="2" charset="0"/>
-                <a:ea typeface="Tahoma" panose="020B0604030504040204" pitchFamily="34" charset="0"/>
-                <a:cs typeface="Tahoma" panose="020B0604030504040204" pitchFamily="34" charset="0"/>
-              </a:rPr>
-              <a:t>There are </a:t>
-            </a:r>
-            <a:r>
-              <a:rPr lang="en-US" sz="4000" b="1" dirty="0">
-                <a:solidFill>
-                  <a:srgbClr val="4CA800"/>
-                </a:solidFill>
-                <a:latin typeface="Helvetica" pitchFamily="2" charset="0"/>
-                <a:ea typeface="Tahoma" panose="020B0604030504040204" pitchFamily="34" charset="0"/>
-                <a:cs typeface="Tahoma" panose="020B0604030504040204" pitchFamily="34" charset="0"/>
-              </a:rPr>
-              <a:t>no false detections</a:t>
-            </a:r>
-          </a:p>
-          <a:p>
-            <a:pPr marL="457200" indent="-457200" algn="just">
-              <a:buFont typeface="Arial" panose="020B0604020202020204" pitchFamily="34" charset="0"/>
-              <a:buChar char="•"/>
-            </a:pPr>
-            <a:r>
-              <a:rPr lang="en-US" sz="4000" dirty="0">
-                <a:latin typeface="Helvetica" pitchFamily="2" charset="0"/>
-              </a:rPr>
-              <a:t>Sites are </a:t>
-            </a:r>
-            <a:r>
-              <a:rPr lang="en-US" sz="4000" b="1" dirty="0">
-                <a:solidFill>
-                  <a:srgbClr val="4CA800"/>
-                </a:solidFill>
-                <a:latin typeface="Helvetica" pitchFamily="2" charset="0"/>
-                <a:ea typeface="Tahoma" panose="020B0604030504040204" pitchFamily="34" charset="0"/>
-                <a:cs typeface="Tahoma" panose="020B0604030504040204" pitchFamily="34" charset="0"/>
-              </a:rPr>
-              <a:t>independent</a:t>
-            </a:r>
-          </a:p>
-          <a:p>
-            <a:pPr marL="457200" indent="-457200" algn="just">
-              <a:buFont typeface="Arial" panose="020B0604020202020204" pitchFamily="34" charset="0"/>
-              <a:buChar char="•"/>
-            </a:pPr>
-            <a:r>
-              <a:rPr lang="en-US" sz="4000" dirty="0">
-                <a:latin typeface="Helvetica" pitchFamily="2" charset="0"/>
-              </a:rPr>
-              <a:t>The relationship between occupancy and detection probabilities and the covariates is </a:t>
-            </a:r>
-            <a:r>
-              <a:rPr lang="en-US" sz="4000" b="1" dirty="0">
-                <a:solidFill>
-                  <a:srgbClr val="4CA800"/>
-                </a:solidFill>
-                <a:latin typeface="Helvetica" pitchFamily="2" charset="0"/>
-                <a:ea typeface="Tahoma" panose="020B0604030504040204" pitchFamily="34" charset="0"/>
-                <a:cs typeface="Tahoma" panose="020B0604030504040204" pitchFamily="34" charset="0"/>
-              </a:rPr>
-              <a:t>stationary</a:t>
-            </a:r>
-            <a:r>
-              <a:rPr lang="en-US" sz="4000" dirty="0">
-                <a:latin typeface="Helvetica" pitchFamily="2" charset="0"/>
-              </a:rPr>
-              <a:t>, i.e. constant across sites and visits</a:t>
-            </a:r>
-          </a:p>
-        </p:txBody>
-      </p:sp>
+      </p:pic>
       <p:grpSp>
         <p:nvGrpSpPr>
           <p:cNvPr id="8" name="Group 7">
@@ -14885,7 +15140,7 @@
             <p:nvPr/>
           </p:nvPicPr>
           <p:blipFill>
-            <a:blip r:embed="rId3">
+            <a:blip r:embed="rId5">
               <a:extLst>
                 <a:ext uri="{28A0092B-C50C-407E-A947-70E740481C1C}">
                   <a14:useLocalDpi xmlns:a14="http://schemas.microsoft.com/office/drawing/2010/main" val="0"/>
@@ -14931,16 +15186,500 @@
           </p:spPr>
         </p:pic>
       </p:grpSp>
+      <p:sp>
+        <p:nvSpPr>
+          <p:cNvPr id="16" name="TextBox 15">
+            <a:extLst>
+              <a:ext uri="{FF2B5EF4-FFF2-40B4-BE49-F238E27FC236}">
+                <a16:creationId xmlns:a16="http://schemas.microsoft.com/office/drawing/2014/main" id="{CE56B8A4-CABE-A745-8E84-91CEAEA17A6E}"/>
+              </a:ext>
+            </a:extLst>
+          </p:cNvPr>
+          <p:cNvSpPr txBox="1"/>
+          <p:nvPr/>
+        </p:nvSpPr>
+        <p:spPr>
+          <a:xfrm>
+            <a:off x="6096000" y="601979"/>
+            <a:ext cx="5985510" cy="1323439"/>
+          </a:xfrm>
+          <a:prstGeom prst="rect">
+            <a:avLst/>
+          </a:prstGeom>
+          <a:noFill/>
+        </p:spPr>
+        <p:txBody>
+          <a:bodyPr wrap="square" rtlCol="0">
+            <a:spAutoFit/>
+          </a:bodyPr>
+          <a:lstStyle/>
+          <a:p>
+            <a:pPr algn="just"/>
+            <a:r>
+              <a:rPr lang="en-US" sz="4000" b="1" dirty="0">
+                <a:latin typeface="Helvetica" pitchFamily="2" charset="0"/>
+              </a:rPr>
+              <a:t>Ecological process</a:t>
+            </a:r>
+            <a:endParaRPr lang="en-US" sz="4000" dirty="0">
+              <a:latin typeface="Helvetica" pitchFamily="2" charset="0"/>
+            </a:endParaRPr>
+          </a:p>
+          <a:p>
+            <a:pPr algn="just"/>
+            <a:endParaRPr lang="en-US" sz="4000" dirty="0">
+              <a:latin typeface="Helvetica" pitchFamily="2" charset="0"/>
+            </a:endParaRPr>
+          </a:p>
+        </p:txBody>
+      </p:sp>
+      <p:sp>
+        <p:nvSpPr>
+          <p:cNvPr id="10" name="TextBox 9">
+            <a:extLst>
+              <a:ext uri="{FF2B5EF4-FFF2-40B4-BE49-F238E27FC236}">
+                <a16:creationId xmlns:a16="http://schemas.microsoft.com/office/drawing/2014/main" id="{AB71FB48-D22D-2049-A0F7-9ACC76664400}"/>
+              </a:ext>
+            </a:extLst>
+          </p:cNvPr>
+          <p:cNvSpPr txBox="1"/>
+          <p:nvPr/>
+        </p:nvSpPr>
+        <p:spPr>
+          <a:xfrm>
+            <a:off x="6206490" y="3642359"/>
+            <a:ext cx="5985510" cy="707886"/>
+          </a:xfrm>
+          <a:prstGeom prst="rect">
+            <a:avLst/>
+          </a:prstGeom>
+          <a:noFill/>
+        </p:spPr>
+        <p:txBody>
+          <a:bodyPr wrap="square" rtlCol="0">
+            <a:spAutoFit/>
+          </a:bodyPr>
+          <a:lstStyle/>
+          <a:p>
+            <a:pPr algn="just"/>
+            <a:r>
+              <a:rPr lang="en-US" sz="4000" b="1" dirty="0">
+                <a:latin typeface="Helvetica" pitchFamily="2" charset="0"/>
+              </a:rPr>
+              <a:t>Observation process</a:t>
+            </a:r>
+          </a:p>
+        </p:txBody>
+      </p:sp>
+      <p:sp>
+        <p:nvSpPr>
+          <p:cNvPr id="18" name="Rectangle 17">
+            <a:extLst>
+              <a:ext uri="{FF2B5EF4-FFF2-40B4-BE49-F238E27FC236}">
+                <a16:creationId xmlns:a16="http://schemas.microsoft.com/office/drawing/2014/main" id="{3571F759-AF08-394E-A6F8-B69301BE59CF}"/>
+              </a:ext>
+            </a:extLst>
+          </p:cNvPr>
+          <p:cNvSpPr/>
+          <p:nvPr/>
+        </p:nvSpPr>
+        <p:spPr>
+          <a:xfrm>
+            <a:off x="7346467" y="1347610"/>
+            <a:ext cx="3943708" cy="553998"/>
+          </a:xfrm>
+          <a:prstGeom prst="rect">
+            <a:avLst/>
+          </a:prstGeom>
+        </p:spPr>
+        <p:txBody>
+          <a:bodyPr wrap="none">
+            <a:spAutoFit/>
+          </a:bodyPr>
+          <a:lstStyle/>
+          <a:p>
+            <a:pPr algn="just"/>
+            <a:r>
+              <a:rPr lang="en-US" sz="3000" dirty="0">
+                <a:solidFill>
+                  <a:schemeClr val="accent6"/>
+                </a:solidFill>
+                <a:latin typeface="Helvetica" pitchFamily="2" charset="0"/>
+              </a:rPr>
+              <a:t>what we want to know</a:t>
+            </a:r>
+          </a:p>
+        </p:txBody>
+      </p:sp>
+      <p:sp>
+        <p:nvSpPr>
+          <p:cNvPr id="25" name="Right Arrow 24">
+            <a:extLst>
+              <a:ext uri="{FF2B5EF4-FFF2-40B4-BE49-F238E27FC236}">
+                <a16:creationId xmlns:a16="http://schemas.microsoft.com/office/drawing/2014/main" id="{11982441-F412-9648-86C4-FD0384AAD0A5}"/>
+              </a:ext>
+            </a:extLst>
+          </p:cNvPr>
+          <p:cNvSpPr/>
+          <p:nvPr/>
+        </p:nvSpPr>
+        <p:spPr>
+          <a:xfrm>
+            <a:off x="6580559" y="1511797"/>
+            <a:ext cx="765908" cy="226646"/>
+          </a:xfrm>
+          <a:prstGeom prst="rightArrow">
+            <a:avLst/>
+          </a:prstGeom>
+          <a:solidFill>
+            <a:schemeClr val="accent6"/>
+          </a:solidFill>
+          <a:ln>
+            <a:noFill/>
+          </a:ln>
+        </p:spPr>
+        <p:style>
+          <a:lnRef idx="0">
+            <a:scrgbClr r="0" g="0" b="0"/>
+          </a:lnRef>
+          <a:fillRef idx="0">
+            <a:scrgbClr r="0" g="0" b="0"/>
+          </a:fillRef>
+          <a:effectRef idx="0">
+            <a:scrgbClr r="0" g="0" b="0"/>
+          </a:effectRef>
+          <a:fontRef idx="minor">
+            <a:schemeClr val="lt1"/>
+          </a:fontRef>
+        </p:style>
+        <p:txBody>
+          <a:bodyPr rtlCol="0" anchor="ctr"/>
+          <a:lstStyle/>
+          <a:p>
+            <a:pPr algn="ctr"/>
+            <a:endParaRPr lang="en-US"/>
+          </a:p>
+        </p:txBody>
+      </p:sp>
+      <p:sp>
+        <p:nvSpPr>
+          <p:cNvPr id="26" name="Rectangle 25">
+            <a:extLst>
+              <a:ext uri="{FF2B5EF4-FFF2-40B4-BE49-F238E27FC236}">
+                <a16:creationId xmlns:a16="http://schemas.microsoft.com/office/drawing/2014/main" id="{2579D58D-6DAE-BA48-BED5-0516B3283CC2}"/>
+              </a:ext>
+            </a:extLst>
+          </p:cNvPr>
+          <p:cNvSpPr/>
+          <p:nvPr/>
+        </p:nvSpPr>
+        <p:spPr>
+          <a:xfrm>
+            <a:off x="7207482" y="4456609"/>
+            <a:ext cx="4604146" cy="553998"/>
+          </a:xfrm>
+          <a:prstGeom prst="rect">
+            <a:avLst/>
+          </a:prstGeom>
+        </p:spPr>
+        <p:txBody>
+          <a:bodyPr wrap="none">
+            <a:spAutoFit/>
+          </a:bodyPr>
+          <a:lstStyle/>
+          <a:p>
+            <a:pPr algn="just"/>
+            <a:r>
+              <a:rPr lang="en-US" sz="3000" dirty="0">
+                <a:solidFill>
+                  <a:schemeClr val="accent6"/>
+                </a:solidFill>
+                <a:latin typeface="Helvetica" pitchFamily="2" charset="0"/>
+              </a:rPr>
+              <a:t>what we actually measure</a:t>
+            </a:r>
+          </a:p>
+        </p:txBody>
+      </p:sp>
+      <p:sp>
+        <p:nvSpPr>
+          <p:cNvPr id="27" name="Right Arrow 26">
+            <a:extLst>
+              <a:ext uri="{FF2B5EF4-FFF2-40B4-BE49-F238E27FC236}">
+                <a16:creationId xmlns:a16="http://schemas.microsoft.com/office/drawing/2014/main" id="{C6E9E855-E910-EF46-8E0E-558C102E90FC}"/>
+              </a:ext>
+            </a:extLst>
+          </p:cNvPr>
+          <p:cNvSpPr/>
+          <p:nvPr/>
+        </p:nvSpPr>
+        <p:spPr>
+          <a:xfrm>
+            <a:off x="6491248" y="4644095"/>
+            <a:ext cx="765908" cy="226646"/>
+          </a:xfrm>
+          <a:prstGeom prst="rightArrow">
+            <a:avLst/>
+          </a:prstGeom>
+          <a:solidFill>
+            <a:schemeClr val="accent6"/>
+          </a:solidFill>
+          <a:ln>
+            <a:noFill/>
+          </a:ln>
+        </p:spPr>
+        <p:style>
+          <a:lnRef idx="0">
+            <a:scrgbClr r="0" g="0" b="0"/>
+          </a:lnRef>
+          <a:fillRef idx="0">
+            <a:scrgbClr r="0" g="0" b="0"/>
+          </a:fillRef>
+          <a:effectRef idx="0">
+            <a:scrgbClr r="0" g="0" b="0"/>
+          </a:effectRef>
+          <a:fontRef idx="minor">
+            <a:schemeClr val="lt1"/>
+          </a:fontRef>
+        </p:style>
+        <p:txBody>
+          <a:bodyPr rtlCol="0" anchor="ctr"/>
+          <a:lstStyle/>
+          <a:p>
+            <a:pPr algn="ctr"/>
+            <a:endParaRPr lang="en-US"/>
+          </a:p>
+        </p:txBody>
+      </p:sp>
+      <p:pic>
+        <p:nvPicPr>
+          <p:cNvPr id="3" name="Graphic 2">
+            <a:extLst>
+              <a:ext uri="{FF2B5EF4-FFF2-40B4-BE49-F238E27FC236}">
+                <a16:creationId xmlns:a16="http://schemas.microsoft.com/office/drawing/2014/main" id="{AF0C4886-4532-E34D-9F3C-686757ECECF5}"/>
+              </a:ext>
+            </a:extLst>
+          </p:cNvPr>
+          <p:cNvPicPr>
+            <a:picLocks noChangeAspect="1"/>
+          </p:cNvPicPr>
+          <p:nvPr/>
+        </p:nvPicPr>
+        <p:blipFill>
+          <a:blip r:embed="rId6">
+            <a:extLst>
+              <a:ext uri="{28A0092B-C50C-407E-A947-70E740481C1C}">
+                <a14:useLocalDpi xmlns:a14="http://schemas.microsoft.com/office/drawing/2010/main" val="0"/>
+              </a:ext>
+              <a:ext uri="{96DAC541-7B7A-43D3-8B79-37D633B846F1}">
+                <asvg:svgBlip xmlns:asvg="http://schemas.microsoft.com/office/drawing/2016/SVG/main" r:embed="rId7"/>
+              </a:ext>
+            </a:extLst>
+          </a:blip>
+          <a:stretch>
+            <a:fillRect/>
+          </a:stretch>
+        </p:blipFill>
+        <p:spPr>
+          <a:xfrm>
+            <a:off x="1287780" y="104419"/>
+            <a:ext cx="3040380" cy="3040380"/>
+          </a:xfrm>
+          <a:prstGeom prst="rect">
+            <a:avLst/>
+          </a:prstGeom>
+        </p:spPr>
+      </p:pic>
     </p:spTree>
     <p:extLst>
       <p:ext uri="{BB962C8B-B14F-4D97-AF65-F5344CB8AC3E}">
-        <p14:creationId xmlns:p14="http://schemas.microsoft.com/office/powerpoint/2010/main" val="3036670036"/>
+        <p14:creationId xmlns:p14="http://schemas.microsoft.com/office/powerpoint/2010/main" val="2075136203"/>
       </p:ext>
     </p:extLst>
   </p:cSld>
   <p:clrMapOvr>
     <a:masterClrMapping/>
   </p:clrMapOvr>
+  <p:timing>
+    <p:tnLst>
+      <p:par>
+        <p:cTn id="1" dur="indefinite" restart="never" nodeType="tmRoot">
+          <p:childTnLst>
+            <p:seq concurrent="1" nextAc="seek">
+              <p:cTn id="2" dur="indefinite" nodeType="mainSeq">
+                <p:childTnLst>
+                  <p:par>
+                    <p:cTn id="3" fill="hold">
+                      <p:stCondLst>
+                        <p:cond delay="indefinite"/>
+                      </p:stCondLst>
+                      <p:childTnLst>
+                        <p:par>
+                          <p:cTn id="4" fill="hold">
+                            <p:stCondLst>
+                              <p:cond delay="0"/>
+                            </p:stCondLst>
+                            <p:childTnLst>
+                              <p:par>
+                                <p:cTn id="5" presetID="1" presetClass="entr" presetSubtype="0" fill="hold" grpId="0" nodeType="clickEffect">
+                                  <p:stCondLst>
+                                    <p:cond delay="0"/>
+                                  </p:stCondLst>
+                                  <p:childTnLst>
+                                    <p:set>
+                                      <p:cBhvr>
+                                        <p:cTn id="6" dur="1" fill="hold">
+                                          <p:stCondLst>
+                                            <p:cond delay="0"/>
+                                          </p:stCondLst>
+                                        </p:cTn>
+                                        <p:tgtEl>
+                                          <p:spTgt spid="25"/>
+                                        </p:tgtEl>
+                                        <p:attrNameLst>
+                                          <p:attrName>style.visibility</p:attrName>
+                                        </p:attrNameLst>
+                                      </p:cBhvr>
+                                      <p:to>
+                                        <p:strVal val="visible"/>
+                                      </p:to>
+                                    </p:set>
+                                  </p:childTnLst>
+                                </p:cTn>
+                              </p:par>
+                              <p:par>
+                                <p:cTn id="7" presetID="1" presetClass="entr" presetSubtype="0" fill="hold" grpId="0" nodeType="withEffect">
+                                  <p:stCondLst>
+                                    <p:cond delay="0"/>
+                                  </p:stCondLst>
+                                  <p:childTnLst>
+                                    <p:set>
+                                      <p:cBhvr>
+                                        <p:cTn id="8" dur="1" fill="hold">
+                                          <p:stCondLst>
+                                            <p:cond delay="0"/>
+                                          </p:stCondLst>
+                                        </p:cTn>
+                                        <p:tgtEl>
+                                          <p:spTgt spid="18"/>
+                                        </p:tgtEl>
+                                        <p:attrNameLst>
+                                          <p:attrName>style.visibility</p:attrName>
+                                        </p:attrNameLst>
+                                      </p:cBhvr>
+                                      <p:to>
+                                        <p:strVal val="visible"/>
+                                      </p:to>
+                                    </p:set>
+                                  </p:childTnLst>
+                                </p:cTn>
+                              </p:par>
+                            </p:childTnLst>
+                          </p:cTn>
+                        </p:par>
+                      </p:childTnLst>
+                    </p:cTn>
+                  </p:par>
+                  <p:par>
+                    <p:cTn id="9" fill="hold">
+                      <p:stCondLst>
+                        <p:cond delay="indefinite"/>
+                      </p:stCondLst>
+                      <p:childTnLst>
+                        <p:par>
+                          <p:cTn id="10" fill="hold">
+                            <p:stCondLst>
+                              <p:cond delay="0"/>
+                            </p:stCondLst>
+                            <p:childTnLst>
+                              <p:par>
+                                <p:cTn id="11" presetID="1" presetClass="entr" presetSubtype="0" fill="hold" grpId="0" nodeType="clickEffect">
+                                  <p:stCondLst>
+                                    <p:cond delay="0"/>
+                                  </p:stCondLst>
+                                  <p:childTnLst>
+                                    <p:set>
+                                      <p:cBhvr>
+                                        <p:cTn id="12" dur="1" fill="hold">
+                                          <p:stCondLst>
+                                            <p:cond delay="0"/>
+                                          </p:stCondLst>
+                                        </p:cTn>
+                                        <p:tgtEl>
+                                          <p:spTgt spid="27"/>
+                                        </p:tgtEl>
+                                        <p:attrNameLst>
+                                          <p:attrName>style.visibility</p:attrName>
+                                        </p:attrNameLst>
+                                      </p:cBhvr>
+                                      <p:to>
+                                        <p:strVal val="visible"/>
+                                      </p:to>
+                                    </p:set>
+                                  </p:childTnLst>
+                                </p:cTn>
+                              </p:par>
+                              <p:par>
+                                <p:cTn id="13" presetID="1" presetClass="entr" presetSubtype="0" fill="hold" grpId="0" nodeType="withEffect">
+                                  <p:stCondLst>
+                                    <p:cond delay="0"/>
+                                  </p:stCondLst>
+                                  <p:childTnLst>
+                                    <p:set>
+                                      <p:cBhvr>
+                                        <p:cTn id="14" dur="1" fill="hold">
+                                          <p:stCondLst>
+                                            <p:cond delay="0"/>
+                                          </p:stCondLst>
+                                        </p:cTn>
+                                        <p:tgtEl>
+                                          <p:spTgt spid="26"/>
+                                        </p:tgtEl>
+                                        <p:attrNameLst>
+                                          <p:attrName>style.visibility</p:attrName>
+                                        </p:attrNameLst>
+                                      </p:cBhvr>
+                                      <p:to>
+                                        <p:strVal val="visible"/>
+                                      </p:to>
+                                    </p:set>
+                                  </p:childTnLst>
+                                </p:cTn>
+                              </p:par>
+                            </p:childTnLst>
+                          </p:cTn>
+                        </p:par>
+                      </p:childTnLst>
+                    </p:cTn>
+                  </p:par>
+                </p:childTnLst>
+              </p:cTn>
+              <p:prevCondLst>
+                <p:cond evt="onPrev" delay="0">
+                  <p:tgtEl>
+                    <p:sldTgt/>
+                  </p:tgtEl>
+                </p:cond>
+              </p:prevCondLst>
+              <p:nextCondLst>
+                <p:cond evt="onNext" delay="0">
+                  <p:tgtEl>
+                    <p:sldTgt/>
+                  </p:tgtEl>
+                </p:cond>
+              </p:nextCondLst>
+            </p:seq>
+          </p:childTnLst>
+        </p:cTn>
+      </p:par>
+    </p:tnLst>
+    <p:bldLst>
+      <p:bldP spid="18" grpId="0"/>
+      <p:bldP spid="25" grpId="0" animBg="1"/>
+      <p:bldP spid="26" grpId="0"/>
+      <p:bldP spid="27" grpId="0" animBg="1"/>
+    </p:bldLst>
+  </p:timing>
 </p:sld>
 </file>
 
